--- a/시네틱스 보고서.pptx
+++ b/시네틱스 보고서.pptx
@@ -249,7 +249,7 @@
           <a:p>
             <a:fld id="{774DCD05-5649-4EF0-93CB-32420155E3C9}" type="datetimeFigureOut">
               <a:rPr lang="ko-KR" altLang="en-US" smtClean="0"/>
-              <a:t>2021-08-25</a:t>
+              <a:t>2021-09-01</a:t>
             </a:fld>
             <a:endParaRPr lang="ko-KR" altLang="en-US"/>
           </a:p>
@@ -419,7 +419,7 @@
           <a:p>
             <a:fld id="{774DCD05-5649-4EF0-93CB-32420155E3C9}" type="datetimeFigureOut">
               <a:rPr lang="ko-KR" altLang="en-US" smtClean="0"/>
-              <a:t>2021-08-25</a:t>
+              <a:t>2021-09-01</a:t>
             </a:fld>
             <a:endParaRPr lang="ko-KR" altLang="en-US"/>
           </a:p>
@@ -599,7 +599,7 @@
           <a:p>
             <a:fld id="{774DCD05-5649-4EF0-93CB-32420155E3C9}" type="datetimeFigureOut">
               <a:rPr lang="ko-KR" altLang="en-US" smtClean="0"/>
-              <a:t>2021-08-25</a:t>
+              <a:t>2021-09-01</a:t>
             </a:fld>
             <a:endParaRPr lang="ko-KR" altLang="en-US"/>
           </a:p>
@@ -769,7 +769,7 @@
           <a:p>
             <a:fld id="{774DCD05-5649-4EF0-93CB-32420155E3C9}" type="datetimeFigureOut">
               <a:rPr lang="ko-KR" altLang="en-US" smtClean="0"/>
-              <a:t>2021-08-25</a:t>
+              <a:t>2021-09-01</a:t>
             </a:fld>
             <a:endParaRPr lang="ko-KR" altLang="en-US"/>
           </a:p>
@@ -1013,7 +1013,7 @@
           <a:p>
             <a:fld id="{774DCD05-5649-4EF0-93CB-32420155E3C9}" type="datetimeFigureOut">
               <a:rPr lang="ko-KR" altLang="en-US" smtClean="0"/>
-              <a:t>2021-08-25</a:t>
+              <a:t>2021-09-01</a:t>
             </a:fld>
             <a:endParaRPr lang="ko-KR" altLang="en-US"/>
           </a:p>
@@ -1245,7 +1245,7 @@
           <a:p>
             <a:fld id="{774DCD05-5649-4EF0-93CB-32420155E3C9}" type="datetimeFigureOut">
               <a:rPr lang="ko-KR" altLang="en-US" smtClean="0"/>
-              <a:t>2021-08-25</a:t>
+              <a:t>2021-09-01</a:t>
             </a:fld>
             <a:endParaRPr lang="ko-KR" altLang="en-US"/>
           </a:p>
@@ -1612,7 +1612,7 @@
           <a:p>
             <a:fld id="{774DCD05-5649-4EF0-93CB-32420155E3C9}" type="datetimeFigureOut">
               <a:rPr lang="ko-KR" altLang="en-US" smtClean="0"/>
-              <a:t>2021-08-25</a:t>
+              <a:t>2021-09-01</a:t>
             </a:fld>
             <a:endParaRPr lang="ko-KR" altLang="en-US"/>
           </a:p>
@@ -1730,7 +1730,7 @@
           <a:p>
             <a:fld id="{774DCD05-5649-4EF0-93CB-32420155E3C9}" type="datetimeFigureOut">
               <a:rPr lang="ko-KR" altLang="en-US" smtClean="0"/>
-              <a:t>2021-08-25</a:t>
+              <a:t>2021-09-01</a:t>
             </a:fld>
             <a:endParaRPr lang="ko-KR" altLang="en-US"/>
           </a:p>
@@ -1825,7 +1825,7 @@
           <a:p>
             <a:fld id="{774DCD05-5649-4EF0-93CB-32420155E3C9}" type="datetimeFigureOut">
               <a:rPr lang="ko-KR" altLang="en-US" smtClean="0"/>
-              <a:t>2021-08-25</a:t>
+              <a:t>2021-09-01</a:t>
             </a:fld>
             <a:endParaRPr lang="ko-KR" altLang="en-US"/>
           </a:p>
@@ -2102,7 +2102,7 @@
           <a:p>
             <a:fld id="{774DCD05-5649-4EF0-93CB-32420155E3C9}" type="datetimeFigureOut">
               <a:rPr lang="ko-KR" altLang="en-US" smtClean="0"/>
-              <a:t>2021-08-25</a:t>
+              <a:t>2021-09-01</a:t>
             </a:fld>
             <a:endParaRPr lang="ko-KR" altLang="en-US"/>
           </a:p>
@@ -2359,7 +2359,7 @@
           <a:p>
             <a:fld id="{774DCD05-5649-4EF0-93CB-32420155E3C9}" type="datetimeFigureOut">
               <a:rPr lang="ko-KR" altLang="en-US" smtClean="0"/>
-              <a:t>2021-08-25</a:t>
+              <a:t>2021-09-01</a:t>
             </a:fld>
             <a:endParaRPr lang="ko-KR" altLang="en-US"/>
           </a:p>
@@ -2572,7 +2572,7 @@
           <a:p>
             <a:fld id="{774DCD05-5649-4EF0-93CB-32420155E3C9}" type="datetimeFigureOut">
               <a:rPr lang="ko-KR" altLang="en-US" smtClean="0"/>
-              <a:t>2021-08-25</a:t>
+              <a:t>2021-09-01</a:t>
             </a:fld>
             <a:endParaRPr lang="ko-KR" altLang="en-US"/>
           </a:p>
@@ -4980,6 +4980,2367 @@
           </a:p>
         </p:txBody>
       </p:sp>
+      <p:sp>
+        <p:nvSpPr>
+          <p:cNvPr id="9" name="TextBox 1"/>
+          <p:cNvSpPr txBox="1"/>
+          <p:nvPr/>
+        </p:nvSpPr>
+        <p:spPr>
+          <a:xfrm>
+            <a:off x="245182" y="3253435"/>
+            <a:ext cx="1387667" cy="646331"/>
+          </a:xfrm>
+          <a:prstGeom prst="rect">
+            <a:avLst/>
+          </a:prstGeom>
+          <a:noFill/>
+        </p:spPr>
+        <p:txBody>
+          <a:bodyPr wrap="square" rtlCol="0">
+            <a:spAutoFit/>
+          </a:bodyPr>
+          <a:lstStyle>
+            <a:defPPr>
+              <a:defRPr lang="ko-KR"/>
+            </a:defPPr>
+            <a:lvl1pPr marL="0" algn="l" defTabSz="914400" rtl="0" eaLnBrk="1" latinLnBrk="1" hangingPunct="1">
+              <a:defRPr sz="1800" kern="1200">
+                <a:solidFill>
+                  <a:schemeClr val="tx1"/>
+                </a:solidFill>
+                <a:latin typeface="+mn-lt"/>
+                <a:ea typeface="+mn-ea"/>
+                <a:cs typeface="+mn-cs"/>
+              </a:defRPr>
+            </a:lvl1pPr>
+            <a:lvl2pPr marL="457200" algn="l" defTabSz="914400" rtl="0" eaLnBrk="1" latinLnBrk="1" hangingPunct="1">
+              <a:defRPr sz="1800" kern="1200">
+                <a:solidFill>
+                  <a:schemeClr val="tx1"/>
+                </a:solidFill>
+                <a:latin typeface="+mn-lt"/>
+                <a:ea typeface="+mn-ea"/>
+                <a:cs typeface="+mn-cs"/>
+              </a:defRPr>
+            </a:lvl2pPr>
+            <a:lvl3pPr marL="914400" algn="l" defTabSz="914400" rtl="0" eaLnBrk="1" latinLnBrk="1" hangingPunct="1">
+              <a:defRPr sz="1800" kern="1200">
+                <a:solidFill>
+                  <a:schemeClr val="tx1"/>
+                </a:solidFill>
+                <a:latin typeface="+mn-lt"/>
+                <a:ea typeface="+mn-ea"/>
+                <a:cs typeface="+mn-cs"/>
+              </a:defRPr>
+            </a:lvl3pPr>
+            <a:lvl4pPr marL="1371600" algn="l" defTabSz="914400" rtl="0" eaLnBrk="1" latinLnBrk="1" hangingPunct="1">
+              <a:defRPr sz="1800" kern="1200">
+                <a:solidFill>
+                  <a:schemeClr val="tx1"/>
+                </a:solidFill>
+                <a:latin typeface="+mn-lt"/>
+                <a:ea typeface="+mn-ea"/>
+                <a:cs typeface="+mn-cs"/>
+              </a:defRPr>
+            </a:lvl4pPr>
+            <a:lvl5pPr marL="1828800" algn="l" defTabSz="914400" rtl="0" eaLnBrk="1" latinLnBrk="1" hangingPunct="1">
+              <a:defRPr sz="1800" kern="1200">
+                <a:solidFill>
+                  <a:schemeClr val="tx1"/>
+                </a:solidFill>
+                <a:latin typeface="+mn-lt"/>
+                <a:ea typeface="+mn-ea"/>
+                <a:cs typeface="+mn-cs"/>
+              </a:defRPr>
+            </a:lvl5pPr>
+            <a:lvl6pPr marL="2286000" algn="l" defTabSz="914400" rtl="0" eaLnBrk="1" latinLnBrk="1" hangingPunct="1">
+              <a:defRPr sz="1800" kern="1200">
+                <a:solidFill>
+                  <a:schemeClr val="tx1"/>
+                </a:solidFill>
+                <a:latin typeface="+mn-lt"/>
+                <a:ea typeface="+mn-ea"/>
+                <a:cs typeface="+mn-cs"/>
+              </a:defRPr>
+            </a:lvl6pPr>
+            <a:lvl7pPr marL="2743200" algn="l" defTabSz="914400" rtl="0" eaLnBrk="1" latinLnBrk="1" hangingPunct="1">
+              <a:defRPr sz="1800" kern="1200">
+                <a:solidFill>
+                  <a:schemeClr val="tx1"/>
+                </a:solidFill>
+                <a:latin typeface="+mn-lt"/>
+                <a:ea typeface="+mn-ea"/>
+                <a:cs typeface="+mn-cs"/>
+              </a:defRPr>
+            </a:lvl7pPr>
+            <a:lvl8pPr marL="3200400" algn="l" defTabSz="914400" rtl="0" eaLnBrk="1" latinLnBrk="1" hangingPunct="1">
+              <a:defRPr sz="1800" kern="1200">
+                <a:solidFill>
+                  <a:schemeClr val="tx1"/>
+                </a:solidFill>
+                <a:latin typeface="+mn-lt"/>
+                <a:ea typeface="+mn-ea"/>
+                <a:cs typeface="+mn-cs"/>
+              </a:defRPr>
+            </a:lvl8pPr>
+            <a:lvl9pPr marL="3657600" algn="l" defTabSz="914400" rtl="0" eaLnBrk="1" latinLnBrk="1" hangingPunct="1">
+              <a:defRPr sz="1800" kern="1200">
+                <a:solidFill>
+                  <a:schemeClr val="tx1"/>
+                </a:solidFill>
+                <a:latin typeface="+mn-lt"/>
+                <a:ea typeface="+mn-ea"/>
+                <a:cs typeface="+mn-cs"/>
+              </a:defRPr>
+            </a:lvl9pPr>
+          </a:lstStyle>
+          <a:p>
+            <a:pPr algn="ctr"/>
+            <a:r>
+              <a:rPr lang="ko-KR" altLang="en-US" dirty="0" smtClean="0"/>
+              <a:t>사용자의</a:t>
+            </a:r>
+            <a:endParaRPr lang="en-US" altLang="ko-KR" dirty="0" smtClean="0"/>
+          </a:p>
+          <a:p>
+            <a:pPr algn="ctr"/>
+            <a:r>
+              <a:rPr lang="ko-KR" altLang="en-US" dirty="0" smtClean="0"/>
+              <a:t>사진 촬영</a:t>
+            </a:r>
+            <a:endParaRPr lang="ko-KR" altLang="en-US" dirty="0"/>
+          </a:p>
+        </p:txBody>
+      </p:sp>
+      <p:sp>
+        <p:nvSpPr>
+          <p:cNvPr id="10" name="TextBox 14"/>
+          <p:cNvSpPr txBox="1"/>
+          <p:nvPr/>
+        </p:nvSpPr>
+        <p:spPr>
+          <a:xfrm>
+            <a:off x="2126911" y="3213739"/>
+            <a:ext cx="1440404" cy="646331"/>
+          </a:xfrm>
+          <a:prstGeom prst="rect">
+            <a:avLst/>
+          </a:prstGeom>
+          <a:noFill/>
+        </p:spPr>
+        <p:txBody>
+          <a:bodyPr wrap="square" rtlCol="0">
+            <a:spAutoFit/>
+          </a:bodyPr>
+          <a:lstStyle>
+            <a:defPPr>
+              <a:defRPr lang="ko-KR"/>
+            </a:defPPr>
+            <a:lvl1pPr marL="0" algn="l" defTabSz="914400" rtl="0" eaLnBrk="1" latinLnBrk="1" hangingPunct="1">
+              <a:defRPr sz="1800" kern="1200">
+                <a:solidFill>
+                  <a:schemeClr val="tx1"/>
+                </a:solidFill>
+                <a:latin typeface="+mn-lt"/>
+                <a:ea typeface="+mn-ea"/>
+                <a:cs typeface="+mn-cs"/>
+              </a:defRPr>
+            </a:lvl1pPr>
+            <a:lvl2pPr marL="457200" algn="l" defTabSz="914400" rtl="0" eaLnBrk="1" latinLnBrk="1" hangingPunct="1">
+              <a:defRPr sz="1800" kern="1200">
+                <a:solidFill>
+                  <a:schemeClr val="tx1"/>
+                </a:solidFill>
+                <a:latin typeface="+mn-lt"/>
+                <a:ea typeface="+mn-ea"/>
+                <a:cs typeface="+mn-cs"/>
+              </a:defRPr>
+            </a:lvl2pPr>
+            <a:lvl3pPr marL="914400" algn="l" defTabSz="914400" rtl="0" eaLnBrk="1" latinLnBrk="1" hangingPunct="1">
+              <a:defRPr sz="1800" kern="1200">
+                <a:solidFill>
+                  <a:schemeClr val="tx1"/>
+                </a:solidFill>
+                <a:latin typeface="+mn-lt"/>
+                <a:ea typeface="+mn-ea"/>
+                <a:cs typeface="+mn-cs"/>
+              </a:defRPr>
+            </a:lvl3pPr>
+            <a:lvl4pPr marL="1371600" algn="l" defTabSz="914400" rtl="0" eaLnBrk="1" latinLnBrk="1" hangingPunct="1">
+              <a:defRPr sz="1800" kern="1200">
+                <a:solidFill>
+                  <a:schemeClr val="tx1"/>
+                </a:solidFill>
+                <a:latin typeface="+mn-lt"/>
+                <a:ea typeface="+mn-ea"/>
+                <a:cs typeface="+mn-cs"/>
+              </a:defRPr>
+            </a:lvl4pPr>
+            <a:lvl5pPr marL="1828800" algn="l" defTabSz="914400" rtl="0" eaLnBrk="1" latinLnBrk="1" hangingPunct="1">
+              <a:defRPr sz="1800" kern="1200">
+                <a:solidFill>
+                  <a:schemeClr val="tx1"/>
+                </a:solidFill>
+                <a:latin typeface="+mn-lt"/>
+                <a:ea typeface="+mn-ea"/>
+                <a:cs typeface="+mn-cs"/>
+              </a:defRPr>
+            </a:lvl5pPr>
+            <a:lvl6pPr marL="2286000" algn="l" defTabSz="914400" rtl="0" eaLnBrk="1" latinLnBrk="1" hangingPunct="1">
+              <a:defRPr sz="1800" kern="1200">
+                <a:solidFill>
+                  <a:schemeClr val="tx1"/>
+                </a:solidFill>
+                <a:latin typeface="+mn-lt"/>
+                <a:ea typeface="+mn-ea"/>
+                <a:cs typeface="+mn-cs"/>
+              </a:defRPr>
+            </a:lvl6pPr>
+            <a:lvl7pPr marL="2743200" algn="l" defTabSz="914400" rtl="0" eaLnBrk="1" latinLnBrk="1" hangingPunct="1">
+              <a:defRPr sz="1800" kern="1200">
+                <a:solidFill>
+                  <a:schemeClr val="tx1"/>
+                </a:solidFill>
+                <a:latin typeface="+mn-lt"/>
+                <a:ea typeface="+mn-ea"/>
+                <a:cs typeface="+mn-cs"/>
+              </a:defRPr>
+            </a:lvl7pPr>
+            <a:lvl8pPr marL="3200400" algn="l" defTabSz="914400" rtl="0" eaLnBrk="1" latinLnBrk="1" hangingPunct="1">
+              <a:defRPr sz="1800" kern="1200">
+                <a:solidFill>
+                  <a:schemeClr val="tx1"/>
+                </a:solidFill>
+                <a:latin typeface="+mn-lt"/>
+                <a:ea typeface="+mn-ea"/>
+                <a:cs typeface="+mn-cs"/>
+              </a:defRPr>
+            </a:lvl8pPr>
+            <a:lvl9pPr marL="3657600" algn="l" defTabSz="914400" rtl="0" eaLnBrk="1" latinLnBrk="1" hangingPunct="1">
+              <a:defRPr sz="1800" kern="1200">
+                <a:solidFill>
+                  <a:schemeClr val="tx1"/>
+                </a:solidFill>
+                <a:latin typeface="+mn-lt"/>
+                <a:ea typeface="+mn-ea"/>
+                <a:cs typeface="+mn-cs"/>
+              </a:defRPr>
+            </a:lvl9pPr>
+          </a:lstStyle>
+          <a:p>
+            <a:r>
+              <a:rPr lang="ko-KR" altLang="en-US" dirty="0" smtClean="0"/>
+              <a:t>사진 데이터 입력</a:t>
+            </a:r>
+            <a:endParaRPr lang="ko-KR" altLang="en-US" dirty="0"/>
+          </a:p>
+        </p:txBody>
+      </p:sp>
+      <p:sp>
+        <p:nvSpPr>
+          <p:cNvPr id="13" name="오른쪽 화살표 12"/>
+          <p:cNvSpPr/>
+          <p:nvPr/>
+        </p:nvSpPr>
+        <p:spPr>
+          <a:xfrm>
+            <a:off x="1568469" y="3278580"/>
+            <a:ext cx="481552" cy="516651"/>
+          </a:xfrm>
+          <a:prstGeom prst="rightArrow">
+            <a:avLst/>
+          </a:prstGeom>
+        </p:spPr>
+        <p:style>
+          <a:lnRef idx="2">
+            <a:schemeClr val="accent1">
+              <a:shade val="50000"/>
+            </a:schemeClr>
+          </a:lnRef>
+          <a:fillRef idx="1">
+            <a:schemeClr val="accent1"/>
+          </a:fillRef>
+          <a:effectRef idx="0">
+            <a:schemeClr val="accent1"/>
+          </a:effectRef>
+          <a:fontRef idx="minor">
+            <a:schemeClr val="lt1"/>
+          </a:fontRef>
+        </p:style>
+        <p:txBody>
+          <a:bodyPr rtlCol="0" anchor="ctr"/>
+          <a:lstStyle>
+            <a:defPPr>
+              <a:defRPr lang="ko-KR"/>
+            </a:defPPr>
+            <a:lvl1pPr marL="0" algn="l" defTabSz="914400" rtl="0" eaLnBrk="1" latinLnBrk="1" hangingPunct="1">
+              <a:defRPr sz="1800" kern="1200">
+                <a:solidFill>
+                  <a:schemeClr val="lt1"/>
+                </a:solidFill>
+                <a:latin typeface="+mn-lt"/>
+                <a:ea typeface="+mn-ea"/>
+                <a:cs typeface="+mn-cs"/>
+              </a:defRPr>
+            </a:lvl1pPr>
+            <a:lvl2pPr marL="457200" algn="l" defTabSz="914400" rtl="0" eaLnBrk="1" latinLnBrk="1" hangingPunct="1">
+              <a:defRPr sz="1800" kern="1200">
+                <a:solidFill>
+                  <a:schemeClr val="lt1"/>
+                </a:solidFill>
+                <a:latin typeface="+mn-lt"/>
+                <a:ea typeface="+mn-ea"/>
+                <a:cs typeface="+mn-cs"/>
+              </a:defRPr>
+            </a:lvl2pPr>
+            <a:lvl3pPr marL="914400" algn="l" defTabSz="914400" rtl="0" eaLnBrk="1" latinLnBrk="1" hangingPunct="1">
+              <a:defRPr sz="1800" kern="1200">
+                <a:solidFill>
+                  <a:schemeClr val="lt1"/>
+                </a:solidFill>
+                <a:latin typeface="+mn-lt"/>
+                <a:ea typeface="+mn-ea"/>
+                <a:cs typeface="+mn-cs"/>
+              </a:defRPr>
+            </a:lvl3pPr>
+            <a:lvl4pPr marL="1371600" algn="l" defTabSz="914400" rtl="0" eaLnBrk="1" latinLnBrk="1" hangingPunct="1">
+              <a:defRPr sz="1800" kern="1200">
+                <a:solidFill>
+                  <a:schemeClr val="lt1"/>
+                </a:solidFill>
+                <a:latin typeface="+mn-lt"/>
+                <a:ea typeface="+mn-ea"/>
+                <a:cs typeface="+mn-cs"/>
+              </a:defRPr>
+            </a:lvl4pPr>
+            <a:lvl5pPr marL="1828800" algn="l" defTabSz="914400" rtl="0" eaLnBrk="1" latinLnBrk="1" hangingPunct="1">
+              <a:defRPr sz="1800" kern="1200">
+                <a:solidFill>
+                  <a:schemeClr val="lt1"/>
+                </a:solidFill>
+                <a:latin typeface="+mn-lt"/>
+                <a:ea typeface="+mn-ea"/>
+                <a:cs typeface="+mn-cs"/>
+              </a:defRPr>
+            </a:lvl5pPr>
+            <a:lvl6pPr marL="2286000" algn="l" defTabSz="914400" rtl="0" eaLnBrk="1" latinLnBrk="1" hangingPunct="1">
+              <a:defRPr sz="1800" kern="1200">
+                <a:solidFill>
+                  <a:schemeClr val="lt1"/>
+                </a:solidFill>
+                <a:latin typeface="+mn-lt"/>
+                <a:ea typeface="+mn-ea"/>
+                <a:cs typeface="+mn-cs"/>
+              </a:defRPr>
+            </a:lvl6pPr>
+            <a:lvl7pPr marL="2743200" algn="l" defTabSz="914400" rtl="0" eaLnBrk="1" latinLnBrk="1" hangingPunct="1">
+              <a:defRPr sz="1800" kern="1200">
+                <a:solidFill>
+                  <a:schemeClr val="lt1"/>
+                </a:solidFill>
+                <a:latin typeface="+mn-lt"/>
+                <a:ea typeface="+mn-ea"/>
+                <a:cs typeface="+mn-cs"/>
+              </a:defRPr>
+            </a:lvl7pPr>
+            <a:lvl8pPr marL="3200400" algn="l" defTabSz="914400" rtl="0" eaLnBrk="1" latinLnBrk="1" hangingPunct="1">
+              <a:defRPr sz="1800" kern="1200">
+                <a:solidFill>
+                  <a:schemeClr val="lt1"/>
+                </a:solidFill>
+                <a:latin typeface="+mn-lt"/>
+                <a:ea typeface="+mn-ea"/>
+                <a:cs typeface="+mn-cs"/>
+              </a:defRPr>
+            </a:lvl8pPr>
+            <a:lvl9pPr marL="3657600" algn="l" defTabSz="914400" rtl="0" eaLnBrk="1" latinLnBrk="1" hangingPunct="1">
+              <a:defRPr sz="1800" kern="1200">
+                <a:solidFill>
+                  <a:schemeClr val="lt1"/>
+                </a:solidFill>
+                <a:latin typeface="+mn-lt"/>
+                <a:ea typeface="+mn-ea"/>
+                <a:cs typeface="+mn-cs"/>
+              </a:defRPr>
+            </a:lvl9pPr>
+          </a:lstStyle>
+          <a:p>
+            <a:pPr algn="ctr"/>
+            <a:endParaRPr lang="ko-KR" altLang="en-US" sz="4000"/>
+          </a:p>
+        </p:txBody>
+      </p:sp>
+      <p:sp>
+        <p:nvSpPr>
+          <p:cNvPr id="14" name="TextBox 16"/>
+          <p:cNvSpPr txBox="1"/>
+          <p:nvPr/>
+        </p:nvSpPr>
+        <p:spPr>
+          <a:xfrm>
+            <a:off x="4093181" y="3235511"/>
+            <a:ext cx="1243140" cy="646331"/>
+          </a:xfrm>
+          <a:prstGeom prst="rect">
+            <a:avLst/>
+          </a:prstGeom>
+          <a:noFill/>
+        </p:spPr>
+        <p:txBody>
+          <a:bodyPr wrap="square" rtlCol="0">
+            <a:spAutoFit/>
+          </a:bodyPr>
+          <a:lstStyle>
+            <a:defPPr>
+              <a:defRPr lang="ko-KR"/>
+            </a:defPPr>
+            <a:lvl1pPr marL="0" algn="l" defTabSz="914400" rtl="0" eaLnBrk="1" latinLnBrk="1" hangingPunct="1">
+              <a:defRPr sz="1800" kern="1200">
+                <a:solidFill>
+                  <a:schemeClr val="tx1"/>
+                </a:solidFill>
+                <a:latin typeface="+mn-lt"/>
+                <a:ea typeface="+mn-ea"/>
+                <a:cs typeface="+mn-cs"/>
+              </a:defRPr>
+            </a:lvl1pPr>
+            <a:lvl2pPr marL="457200" algn="l" defTabSz="914400" rtl="0" eaLnBrk="1" latinLnBrk="1" hangingPunct="1">
+              <a:defRPr sz="1800" kern="1200">
+                <a:solidFill>
+                  <a:schemeClr val="tx1"/>
+                </a:solidFill>
+                <a:latin typeface="+mn-lt"/>
+                <a:ea typeface="+mn-ea"/>
+                <a:cs typeface="+mn-cs"/>
+              </a:defRPr>
+            </a:lvl2pPr>
+            <a:lvl3pPr marL="914400" algn="l" defTabSz="914400" rtl="0" eaLnBrk="1" latinLnBrk="1" hangingPunct="1">
+              <a:defRPr sz="1800" kern="1200">
+                <a:solidFill>
+                  <a:schemeClr val="tx1"/>
+                </a:solidFill>
+                <a:latin typeface="+mn-lt"/>
+                <a:ea typeface="+mn-ea"/>
+                <a:cs typeface="+mn-cs"/>
+              </a:defRPr>
+            </a:lvl3pPr>
+            <a:lvl4pPr marL="1371600" algn="l" defTabSz="914400" rtl="0" eaLnBrk="1" latinLnBrk="1" hangingPunct="1">
+              <a:defRPr sz="1800" kern="1200">
+                <a:solidFill>
+                  <a:schemeClr val="tx1"/>
+                </a:solidFill>
+                <a:latin typeface="+mn-lt"/>
+                <a:ea typeface="+mn-ea"/>
+                <a:cs typeface="+mn-cs"/>
+              </a:defRPr>
+            </a:lvl4pPr>
+            <a:lvl5pPr marL="1828800" algn="l" defTabSz="914400" rtl="0" eaLnBrk="1" latinLnBrk="1" hangingPunct="1">
+              <a:defRPr sz="1800" kern="1200">
+                <a:solidFill>
+                  <a:schemeClr val="tx1"/>
+                </a:solidFill>
+                <a:latin typeface="+mn-lt"/>
+                <a:ea typeface="+mn-ea"/>
+                <a:cs typeface="+mn-cs"/>
+              </a:defRPr>
+            </a:lvl5pPr>
+            <a:lvl6pPr marL="2286000" algn="l" defTabSz="914400" rtl="0" eaLnBrk="1" latinLnBrk="1" hangingPunct="1">
+              <a:defRPr sz="1800" kern="1200">
+                <a:solidFill>
+                  <a:schemeClr val="tx1"/>
+                </a:solidFill>
+                <a:latin typeface="+mn-lt"/>
+                <a:ea typeface="+mn-ea"/>
+                <a:cs typeface="+mn-cs"/>
+              </a:defRPr>
+            </a:lvl6pPr>
+            <a:lvl7pPr marL="2743200" algn="l" defTabSz="914400" rtl="0" eaLnBrk="1" latinLnBrk="1" hangingPunct="1">
+              <a:defRPr sz="1800" kern="1200">
+                <a:solidFill>
+                  <a:schemeClr val="tx1"/>
+                </a:solidFill>
+                <a:latin typeface="+mn-lt"/>
+                <a:ea typeface="+mn-ea"/>
+                <a:cs typeface="+mn-cs"/>
+              </a:defRPr>
+            </a:lvl7pPr>
+            <a:lvl8pPr marL="3200400" algn="l" defTabSz="914400" rtl="0" eaLnBrk="1" latinLnBrk="1" hangingPunct="1">
+              <a:defRPr sz="1800" kern="1200">
+                <a:solidFill>
+                  <a:schemeClr val="tx1"/>
+                </a:solidFill>
+                <a:latin typeface="+mn-lt"/>
+                <a:ea typeface="+mn-ea"/>
+                <a:cs typeface="+mn-cs"/>
+              </a:defRPr>
+            </a:lvl8pPr>
+            <a:lvl9pPr marL="3657600" algn="l" defTabSz="914400" rtl="0" eaLnBrk="1" latinLnBrk="1" hangingPunct="1">
+              <a:defRPr sz="1800" kern="1200">
+                <a:solidFill>
+                  <a:schemeClr val="tx1"/>
+                </a:solidFill>
+                <a:latin typeface="+mn-lt"/>
+                <a:ea typeface="+mn-ea"/>
+                <a:cs typeface="+mn-cs"/>
+              </a:defRPr>
+            </a:lvl9pPr>
+          </a:lstStyle>
+          <a:p>
+            <a:r>
+              <a:rPr lang="ko-KR" altLang="en-US" dirty="0" smtClean="0"/>
+              <a:t>지문 정보 인식</a:t>
+            </a:r>
+            <a:endParaRPr lang="ko-KR" altLang="en-US" dirty="0"/>
+          </a:p>
+        </p:txBody>
+      </p:sp>
+      <p:sp>
+        <p:nvSpPr>
+          <p:cNvPr id="17" name="TextBox 20"/>
+          <p:cNvSpPr txBox="1"/>
+          <p:nvPr/>
+        </p:nvSpPr>
+        <p:spPr>
+          <a:xfrm>
+            <a:off x="5749771" y="3201151"/>
+            <a:ext cx="1163500" cy="646331"/>
+          </a:xfrm>
+          <a:prstGeom prst="rect">
+            <a:avLst/>
+          </a:prstGeom>
+          <a:noFill/>
+        </p:spPr>
+        <p:txBody>
+          <a:bodyPr wrap="square" rtlCol="0">
+            <a:spAutoFit/>
+          </a:bodyPr>
+          <a:lstStyle>
+            <a:defPPr>
+              <a:defRPr lang="ko-KR"/>
+            </a:defPPr>
+            <a:lvl1pPr marL="0" algn="l" defTabSz="914400" rtl="0" eaLnBrk="1" latinLnBrk="1" hangingPunct="1">
+              <a:defRPr sz="1800" kern="1200">
+                <a:solidFill>
+                  <a:schemeClr val="tx1"/>
+                </a:solidFill>
+                <a:latin typeface="+mn-lt"/>
+                <a:ea typeface="+mn-ea"/>
+                <a:cs typeface="+mn-cs"/>
+              </a:defRPr>
+            </a:lvl1pPr>
+            <a:lvl2pPr marL="457200" algn="l" defTabSz="914400" rtl="0" eaLnBrk="1" latinLnBrk="1" hangingPunct="1">
+              <a:defRPr sz="1800" kern="1200">
+                <a:solidFill>
+                  <a:schemeClr val="tx1"/>
+                </a:solidFill>
+                <a:latin typeface="+mn-lt"/>
+                <a:ea typeface="+mn-ea"/>
+                <a:cs typeface="+mn-cs"/>
+              </a:defRPr>
+            </a:lvl2pPr>
+            <a:lvl3pPr marL="914400" algn="l" defTabSz="914400" rtl="0" eaLnBrk="1" latinLnBrk="1" hangingPunct="1">
+              <a:defRPr sz="1800" kern="1200">
+                <a:solidFill>
+                  <a:schemeClr val="tx1"/>
+                </a:solidFill>
+                <a:latin typeface="+mn-lt"/>
+                <a:ea typeface="+mn-ea"/>
+                <a:cs typeface="+mn-cs"/>
+              </a:defRPr>
+            </a:lvl3pPr>
+            <a:lvl4pPr marL="1371600" algn="l" defTabSz="914400" rtl="0" eaLnBrk="1" latinLnBrk="1" hangingPunct="1">
+              <a:defRPr sz="1800" kern="1200">
+                <a:solidFill>
+                  <a:schemeClr val="tx1"/>
+                </a:solidFill>
+                <a:latin typeface="+mn-lt"/>
+                <a:ea typeface="+mn-ea"/>
+                <a:cs typeface="+mn-cs"/>
+              </a:defRPr>
+            </a:lvl4pPr>
+            <a:lvl5pPr marL="1828800" algn="l" defTabSz="914400" rtl="0" eaLnBrk="1" latinLnBrk="1" hangingPunct="1">
+              <a:defRPr sz="1800" kern="1200">
+                <a:solidFill>
+                  <a:schemeClr val="tx1"/>
+                </a:solidFill>
+                <a:latin typeface="+mn-lt"/>
+                <a:ea typeface="+mn-ea"/>
+                <a:cs typeface="+mn-cs"/>
+              </a:defRPr>
+            </a:lvl5pPr>
+            <a:lvl6pPr marL="2286000" algn="l" defTabSz="914400" rtl="0" eaLnBrk="1" latinLnBrk="1" hangingPunct="1">
+              <a:defRPr sz="1800" kern="1200">
+                <a:solidFill>
+                  <a:schemeClr val="tx1"/>
+                </a:solidFill>
+                <a:latin typeface="+mn-lt"/>
+                <a:ea typeface="+mn-ea"/>
+                <a:cs typeface="+mn-cs"/>
+              </a:defRPr>
+            </a:lvl6pPr>
+            <a:lvl7pPr marL="2743200" algn="l" defTabSz="914400" rtl="0" eaLnBrk="1" latinLnBrk="1" hangingPunct="1">
+              <a:defRPr sz="1800" kern="1200">
+                <a:solidFill>
+                  <a:schemeClr val="tx1"/>
+                </a:solidFill>
+                <a:latin typeface="+mn-lt"/>
+                <a:ea typeface="+mn-ea"/>
+                <a:cs typeface="+mn-cs"/>
+              </a:defRPr>
+            </a:lvl7pPr>
+            <a:lvl8pPr marL="3200400" algn="l" defTabSz="914400" rtl="0" eaLnBrk="1" latinLnBrk="1" hangingPunct="1">
+              <a:defRPr sz="1800" kern="1200">
+                <a:solidFill>
+                  <a:schemeClr val="tx1"/>
+                </a:solidFill>
+                <a:latin typeface="+mn-lt"/>
+                <a:ea typeface="+mn-ea"/>
+                <a:cs typeface="+mn-cs"/>
+              </a:defRPr>
+            </a:lvl8pPr>
+            <a:lvl9pPr marL="3657600" algn="l" defTabSz="914400" rtl="0" eaLnBrk="1" latinLnBrk="1" hangingPunct="1">
+              <a:defRPr sz="1800" kern="1200">
+                <a:solidFill>
+                  <a:schemeClr val="tx1"/>
+                </a:solidFill>
+                <a:latin typeface="+mn-lt"/>
+                <a:ea typeface="+mn-ea"/>
+                <a:cs typeface="+mn-cs"/>
+              </a:defRPr>
+            </a:lvl9pPr>
+          </a:lstStyle>
+          <a:p>
+            <a:r>
+              <a:rPr lang="ko-KR" altLang="en-US" dirty="0" smtClean="0"/>
+              <a:t>지문 정보</a:t>
+            </a:r>
+            <a:endParaRPr lang="en-US" altLang="ko-KR" dirty="0" smtClean="0"/>
+          </a:p>
+          <a:p>
+            <a:r>
+              <a:rPr lang="ko-KR" altLang="en-US" dirty="0" err="1" smtClean="0"/>
+              <a:t>비식별화</a:t>
+            </a:r>
+            <a:endParaRPr lang="ko-KR" altLang="en-US" dirty="0"/>
+          </a:p>
+        </p:txBody>
+      </p:sp>
+      <p:sp>
+        <p:nvSpPr>
+          <p:cNvPr id="19" name="TextBox 27"/>
+          <p:cNvSpPr txBox="1"/>
+          <p:nvPr/>
+        </p:nvSpPr>
+        <p:spPr>
+          <a:xfrm>
+            <a:off x="7369662" y="3230881"/>
+            <a:ext cx="1437231" cy="646331"/>
+          </a:xfrm>
+          <a:prstGeom prst="rect">
+            <a:avLst/>
+          </a:prstGeom>
+          <a:noFill/>
+        </p:spPr>
+        <p:txBody>
+          <a:bodyPr wrap="square" rtlCol="0">
+            <a:spAutoFit/>
+          </a:bodyPr>
+          <a:lstStyle>
+            <a:defPPr>
+              <a:defRPr lang="ko-KR"/>
+            </a:defPPr>
+            <a:lvl1pPr marL="0" algn="l" defTabSz="914400" rtl="0" eaLnBrk="1" latinLnBrk="1" hangingPunct="1">
+              <a:defRPr sz="1800" kern="1200">
+                <a:solidFill>
+                  <a:schemeClr val="tx1"/>
+                </a:solidFill>
+                <a:latin typeface="+mn-lt"/>
+                <a:ea typeface="+mn-ea"/>
+                <a:cs typeface="+mn-cs"/>
+              </a:defRPr>
+            </a:lvl1pPr>
+            <a:lvl2pPr marL="457200" algn="l" defTabSz="914400" rtl="0" eaLnBrk="1" latinLnBrk="1" hangingPunct="1">
+              <a:defRPr sz="1800" kern="1200">
+                <a:solidFill>
+                  <a:schemeClr val="tx1"/>
+                </a:solidFill>
+                <a:latin typeface="+mn-lt"/>
+                <a:ea typeface="+mn-ea"/>
+                <a:cs typeface="+mn-cs"/>
+              </a:defRPr>
+            </a:lvl2pPr>
+            <a:lvl3pPr marL="914400" algn="l" defTabSz="914400" rtl="0" eaLnBrk="1" latinLnBrk="1" hangingPunct="1">
+              <a:defRPr sz="1800" kern="1200">
+                <a:solidFill>
+                  <a:schemeClr val="tx1"/>
+                </a:solidFill>
+                <a:latin typeface="+mn-lt"/>
+                <a:ea typeface="+mn-ea"/>
+                <a:cs typeface="+mn-cs"/>
+              </a:defRPr>
+            </a:lvl3pPr>
+            <a:lvl4pPr marL="1371600" algn="l" defTabSz="914400" rtl="0" eaLnBrk="1" latinLnBrk="1" hangingPunct="1">
+              <a:defRPr sz="1800" kern="1200">
+                <a:solidFill>
+                  <a:schemeClr val="tx1"/>
+                </a:solidFill>
+                <a:latin typeface="+mn-lt"/>
+                <a:ea typeface="+mn-ea"/>
+                <a:cs typeface="+mn-cs"/>
+              </a:defRPr>
+            </a:lvl4pPr>
+            <a:lvl5pPr marL="1828800" algn="l" defTabSz="914400" rtl="0" eaLnBrk="1" latinLnBrk="1" hangingPunct="1">
+              <a:defRPr sz="1800" kern="1200">
+                <a:solidFill>
+                  <a:schemeClr val="tx1"/>
+                </a:solidFill>
+                <a:latin typeface="+mn-lt"/>
+                <a:ea typeface="+mn-ea"/>
+                <a:cs typeface="+mn-cs"/>
+              </a:defRPr>
+            </a:lvl5pPr>
+            <a:lvl6pPr marL="2286000" algn="l" defTabSz="914400" rtl="0" eaLnBrk="1" latinLnBrk="1" hangingPunct="1">
+              <a:defRPr sz="1800" kern="1200">
+                <a:solidFill>
+                  <a:schemeClr val="tx1"/>
+                </a:solidFill>
+                <a:latin typeface="+mn-lt"/>
+                <a:ea typeface="+mn-ea"/>
+                <a:cs typeface="+mn-cs"/>
+              </a:defRPr>
+            </a:lvl6pPr>
+            <a:lvl7pPr marL="2743200" algn="l" defTabSz="914400" rtl="0" eaLnBrk="1" latinLnBrk="1" hangingPunct="1">
+              <a:defRPr sz="1800" kern="1200">
+                <a:solidFill>
+                  <a:schemeClr val="tx1"/>
+                </a:solidFill>
+                <a:latin typeface="+mn-lt"/>
+                <a:ea typeface="+mn-ea"/>
+                <a:cs typeface="+mn-cs"/>
+              </a:defRPr>
+            </a:lvl7pPr>
+            <a:lvl8pPr marL="3200400" algn="l" defTabSz="914400" rtl="0" eaLnBrk="1" latinLnBrk="1" hangingPunct="1">
+              <a:defRPr sz="1800" kern="1200">
+                <a:solidFill>
+                  <a:schemeClr val="tx1"/>
+                </a:solidFill>
+                <a:latin typeface="+mn-lt"/>
+                <a:ea typeface="+mn-ea"/>
+                <a:cs typeface="+mn-cs"/>
+              </a:defRPr>
+            </a:lvl8pPr>
+            <a:lvl9pPr marL="3657600" algn="l" defTabSz="914400" rtl="0" eaLnBrk="1" latinLnBrk="1" hangingPunct="1">
+              <a:defRPr sz="1800" kern="1200">
+                <a:solidFill>
+                  <a:schemeClr val="tx1"/>
+                </a:solidFill>
+                <a:latin typeface="+mn-lt"/>
+                <a:ea typeface="+mn-ea"/>
+                <a:cs typeface="+mn-cs"/>
+              </a:defRPr>
+            </a:lvl9pPr>
+          </a:lstStyle>
+          <a:p>
+            <a:r>
+              <a:rPr lang="ko-KR" altLang="en-US" dirty="0" err="1" smtClean="0"/>
+              <a:t>비식별화</a:t>
+            </a:r>
+            <a:r>
+              <a:rPr lang="ko-KR" altLang="en-US" dirty="0" smtClean="0"/>
+              <a:t> 된 사진 출력</a:t>
+            </a:r>
+            <a:endParaRPr lang="en-US" altLang="ko-KR" dirty="0" smtClean="0"/>
+          </a:p>
+        </p:txBody>
+      </p:sp>
+      <p:sp>
+        <p:nvSpPr>
+          <p:cNvPr id="28" name="TextBox 35"/>
+          <p:cNvSpPr txBox="1"/>
+          <p:nvPr/>
+        </p:nvSpPr>
+        <p:spPr>
+          <a:xfrm>
+            <a:off x="325307" y="2583895"/>
+            <a:ext cx="5933979" cy="369332"/>
+          </a:xfrm>
+          <a:prstGeom prst="rect">
+            <a:avLst/>
+          </a:prstGeom>
+          <a:noFill/>
+        </p:spPr>
+        <p:txBody>
+          <a:bodyPr wrap="square" rtlCol="0">
+            <a:spAutoFit/>
+          </a:bodyPr>
+          <a:lstStyle>
+            <a:defPPr>
+              <a:defRPr lang="ko-KR"/>
+            </a:defPPr>
+            <a:lvl1pPr marL="0" algn="l" defTabSz="914400" rtl="0" eaLnBrk="1" latinLnBrk="1" hangingPunct="1">
+              <a:defRPr sz="1800" kern="1200">
+                <a:solidFill>
+                  <a:schemeClr val="tx1"/>
+                </a:solidFill>
+                <a:latin typeface="+mn-lt"/>
+                <a:ea typeface="+mn-ea"/>
+                <a:cs typeface="+mn-cs"/>
+              </a:defRPr>
+            </a:lvl1pPr>
+            <a:lvl2pPr marL="457200" algn="l" defTabSz="914400" rtl="0" eaLnBrk="1" latinLnBrk="1" hangingPunct="1">
+              <a:defRPr sz="1800" kern="1200">
+                <a:solidFill>
+                  <a:schemeClr val="tx1"/>
+                </a:solidFill>
+                <a:latin typeface="+mn-lt"/>
+                <a:ea typeface="+mn-ea"/>
+                <a:cs typeface="+mn-cs"/>
+              </a:defRPr>
+            </a:lvl2pPr>
+            <a:lvl3pPr marL="914400" algn="l" defTabSz="914400" rtl="0" eaLnBrk="1" latinLnBrk="1" hangingPunct="1">
+              <a:defRPr sz="1800" kern="1200">
+                <a:solidFill>
+                  <a:schemeClr val="tx1"/>
+                </a:solidFill>
+                <a:latin typeface="+mn-lt"/>
+                <a:ea typeface="+mn-ea"/>
+                <a:cs typeface="+mn-cs"/>
+              </a:defRPr>
+            </a:lvl3pPr>
+            <a:lvl4pPr marL="1371600" algn="l" defTabSz="914400" rtl="0" eaLnBrk="1" latinLnBrk="1" hangingPunct="1">
+              <a:defRPr sz="1800" kern="1200">
+                <a:solidFill>
+                  <a:schemeClr val="tx1"/>
+                </a:solidFill>
+                <a:latin typeface="+mn-lt"/>
+                <a:ea typeface="+mn-ea"/>
+                <a:cs typeface="+mn-cs"/>
+              </a:defRPr>
+            </a:lvl4pPr>
+            <a:lvl5pPr marL="1828800" algn="l" defTabSz="914400" rtl="0" eaLnBrk="1" latinLnBrk="1" hangingPunct="1">
+              <a:defRPr sz="1800" kern="1200">
+                <a:solidFill>
+                  <a:schemeClr val="tx1"/>
+                </a:solidFill>
+                <a:latin typeface="+mn-lt"/>
+                <a:ea typeface="+mn-ea"/>
+                <a:cs typeface="+mn-cs"/>
+              </a:defRPr>
+            </a:lvl5pPr>
+            <a:lvl6pPr marL="2286000" algn="l" defTabSz="914400" rtl="0" eaLnBrk="1" latinLnBrk="1" hangingPunct="1">
+              <a:defRPr sz="1800" kern="1200">
+                <a:solidFill>
+                  <a:schemeClr val="tx1"/>
+                </a:solidFill>
+                <a:latin typeface="+mn-lt"/>
+                <a:ea typeface="+mn-ea"/>
+                <a:cs typeface="+mn-cs"/>
+              </a:defRPr>
+            </a:lvl6pPr>
+            <a:lvl7pPr marL="2743200" algn="l" defTabSz="914400" rtl="0" eaLnBrk="1" latinLnBrk="1" hangingPunct="1">
+              <a:defRPr sz="1800" kern="1200">
+                <a:solidFill>
+                  <a:schemeClr val="tx1"/>
+                </a:solidFill>
+                <a:latin typeface="+mn-lt"/>
+                <a:ea typeface="+mn-ea"/>
+                <a:cs typeface="+mn-cs"/>
+              </a:defRPr>
+            </a:lvl7pPr>
+            <a:lvl8pPr marL="3200400" algn="l" defTabSz="914400" rtl="0" eaLnBrk="1" latinLnBrk="1" hangingPunct="1">
+              <a:defRPr sz="1800" kern="1200">
+                <a:solidFill>
+                  <a:schemeClr val="tx1"/>
+                </a:solidFill>
+                <a:latin typeface="+mn-lt"/>
+                <a:ea typeface="+mn-ea"/>
+                <a:cs typeface="+mn-cs"/>
+              </a:defRPr>
+            </a:lvl8pPr>
+            <a:lvl9pPr marL="3657600" algn="l" defTabSz="914400" rtl="0" eaLnBrk="1" latinLnBrk="1" hangingPunct="1">
+              <a:defRPr sz="1800" kern="1200">
+                <a:solidFill>
+                  <a:schemeClr val="tx1"/>
+                </a:solidFill>
+                <a:latin typeface="+mn-lt"/>
+                <a:ea typeface="+mn-ea"/>
+                <a:cs typeface="+mn-cs"/>
+              </a:defRPr>
+            </a:lvl9pPr>
+          </a:lstStyle>
+          <a:p>
+            <a:r>
+              <a:rPr lang="ko-KR" altLang="en-US" b="1" dirty="0"/>
+              <a:t>개인 정보 유출 방지를 위한 지문 정보 </a:t>
+            </a:r>
+            <a:r>
+              <a:rPr lang="ko-KR" altLang="en-US" b="1" dirty="0" err="1"/>
+              <a:t>비식별화</a:t>
+            </a:r>
+            <a:r>
+              <a:rPr lang="ko-KR" altLang="en-US" b="1" dirty="0"/>
+              <a:t> </a:t>
+            </a:r>
+            <a:r>
+              <a:rPr lang="ko-KR" altLang="en-US" b="1" dirty="0" smtClean="0"/>
+              <a:t>알고리즘</a:t>
+            </a:r>
+            <a:endParaRPr lang="ko-KR" altLang="en-US" dirty="0"/>
+          </a:p>
+        </p:txBody>
+      </p:sp>
+      <p:sp>
+        <p:nvSpPr>
+          <p:cNvPr id="30" name="오른쪽 화살표 29"/>
+          <p:cNvSpPr/>
+          <p:nvPr/>
+        </p:nvSpPr>
+        <p:spPr>
+          <a:xfrm>
+            <a:off x="3494097" y="3265992"/>
+            <a:ext cx="481552" cy="516651"/>
+          </a:xfrm>
+          <a:prstGeom prst="rightArrow">
+            <a:avLst/>
+          </a:prstGeom>
+        </p:spPr>
+        <p:style>
+          <a:lnRef idx="2">
+            <a:schemeClr val="accent1">
+              <a:shade val="50000"/>
+            </a:schemeClr>
+          </a:lnRef>
+          <a:fillRef idx="1">
+            <a:schemeClr val="accent1"/>
+          </a:fillRef>
+          <a:effectRef idx="0">
+            <a:schemeClr val="accent1"/>
+          </a:effectRef>
+          <a:fontRef idx="minor">
+            <a:schemeClr val="lt1"/>
+          </a:fontRef>
+        </p:style>
+        <p:txBody>
+          <a:bodyPr rtlCol="0" anchor="ctr"/>
+          <a:lstStyle>
+            <a:defPPr>
+              <a:defRPr lang="ko-KR"/>
+            </a:defPPr>
+            <a:lvl1pPr marL="0" algn="l" defTabSz="914400" rtl="0" eaLnBrk="1" latinLnBrk="1" hangingPunct="1">
+              <a:defRPr sz="1800" kern="1200">
+                <a:solidFill>
+                  <a:schemeClr val="lt1"/>
+                </a:solidFill>
+                <a:latin typeface="+mn-lt"/>
+                <a:ea typeface="+mn-ea"/>
+                <a:cs typeface="+mn-cs"/>
+              </a:defRPr>
+            </a:lvl1pPr>
+            <a:lvl2pPr marL="457200" algn="l" defTabSz="914400" rtl="0" eaLnBrk="1" latinLnBrk="1" hangingPunct="1">
+              <a:defRPr sz="1800" kern="1200">
+                <a:solidFill>
+                  <a:schemeClr val="lt1"/>
+                </a:solidFill>
+                <a:latin typeface="+mn-lt"/>
+                <a:ea typeface="+mn-ea"/>
+                <a:cs typeface="+mn-cs"/>
+              </a:defRPr>
+            </a:lvl2pPr>
+            <a:lvl3pPr marL="914400" algn="l" defTabSz="914400" rtl="0" eaLnBrk="1" latinLnBrk="1" hangingPunct="1">
+              <a:defRPr sz="1800" kern="1200">
+                <a:solidFill>
+                  <a:schemeClr val="lt1"/>
+                </a:solidFill>
+                <a:latin typeface="+mn-lt"/>
+                <a:ea typeface="+mn-ea"/>
+                <a:cs typeface="+mn-cs"/>
+              </a:defRPr>
+            </a:lvl3pPr>
+            <a:lvl4pPr marL="1371600" algn="l" defTabSz="914400" rtl="0" eaLnBrk="1" latinLnBrk="1" hangingPunct="1">
+              <a:defRPr sz="1800" kern="1200">
+                <a:solidFill>
+                  <a:schemeClr val="lt1"/>
+                </a:solidFill>
+                <a:latin typeface="+mn-lt"/>
+                <a:ea typeface="+mn-ea"/>
+                <a:cs typeface="+mn-cs"/>
+              </a:defRPr>
+            </a:lvl4pPr>
+            <a:lvl5pPr marL="1828800" algn="l" defTabSz="914400" rtl="0" eaLnBrk="1" latinLnBrk="1" hangingPunct="1">
+              <a:defRPr sz="1800" kern="1200">
+                <a:solidFill>
+                  <a:schemeClr val="lt1"/>
+                </a:solidFill>
+                <a:latin typeface="+mn-lt"/>
+                <a:ea typeface="+mn-ea"/>
+                <a:cs typeface="+mn-cs"/>
+              </a:defRPr>
+            </a:lvl5pPr>
+            <a:lvl6pPr marL="2286000" algn="l" defTabSz="914400" rtl="0" eaLnBrk="1" latinLnBrk="1" hangingPunct="1">
+              <a:defRPr sz="1800" kern="1200">
+                <a:solidFill>
+                  <a:schemeClr val="lt1"/>
+                </a:solidFill>
+                <a:latin typeface="+mn-lt"/>
+                <a:ea typeface="+mn-ea"/>
+                <a:cs typeface="+mn-cs"/>
+              </a:defRPr>
+            </a:lvl6pPr>
+            <a:lvl7pPr marL="2743200" algn="l" defTabSz="914400" rtl="0" eaLnBrk="1" latinLnBrk="1" hangingPunct="1">
+              <a:defRPr sz="1800" kern="1200">
+                <a:solidFill>
+                  <a:schemeClr val="lt1"/>
+                </a:solidFill>
+                <a:latin typeface="+mn-lt"/>
+                <a:ea typeface="+mn-ea"/>
+                <a:cs typeface="+mn-cs"/>
+              </a:defRPr>
+            </a:lvl7pPr>
+            <a:lvl8pPr marL="3200400" algn="l" defTabSz="914400" rtl="0" eaLnBrk="1" latinLnBrk="1" hangingPunct="1">
+              <a:defRPr sz="1800" kern="1200">
+                <a:solidFill>
+                  <a:schemeClr val="lt1"/>
+                </a:solidFill>
+                <a:latin typeface="+mn-lt"/>
+                <a:ea typeface="+mn-ea"/>
+                <a:cs typeface="+mn-cs"/>
+              </a:defRPr>
+            </a:lvl8pPr>
+            <a:lvl9pPr marL="3657600" algn="l" defTabSz="914400" rtl="0" eaLnBrk="1" latinLnBrk="1" hangingPunct="1">
+              <a:defRPr sz="1800" kern="1200">
+                <a:solidFill>
+                  <a:schemeClr val="lt1"/>
+                </a:solidFill>
+                <a:latin typeface="+mn-lt"/>
+                <a:ea typeface="+mn-ea"/>
+                <a:cs typeface="+mn-cs"/>
+              </a:defRPr>
+            </a:lvl9pPr>
+          </a:lstStyle>
+          <a:p>
+            <a:pPr algn="ctr"/>
+            <a:endParaRPr lang="ko-KR" altLang="en-US" sz="4000"/>
+          </a:p>
+        </p:txBody>
+      </p:sp>
+      <p:sp>
+        <p:nvSpPr>
+          <p:cNvPr id="31" name="오른쪽 화살표 30"/>
+          <p:cNvSpPr/>
+          <p:nvPr/>
+        </p:nvSpPr>
+        <p:spPr>
+          <a:xfrm>
+            <a:off x="5262450" y="3284358"/>
+            <a:ext cx="481552" cy="516651"/>
+          </a:xfrm>
+          <a:prstGeom prst="rightArrow">
+            <a:avLst/>
+          </a:prstGeom>
+        </p:spPr>
+        <p:style>
+          <a:lnRef idx="2">
+            <a:schemeClr val="accent1">
+              <a:shade val="50000"/>
+            </a:schemeClr>
+          </a:lnRef>
+          <a:fillRef idx="1">
+            <a:schemeClr val="accent1"/>
+          </a:fillRef>
+          <a:effectRef idx="0">
+            <a:schemeClr val="accent1"/>
+          </a:effectRef>
+          <a:fontRef idx="minor">
+            <a:schemeClr val="lt1"/>
+          </a:fontRef>
+        </p:style>
+        <p:txBody>
+          <a:bodyPr rtlCol="0" anchor="ctr"/>
+          <a:lstStyle>
+            <a:defPPr>
+              <a:defRPr lang="ko-KR"/>
+            </a:defPPr>
+            <a:lvl1pPr marL="0" algn="l" defTabSz="914400" rtl="0" eaLnBrk="1" latinLnBrk="1" hangingPunct="1">
+              <a:defRPr sz="1800" kern="1200">
+                <a:solidFill>
+                  <a:schemeClr val="lt1"/>
+                </a:solidFill>
+                <a:latin typeface="+mn-lt"/>
+                <a:ea typeface="+mn-ea"/>
+                <a:cs typeface="+mn-cs"/>
+              </a:defRPr>
+            </a:lvl1pPr>
+            <a:lvl2pPr marL="457200" algn="l" defTabSz="914400" rtl="0" eaLnBrk="1" latinLnBrk="1" hangingPunct="1">
+              <a:defRPr sz="1800" kern="1200">
+                <a:solidFill>
+                  <a:schemeClr val="lt1"/>
+                </a:solidFill>
+                <a:latin typeface="+mn-lt"/>
+                <a:ea typeface="+mn-ea"/>
+                <a:cs typeface="+mn-cs"/>
+              </a:defRPr>
+            </a:lvl2pPr>
+            <a:lvl3pPr marL="914400" algn="l" defTabSz="914400" rtl="0" eaLnBrk="1" latinLnBrk="1" hangingPunct="1">
+              <a:defRPr sz="1800" kern="1200">
+                <a:solidFill>
+                  <a:schemeClr val="lt1"/>
+                </a:solidFill>
+                <a:latin typeface="+mn-lt"/>
+                <a:ea typeface="+mn-ea"/>
+                <a:cs typeface="+mn-cs"/>
+              </a:defRPr>
+            </a:lvl3pPr>
+            <a:lvl4pPr marL="1371600" algn="l" defTabSz="914400" rtl="0" eaLnBrk="1" latinLnBrk="1" hangingPunct="1">
+              <a:defRPr sz="1800" kern="1200">
+                <a:solidFill>
+                  <a:schemeClr val="lt1"/>
+                </a:solidFill>
+                <a:latin typeface="+mn-lt"/>
+                <a:ea typeface="+mn-ea"/>
+                <a:cs typeface="+mn-cs"/>
+              </a:defRPr>
+            </a:lvl4pPr>
+            <a:lvl5pPr marL="1828800" algn="l" defTabSz="914400" rtl="0" eaLnBrk="1" latinLnBrk="1" hangingPunct="1">
+              <a:defRPr sz="1800" kern="1200">
+                <a:solidFill>
+                  <a:schemeClr val="lt1"/>
+                </a:solidFill>
+                <a:latin typeface="+mn-lt"/>
+                <a:ea typeface="+mn-ea"/>
+                <a:cs typeface="+mn-cs"/>
+              </a:defRPr>
+            </a:lvl5pPr>
+            <a:lvl6pPr marL="2286000" algn="l" defTabSz="914400" rtl="0" eaLnBrk="1" latinLnBrk="1" hangingPunct="1">
+              <a:defRPr sz="1800" kern="1200">
+                <a:solidFill>
+                  <a:schemeClr val="lt1"/>
+                </a:solidFill>
+                <a:latin typeface="+mn-lt"/>
+                <a:ea typeface="+mn-ea"/>
+                <a:cs typeface="+mn-cs"/>
+              </a:defRPr>
+            </a:lvl6pPr>
+            <a:lvl7pPr marL="2743200" algn="l" defTabSz="914400" rtl="0" eaLnBrk="1" latinLnBrk="1" hangingPunct="1">
+              <a:defRPr sz="1800" kern="1200">
+                <a:solidFill>
+                  <a:schemeClr val="lt1"/>
+                </a:solidFill>
+                <a:latin typeface="+mn-lt"/>
+                <a:ea typeface="+mn-ea"/>
+                <a:cs typeface="+mn-cs"/>
+              </a:defRPr>
+            </a:lvl7pPr>
+            <a:lvl8pPr marL="3200400" algn="l" defTabSz="914400" rtl="0" eaLnBrk="1" latinLnBrk="1" hangingPunct="1">
+              <a:defRPr sz="1800" kern="1200">
+                <a:solidFill>
+                  <a:schemeClr val="lt1"/>
+                </a:solidFill>
+                <a:latin typeface="+mn-lt"/>
+                <a:ea typeface="+mn-ea"/>
+                <a:cs typeface="+mn-cs"/>
+              </a:defRPr>
+            </a:lvl8pPr>
+            <a:lvl9pPr marL="3657600" algn="l" defTabSz="914400" rtl="0" eaLnBrk="1" latinLnBrk="1" hangingPunct="1">
+              <a:defRPr sz="1800" kern="1200">
+                <a:solidFill>
+                  <a:schemeClr val="lt1"/>
+                </a:solidFill>
+                <a:latin typeface="+mn-lt"/>
+                <a:ea typeface="+mn-ea"/>
+                <a:cs typeface="+mn-cs"/>
+              </a:defRPr>
+            </a:lvl9pPr>
+          </a:lstStyle>
+          <a:p>
+            <a:pPr algn="ctr"/>
+            <a:endParaRPr lang="ko-KR" altLang="en-US" sz="4000"/>
+          </a:p>
+        </p:txBody>
+      </p:sp>
+      <p:sp>
+        <p:nvSpPr>
+          <p:cNvPr id="32" name="오른쪽 화살표 31"/>
+          <p:cNvSpPr/>
+          <p:nvPr/>
+        </p:nvSpPr>
+        <p:spPr>
+          <a:xfrm>
+            <a:off x="6840053" y="3265992"/>
+            <a:ext cx="481552" cy="516651"/>
+          </a:xfrm>
+          <a:prstGeom prst="rightArrow">
+            <a:avLst/>
+          </a:prstGeom>
+        </p:spPr>
+        <p:style>
+          <a:lnRef idx="2">
+            <a:schemeClr val="accent1">
+              <a:shade val="50000"/>
+            </a:schemeClr>
+          </a:lnRef>
+          <a:fillRef idx="1">
+            <a:schemeClr val="accent1"/>
+          </a:fillRef>
+          <a:effectRef idx="0">
+            <a:schemeClr val="accent1"/>
+          </a:effectRef>
+          <a:fontRef idx="minor">
+            <a:schemeClr val="lt1"/>
+          </a:fontRef>
+        </p:style>
+        <p:txBody>
+          <a:bodyPr rtlCol="0" anchor="ctr"/>
+          <a:lstStyle>
+            <a:defPPr>
+              <a:defRPr lang="ko-KR"/>
+            </a:defPPr>
+            <a:lvl1pPr marL="0" algn="l" defTabSz="914400" rtl="0" eaLnBrk="1" latinLnBrk="1" hangingPunct="1">
+              <a:defRPr sz="1800" kern="1200">
+                <a:solidFill>
+                  <a:schemeClr val="lt1"/>
+                </a:solidFill>
+                <a:latin typeface="+mn-lt"/>
+                <a:ea typeface="+mn-ea"/>
+                <a:cs typeface="+mn-cs"/>
+              </a:defRPr>
+            </a:lvl1pPr>
+            <a:lvl2pPr marL="457200" algn="l" defTabSz="914400" rtl="0" eaLnBrk="1" latinLnBrk="1" hangingPunct="1">
+              <a:defRPr sz="1800" kern="1200">
+                <a:solidFill>
+                  <a:schemeClr val="lt1"/>
+                </a:solidFill>
+                <a:latin typeface="+mn-lt"/>
+                <a:ea typeface="+mn-ea"/>
+                <a:cs typeface="+mn-cs"/>
+              </a:defRPr>
+            </a:lvl2pPr>
+            <a:lvl3pPr marL="914400" algn="l" defTabSz="914400" rtl="0" eaLnBrk="1" latinLnBrk="1" hangingPunct="1">
+              <a:defRPr sz="1800" kern="1200">
+                <a:solidFill>
+                  <a:schemeClr val="lt1"/>
+                </a:solidFill>
+                <a:latin typeface="+mn-lt"/>
+                <a:ea typeface="+mn-ea"/>
+                <a:cs typeface="+mn-cs"/>
+              </a:defRPr>
+            </a:lvl3pPr>
+            <a:lvl4pPr marL="1371600" algn="l" defTabSz="914400" rtl="0" eaLnBrk="1" latinLnBrk="1" hangingPunct="1">
+              <a:defRPr sz="1800" kern="1200">
+                <a:solidFill>
+                  <a:schemeClr val="lt1"/>
+                </a:solidFill>
+                <a:latin typeface="+mn-lt"/>
+                <a:ea typeface="+mn-ea"/>
+                <a:cs typeface="+mn-cs"/>
+              </a:defRPr>
+            </a:lvl4pPr>
+            <a:lvl5pPr marL="1828800" algn="l" defTabSz="914400" rtl="0" eaLnBrk="1" latinLnBrk="1" hangingPunct="1">
+              <a:defRPr sz="1800" kern="1200">
+                <a:solidFill>
+                  <a:schemeClr val="lt1"/>
+                </a:solidFill>
+                <a:latin typeface="+mn-lt"/>
+                <a:ea typeface="+mn-ea"/>
+                <a:cs typeface="+mn-cs"/>
+              </a:defRPr>
+            </a:lvl5pPr>
+            <a:lvl6pPr marL="2286000" algn="l" defTabSz="914400" rtl="0" eaLnBrk="1" latinLnBrk="1" hangingPunct="1">
+              <a:defRPr sz="1800" kern="1200">
+                <a:solidFill>
+                  <a:schemeClr val="lt1"/>
+                </a:solidFill>
+                <a:latin typeface="+mn-lt"/>
+                <a:ea typeface="+mn-ea"/>
+                <a:cs typeface="+mn-cs"/>
+              </a:defRPr>
+            </a:lvl6pPr>
+            <a:lvl7pPr marL="2743200" algn="l" defTabSz="914400" rtl="0" eaLnBrk="1" latinLnBrk="1" hangingPunct="1">
+              <a:defRPr sz="1800" kern="1200">
+                <a:solidFill>
+                  <a:schemeClr val="lt1"/>
+                </a:solidFill>
+                <a:latin typeface="+mn-lt"/>
+                <a:ea typeface="+mn-ea"/>
+                <a:cs typeface="+mn-cs"/>
+              </a:defRPr>
+            </a:lvl7pPr>
+            <a:lvl8pPr marL="3200400" algn="l" defTabSz="914400" rtl="0" eaLnBrk="1" latinLnBrk="1" hangingPunct="1">
+              <a:defRPr sz="1800" kern="1200">
+                <a:solidFill>
+                  <a:schemeClr val="lt1"/>
+                </a:solidFill>
+                <a:latin typeface="+mn-lt"/>
+                <a:ea typeface="+mn-ea"/>
+                <a:cs typeface="+mn-cs"/>
+              </a:defRPr>
+            </a:lvl8pPr>
+            <a:lvl9pPr marL="3657600" algn="l" defTabSz="914400" rtl="0" eaLnBrk="1" latinLnBrk="1" hangingPunct="1">
+              <a:defRPr sz="1800" kern="1200">
+                <a:solidFill>
+                  <a:schemeClr val="lt1"/>
+                </a:solidFill>
+                <a:latin typeface="+mn-lt"/>
+                <a:ea typeface="+mn-ea"/>
+                <a:cs typeface="+mn-cs"/>
+              </a:defRPr>
+            </a:lvl9pPr>
+          </a:lstStyle>
+          <a:p>
+            <a:pPr algn="ctr"/>
+            <a:endParaRPr lang="ko-KR" altLang="en-US" sz="4000"/>
+          </a:p>
+        </p:txBody>
+      </p:sp>
+      <p:sp>
+        <p:nvSpPr>
+          <p:cNvPr id="33" name="TextBox 1"/>
+          <p:cNvSpPr txBox="1"/>
+          <p:nvPr/>
+        </p:nvSpPr>
+        <p:spPr>
+          <a:xfrm>
+            <a:off x="245182" y="4797474"/>
+            <a:ext cx="1387667" cy="646331"/>
+          </a:xfrm>
+          <a:prstGeom prst="rect">
+            <a:avLst/>
+          </a:prstGeom>
+          <a:noFill/>
+        </p:spPr>
+        <p:txBody>
+          <a:bodyPr wrap="square" rtlCol="0">
+            <a:spAutoFit/>
+          </a:bodyPr>
+          <a:lstStyle>
+            <a:defPPr>
+              <a:defRPr lang="ko-KR"/>
+            </a:defPPr>
+            <a:lvl1pPr marL="0" algn="l" defTabSz="914400" rtl="0" eaLnBrk="1" latinLnBrk="1" hangingPunct="1">
+              <a:defRPr sz="1800" kern="1200">
+                <a:solidFill>
+                  <a:schemeClr val="tx1"/>
+                </a:solidFill>
+                <a:latin typeface="+mn-lt"/>
+                <a:ea typeface="+mn-ea"/>
+                <a:cs typeface="+mn-cs"/>
+              </a:defRPr>
+            </a:lvl1pPr>
+            <a:lvl2pPr marL="457200" algn="l" defTabSz="914400" rtl="0" eaLnBrk="1" latinLnBrk="1" hangingPunct="1">
+              <a:defRPr sz="1800" kern="1200">
+                <a:solidFill>
+                  <a:schemeClr val="tx1"/>
+                </a:solidFill>
+                <a:latin typeface="+mn-lt"/>
+                <a:ea typeface="+mn-ea"/>
+                <a:cs typeface="+mn-cs"/>
+              </a:defRPr>
+            </a:lvl2pPr>
+            <a:lvl3pPr marL="914400" algn="l" defTabSz="914400" rtl="0" eaLnBrk="1" latinLnBrk="1" hangingPunct="1">
+              <a:defRPr sz="1800" kern="1200">
+                <a:solidFill>
+                  <a:schemeClr val="tx1"/>
+                </a:solidFill>
+                <a:latin typeface="+mn-lt"/>
+                <a:ea typeface="+mn-ea"/>
+                <a:cs typeface="+mn-cs"/>
+              </a:defRPr>
+            </a:lvl3pPr>
+            <a:lvl4pPr marL="1371600" algn="l" defTabSz="914400" rtl="0" eaLnBrk="1" latinLnBrk="1" hangingPunct="1">
+              <a:defRPr sz="1800" kern="1200">
+                <a:solidFill>
+                  <a:schemeClr val="tx1"/>
+                </a:solidFill>
+                <a:latin typeface="+mn-lt"/>
+                <a:ea typeface="+mn-ea"/>
+                <a:cs typeface="+mn-cs"/>
+              </a:defRPr>
+            </a:lvl4pPr>
+            <a:lvl5pPr marL="1828800" algn="l" defTabSz="914400" rtl="0" eaLnBrk="1" latinLnBrk="1" hangingPunct="1">
+              <a:defRPr sz="1800" kern="1200">
+                <a:solidFill>
+                  <a:schemeClr val="tx1"/>
+                </a:solidFill>
+                <a:latin typeface="+mn-lt"/>
+                <a:ea typeface="+mn-ea"/>
+                <a:cs typeface="+mn-cs"/>
+              </a:defRPr>
+            </a:lvl5pPr>
+            <a:lvl6pPr marL="2286000" algn="l" defTabSz="914400" rtl="0" eaLnBrk="1" latinLnBrk="1" hangingPunct="1">
+              <a:defRPr sz="1800" kern="1200">
+                <a:solidFill>
+                  <a:schemeClr val="tx1"/>
+                </a:solidFill>
+                <a:latin typeface="+mn-lt"/>
+                <a:ea typeface="+mn-ea"/>
+                <a:cs typeface="+mn-cs"/>
+              </a:defRPr>
+            </a:lvl6pPr>
+            <a:lvl7pPr marL="2743200" algn="l" defTabSz="914400" rtl="0" eaLnBrk="1" latinLnBrk="1" hangingPunct="1">
+              <a:defRPr sz="1800" kern="1200">
+                <a:solidFill>
+                  <a:schemeClr val="tx1"/>
+                </a:solidFill>
+                <a:latin typeface="+mn-lt"/>
+                <a:ea typeface="+mn-ea"/>
+                <a:cs typeface="+mn-cs"/>
+              </a:defRPr>
+            </a:lvl7pPr>
+            <a:lvl8pPr marL="3200400" algn="l" defTabSz="914400" rtl="0" eaLnBrk="1" latinLnBrk="1" hangingPunct="1">
+              <a:defRPr sz="1800" kern="1200">
+                <a:solidFill>
+                  <a:schemeClr val="tx1"/>
+                </a:solidFill>
+                <a:latin typeface="+mn-lt"/>
+                <a:ea typeface="+mn-ea"/>
+                <a:cs typeface="+mn-cs"/>
+              </a:defRPr>
+            </a:lvl8pPr>
+            <a:lvl9pPr marL="3657600" algn="l" defTabSz="914400" rtl="0" eaLnBrk="1" latinLnBrk="1" hangingPunct="1">
+              <a:defRPr sz="1800" kern="1200">
+                <a:solidFill>
+                  <a:schemeClr val="tx1"/>
+                </a:solidFill>
+                <a:latin typeface="+mn-lt"/>
+                <a:ea typeface="+mn-ea"/>
+                <a:cs typeface="+mn-cs"/>
+              </a:defRPr>
+            </a:lvl9pPr>
+          </a:lstStyle>
+          <a:p>
+            <a:pPr algn="ctr"/>
+            <a:r>
+              <a:rPr lang="ko-KR" altLang="en-US" dirty="0" smtClean="0"/>
+              <a:t>사용자의</a:t>
+            </a:r>
+            <a:endParaRPr lang="en-US" altLang="ko-KR" dirty="0" smtClean="0"/>
+          </a:p>
+          <a:p>
+            <a:pPr algn="ctr"/>
+            <a:r>
+              <a:rPr lang="ko-KR" altLang="en-US" dirty="0" smtClean="0"/>
+              <a:t>사진 촬영</a:t>
+            </a:r>
+            <a:endParaRPr lang="ko-KR" altLang="en-US" dirty="0"/>
+          </a:p>
+        </p:txBody>
+      </p:sp>
+      <p:sp>
+        <p:nvSpPr>
+          <p:cNvPr id="34" name="TextBox 14"/>
+          <p:cNvSpPr txBox="1"/>
+          <p:nvPr/>
+        </p:nvSpPr>
+        <p:spPr>
+          <a:xfrm>
+            <a:off x="2126911" y="4757778"/>
+            <a:ext cx="1588866" cy="646331"/>
+          </a:xfrm>
+          <a:prstGeom prst="rect">
+            <a:avLst/>
+          </a:prstGeom>
+          <a:noFill/>
+        </p:spPr>
+        <p:txBody>
+          <a:bodyPr wrap="square" rtlCol="0">
+            <a:spAutoFit/>
+          </a:bodyPr>
+          <a:lstStyle>
+            <a:defPPr>
+              <a:defRPr lang="ko-KR"/>
+            </a:defPPr>
+            <a:lvl1pPr marL="0" algn="l" defTabSz="914400" rtl="0" eaLnBrk="1" latinLnBrk="1" hangingPunct="1">
+              <a:defRPr sz="1800" kern="1200">
+                <a:solidFill>
+                  <a:schemeClr val="tx1"/>
+                </a:solidFill>
+                <a:latin typeface="+mn-lt"/>
+                <a:ea typeface="+mn-ea"/>
+                <a:cs typeface="+mn-cs"/>
+              </a:defRPr>
+            </a:lvl1pPr>
+            <a:lvl2pPr marL="457200" algn="l" defTabSz="914400" rtl="0" eaLnBrk="1" latinLnBrk="1" hangingPunct="1">
+              <a:defRPr sz="1800" kern="1200">
+                <a:solidFill>
+                  <a:schemeClr val="tx1"/>
+                </a:solidFill>
+                <a:latin typeface="+mn-lt"/>
+                <a:ea typeface="+mn-ea"/>
+                <a:cs typeface="+mn-cs"/>
+              </a:defRPr>
+            </a:lvl2pPr>
+            <a:lvl3pPr marL="914400" algn="l" defTabSz="914400" rtl="0" eaLnBrk="1" latinLnBrk="1" hangingPunct="1">
+              <a:defRPr sz="1800" kern="1200">
+                <a:solidFill>
+                  <a:schemeClr val="tx1"/>
+                </a:solidFill>
+                <a:latin typeface="+mn-lt"/>
+                <a:ea typeface="+mn-ea"/>
+                <a:cs typeface="+mn-cs"/>
+              </a:defRPr>
+            </a:lvl3pPr>
+            <a:lvl4pPr marL="1371600" algn="l" defTabSz="914400" rtl="0" eaLnBrk="1" latinLnBrk="1" hangingPunct="1">
+              <a:defRPr sz="1800" kern="1200">
+                <a:solidFill>
+                  <a:schemeClr val="tx1"/>
+                </a:solidFill>
+                <a:latin typeface="+mn-lt"/>
+                <a:ea typeface="+mn-ea"/>
+                <a:cs typeface="+mn-cs"/>
+              </a:defRPr>
+            </a:lvl4pPr>
+            <a:lvl5pPr marL="1828800" algn="l" defTabSz="914400" rtl="0" eaLnBrk="1" latinLnBrk="1" hangingPunct="1">
+              <a:defRPr sz="1800" kern="1200">
+                <a:solidFill>
+                  <a:schemeClr val="tx1"/>
+                </a:solidFill>
+                <a:latin typeface="+mn-lt"/>
+                <a:ea typeface="+mn-ea"/>
+                <a:cs typeface="+mn-cs"/>
+              </a:defRPr>
+            </a:lvl5pPr>
+            <a:lvl6pPr marL="2286000" algn="l" defTabSz="914400" rtl="0" eaLnBrk="1" latinLnBrk="1" hangingPunct="1">
+              <a:defRPr sz="1800" kern="1200">
+                <a:solidFill>
+                  <a:schemeClr val="tx1"/>
+                </a:solidFill>
+                <a:latin typeface="+mn-lt"/>
+                <a:ea typeface="+mn-ea"/>
+                <a:cs typeface="+mn-cs"/>
+              </a:defRPr>
+            </a:lvl6pPr>
+            <a:lvl7pPr marL="2743200" algn="l" defTabSz="914400" rtl="0" eaLnBrk="1" latinLnBrk="1" hangingPunct="1">
+              <a:defRPr sz="1800" kern="1200">
+                <a:solidFill>
+                  <a:schemeClr val="tx1"/>
+                </a:solidFill>
+                <a:latin typeface="+mn-lt"/>
+                <a:ea typeface="+mn-ea"/>
+                <a:cs typeface="+mn-cs"/>
+              </a:defRPr>
+            </a:lvl7pPr>
+            <a:lvl8pPr marL="3200400" algn="l" defTabSz="914400" rtl="0" eaLnBrk="1" latinLnBrk="1" hangingPunct="1">
+              <a:defRPr sz="1800" kern="1200">
+                <a:solidFill>
+                  <a:schemeClr val="tx1"/>
+                </a:solidFill>
+                <a:latin typeface="+mn-lt"/>
+                <a:ea typeface="+mn-ea"/>
+                <a:cs typeface="+mn-cs"/>
+              </a:defRPr>
+            </a:lvl8pPr>
+            <a:lvl9pPr marL="3657600" algn="l" defTabSz="914400" rtl="0" eaLnBrk="1" latinLnBrk="1" hangingPunct="1">
+              <a:defRPr sz="1800" kern="1200">
+                <a:solidFill>
+                  <a:schemeClr val="tx1"/>
+                </a:solidFill>
+                <a:latin typeface="+mn-lt"/>
+                <a:ea typeface="+mn-ea"/>
+                <a:cs typeface="+mn-cs"/>
+              </a:defRPr>
+            </a:lvl9pPr>
+          </a:lstStyle>
+          <a:p>
+            <a:r>
+              <a:rPr lang="ko-KR" altLang="en-US" dirty="0" smtClean="0"/>
+              <a:t>웹에 사진</a:t>
+            </a:r>
+            <a:endParaRPr lang="en-US" altLang="ko-KR" dirty="0" smtClean="0"/>
+          </a:p>
+          <a:p>
+            <a:r>
+              <a:rPr lang="ko-KR" altLang="en-US" dirty="0" smtClean="0"/>
+              <a:t>데이터 </a:t>
+            </a:r>
+            <a:r>
+              <a:rPr lang="ko-KR" altLang="en-US" dirty="0"/>
+              <a:t>입력</a:t>
+            </a:r>
+            <a:endParaRPr lang="ko-KR" altLang="en-US" dirty="0"/>
+          </a:p>
+        </p:txBody>
+      </p:sp>
+      <p:sp>
+        <p:nvSpPr>
+          <p:cNvPr id="35" name="오른쪽 화살표 34"/>
+          <p:cNvSpPr/>
+          <p:nvPr/>
+        </p:nvSpPr>
+        <p:spPr>
+          <a:xfrm>
+            <a:off x="1568469" y="4822619"/>
+            <a:ext cx="481552" cy="516651"/>
+          </a:xfrm>
+          <a:prstGeom prst="rightArrow">
+            <a:avLst/>
+          </a:prstGeom>
+        </p:spPr>
+        <p:style>
+          <a:lnRef idx="2">
+            <a:schemeClr val="accent1">
+              <a:shade val="50000"/>
+            </a:schemeClr>
+          </a:lnRef>
+          <a:fillRef idx="1">
+            <a:schemeClr val="accent1"/>
+          </a:fillRef>
+          <a:effectRef idx="0">
+            <a:schemeClr val="accent1"/>
+          </a:effectRef>
+          <a:fontRef idx="minor">
+            <a:schemeClr val="lt1"/>
+          </a:fontRef>
+        </p:style>
+        <p:txBody>
+          <a:bodyPr rtlCol="0" anchor="ctr"/>
+          <a:lstStyle>
+            <a:defPPr>
+              <a:defRPr lang="ko-KR"/>
+            </a:defPPr>
+            <a:lvl1pPr marL="0" algn="l" defTabSz="914400" rtl="0" eaLnBrk="1" latinLnBrk="1" hangingPunct="1">
+              <a:defRPr sz="1800" kern="1200">
+                <a:solidFill>
+                  <a:schemeClr val="lt1"/>
+                </a:solidFill>
+                <a:latin typeface="+mn-lt"/>
+                <a:ea typeface="+mn-ea"/>
+                <a:cs typeface="+mn-cs"/>
+              </a:defRPr>
+            </a:lvl1pPr>
+            <a:lvl2pPr marL="457200" algn="l" defTabSz="914400" rtl="0" eaLnBrk="1" latinLnBrk="1" hangingPunct="1">
+              <a:defRPr sz="1800" kern="1200">
+                <a:solidFill>
+                  <a:schemeClr val="lt1"/>
+                </a:solidFill>
+                <a:latin typeface="+mn-lt"/>
+                <a:ea typeface="+mn-ea"/>
+                <a:cs typeface="+mn-cs"/>
+              </a:defRPr>
+            </a:lvl2pPr>
+            <a:lvl3pPr marL="914400" algn="l" defTabSz="914400" rtl="0" eaLnBrk="1" latinLnBrk="1" hangingPunct="1">
+              <a:defRPr sz="1800" kern="1200">
+                <a:solidFill>
+                  <a:schemeClr val="lt1"/>
+                </a:solidFill>
+                <a:latin typeface="+mn-lt"/>
+                <a:ea typeface="+mn-ea"/>
+                <a:cs typeface="+mn-cs"/>
+              </a:defRPr>
+            </a:lvl3pPr>
+            <a:lvl4pPr marL="1371600" algn="l" defTabSz="914400" rtl="0" eaLnBrk="1" latinLnBrk="1" hangingPunct="1">
+              <a:defRPr sz="1800" kern="1200">
+                <a:solidFill>
+                  <a:schemeClr val="lt1"/>
+                </a:solidFill>
+                <a:latin typeface="+mn-lt"/>
+                <a:ea typeface="+mn-ea"/>
+                <a:cs typeface="+mn-cs"/>
+              </a:defRPr>
+            </a:lvl4pPr>
+            <a:lvl5pPr marL="1828800" algn="l" defTabSz="914400" rtl="0" eaLnBrk="1" latinLnBrk="1" hangingPunct="1">
+              <a:defRPr sz="1800" kern="1200">
+                <a:solidFill>
+                  <a:schemeClr val="lt1"/>
+                </a:solidFill>
+                <a:latin typeface="+mn-lt"/>
+                <a:ea typeface="+mn-ea"/>
+                <a:cs typeface="+mn-cs"/>
+              </a:defRPr>
+            </a:lvl5pPr>
+            <a:lvl6pPr marL="2286000" algn="l" defTabSz="914400" rtl="0" eaLnBrk="1" latinLnBrk="1" hangingPunct="1">
+              <a:defRPr sz="1800" kern="1200">
+                <a:solidFill>
+                  <a:schemeClr val="lt1"/>
+                </a:solidFill>
+                <a:latin typeface="+mn-lt"/>
+                <a:ea typeface="+mn-ea"/>
+                <a:cs typeface="+mn-cs"/>
+              </a:defRPr>
+            </a:lvl6pPr>
+            <a:lvl7pPr marL="2743200" algn="l" defTabSz="914400" rtl="0" eaLnBrk="1" latinLnBrk="1" hangingPunct="1">
+              <a:defRPr sz="1800" kern="1200">
+                <a:solidFill>
+                  <a:schemeClr val="lt1"/>
+                </a:solidFill>
+                <a:latin typeface="+mn-lt"/>
+                <a:ea typeface="+mn-ea"/>
+                <a:cs typeface="+mn-cs"/>
+              </a:defRPr>
+            </a:lvl7pPr>
+            <a:lvl8pPr marL="3200400" algn="l" defTabSz="914400" rtl="0" eaLnBrk="1" latinLnBrk="1" hangingPunct="1">
+              <a:defRPr sz="1800" kern="1200">
+                <a:solidFill>
+                  <a:schemeClr val="lt1"/>
+                </a:solidFill>
+                <a:latin typeface="+mn-lt"/>
+                <a:ea typeface="+mn-ea"/>
+                <a:cs typeface="+mn-cs"/>
+              </a:defRPr>
+            </a:lvl8pPr>
+            <a:lvl9pPr marL="3657600" algn="l" defTabSz="914400" rtl="0" eaLnBrk="1" latinLnBrk="1" hangingPunct="1">
+              <a:defRPr sz="1800" kern="1200">
+                <a:solidFill>
+                  <a:schemeClr val="lt1"/>
+                </a:solidFill>
+                <a:latin typeface="+mn-lt"/>
+                <a:ea typeface="+mn-ea"/>
+                <a:cs typeface="+mn-cs"/>
+              </a:defRPr>
+            </a:lvl9pPr>
+          </a:lstStyle>
+          <a:p>
+            <a:pPr algn="ctr"/>
+            <a:endParaRPr lang="ko-KR" altLang="en-US" sz="4000"/>
+          </a:p>
+        </p:txBody>
+      </p:sp>
+      <p:sp>
+        <p:nvSpPr>
+          <p:cNvPr id="36" name="TextBox 16"/>
+          <p:cNvSpPr txBox="1"/>
+          <p:nvPr/>
+        </p:nvSpPr>
+        <p:spPr>
+          <a:xfrm>
+            <a:off x="4093181" y="4779550"/>
+            <a:ext cx="1243140" cy="646331"/>
+          </a:xfrm>
+          <a:prstGeom prst="rect">
+            <a:avLst/>
+          </a:prstGeom>
+          <a:noFill/>
+        </p:spPr>
+        <p:txBody>
+          <a:bodyPr wrap="square" rtlCol="0">
+            <a:spAutoFit/>
+          </a:bodyPr>
+          <a:lstStyle>
+            <a:defPPr>
+              <a:defRPr lang="ko-KR"/>
+            </a:defPPr>
+            <a:lvl1pPr marL="0" algn="l" defTabSz="914400" rtl="0" eaLnBrk="1" latinLnBrk="1" hangingPunct="1">
+              <a:defRPr sz="1800" kern="1200">
+                <a:solidFill>
+                  <a:schemeClr val="tx1"/>
+                </a:solidFill>
+                <a:latin typeface="+mn-lt"/>
+                <a:ea typeface="+mn-ea"/>
+                <a:cs typeface="+mn-cs"/>
+              </a:defRPr>
+            </a:lvl1pPr>
+            <a:lvl2pPr marL="457200" algn="l" defTabSz="914400" rtl="0" eaLnBrk="1" latinLnBrk="1" hangingPunct="1">
+              <a:defRPr sz="1800" kern="1200">
+                <a:solidFill>
+                  <a:schemeClr val="tx1"/>
+                </a:solidFill>
+                <a:latin typeface="+mn-lt"/>
+                <a:ea typeface="+mn-ea"/>
+                <a:cs typeface="+mn-cs"/>
+              </a:defRPr>
+            </a:lvl2pPr>
+            <a:lvl3pPr marL="914400" algn="l" defTabSz="914400" rtl="0" eaLnBrk="1" latinLnBrk="1" hangingPunct="1">
+              <a:defRPr sz="1800" kern="1200">
+                <a:solidFill>
+                  <a:schemeClr val="tx1"/>
+                </a:solidFill>
+                <a:latin typeface="+mn-lt"/>
+                <a:ea typeface="+mn-ea"/>
+                <a:cs typeface="+mn-cs"/>
+              </a:defRPr>
+            </a:lvl3pPr>
+            <a:lvl4pPr marL="1371600" algn="l" defTabSz="914400" rtl="0" eaLnBrk="1" latinLnBrk="1" hangingPunct="1">
+              <a:defRPr sz="1800" kern="1200">
+                <a:solidFill>
+                  <a:schemeClr val="tx1"/>
+                </a:solidFill>
+                <a:latin typeface="+mn-lt"/>
+                <a:ea typeface="+mn-ea"/>
+                <a:cs typeface="+mn-cs"/>
+              </a:defRPr>
+            </a:lvl4pPr>
+            <a:lvl5pPr marL="1828800" algn="l" defTabSz="914400" rtl="0" eaLnBrk="1" latinLnBrk="1" hangingPunct="1">
+              <a:defRPr sz="1800" kern="1200">
+                <a:solidFill>
+                  <a:schemeClr val="tx1"/>
+                </a:solidFill>
+                <a:latin typeface="+mn-lt"/>
+                <a:ea typeface="+mn-ea"/>
+                <a:cs typeface="+mn-cs"/>
+              </a:defRPr>
+            </a:lvl5pPr>
+            <a:lvl6pPr marL="2286000" algn="l" defTabSz="914400" rtl="0" eaLnBrk="1" latinLnBrk="1" hangingPunct="1">
+              <a:defRPr sz="1800" kern="1200">
+                <a:solidFill>
+                  <a:schemeClr val="tx1"/>
+                </a:solidFill>
+                <a:latin typeface="+mn-lt"/>
+                <a:ea typeface="+mn-ea"/>
+                <a:cs typeface="+mn-cs"/>
+              </a:defRPr>
+            </a:lvl6pPr>
+            <a:lvl7pPr marL="2743200" algn="l" defTabSz="914400" rtl="0" eaLnBrk="1" latinLnBrk="1" hangingPunct="1">
+              <a:defRPr sz="1800" kern="1200">
+                <a:solidFill>
+                  <a:schemeClr val="tx1"/>
+                </a:solidFill>
+                <a:latin typeface="+mn-lt"/>
+                <a:ea typeface="+mn-ea"/>
+                <a:cs typeface="+mn-cs"/>
+              </a:defRPr>
+            </a:lvl7pPr>
+            <a:lvl8pPr marL="3200400" algn="l" defTabSz="914400" rtl="0" eaLnBrk="1" latinLnBrk="1" hangingPunct="1">
+              <a:defRPr sz="1800" kern="1200">
+                <a:solidFill>
+                  <a:schemeClr val="tx1"/>
+                </a:solidFill>
+                <a:latin typeface="+mn-lt"/>
+                <a:ea typeface="+mn-ea"/>
+                <a:cs typeface="+mn-cs"/>
+              </a:defRPr>
+            </a:lvl8pPr>
+            <a:lvl9pPr marL="3657600" algn="l" defTabSz="914400" rtl="0" eaLnBrk="1" latinLnBrk="1" hangingPunct="1">
+              <a:defRPr sz="1800" kern="1200">
+                <a:solidFill>
+                  <a:schemeClr val="tx1"/>
+                </a:solidFill>
+                <a:latin typeface="+mn-lt"/>
+                <a:ea typeface="+mn-ea"/>
+                <a:cs typeface="+mn-cs"/>
+              </a:defRPr>
+            </a:lvl9pPr>
+          </a:lstStyle>
+          <a:p>
+            <a:r>
+              <a:rPr lang="ko-KR" altLang="en-US" dirty="0" smtClean="0"/>
+              <a:t>지문 정보 인식</a:t>
+            </a:r>
+            <a:endParaRPr lang="ko-KR" altLang="en-US" dirty="0"/>
+          </a:p>
+        </p:txBody>
+      </p:sp>
+      <p:sp>
+        <p:nvSpPr>
+          <p:cNvPr id="37" name="TextBox 20"/>
+          <p:cNvSpPr txBox="1"/>
+          <p:nvPr/>
+        </p:nvSpPr>
+        <p:spPr>
+          <a:xfrm>
+            <a:off x="5749771" y="4745190"/>
+            <a:ext cx="1661576" cy="646331"/>
+          </a:xfrm>
+          <a:prstGeom prst="rect">
+            <a:avLst/>
+          </a:prstGeom>
+          <a:noFill/>
+        </p:spPr>
+        <p:txBody>
+          <a:bodyPr wrap="square" rtlCol="0">
+            <a:spAutoFit/>
+          </a:bodyPr>
+          <a:lstStyle>
+            <a:defPPr>
+              <a:defRPr lang="ko-KR"/>
+            </a:defPPr>
+            <a:lvl1pPr marL="0" algn="l" defTabSz="914400" rtl="0" eaLnBrk="1" latinLnBrk="1" hangingPunct="1">
+              <a:defRPr sz="1800" kern="1200">
+                <a:solidFill>
+                  <a:schemeClr val="tx1"/>
+                </a:solidFill>
+                <a:latin typeface="+mn-lt"/>
+                <a:ea typeface="+mn-ea"/>
+                <a:cs typeface="+mn-cs"/>
+              </a:defRPr>
+            </a:lvl1pPr>
+            <a:lvl2pPr marL="457200" algn="l" defTabSz="914400" rtl="0" eaLnBrk="1" latinLnBrk="1" hangingPunct="1">
+              <a:defRPr sz="1800" kern="1200">
+                <a:solidFill>
+                  <a:schemeClr val="tx1"/>
+                </a:solidFill>
+                <a:latin typeface="+mn-lt"/>
+                <a:ea typeface="+mn-ea"/>
+                <a:cs typeface="+mn-cs"/>
+              </a:defRPr>
+            </a:lvl2pPr>
+            <a:lvl3pPr marL="914400" algn="l" defTabSz="914400" rtl="0" eaLnBrk="1" latinLnBrk="1" hangingPunct="1">
+              <a:defRPr sz="1800" kern="1200">
+                <a:solidFill>
+                  <a:schemeClr val="tx1"/>
+                </a:solidFill>
+                <a:latin typeface="+mn-lt"/>
+                <a:ea typeface="+mn-ea"/>
+                <a:cs typeface="+mn-cs"/>
+              </a:defRPr>
+            </a:lvl3pPr>
+            <a:lvl4pPr marL="1371600" algn="l" defTabSz="914400" rtl="0" eaLnBrk="1" latinLnBrk="1" hangingPunct="1">
+              <a:defRPr sz="1800" kern="1200">
+                <a:solidFill>
+                  <a:schemeClr val="tx1"/>
+                </a:solidFill>
+                <a:latin typeface="+mn-lt"/>
+                <a:ea typeface="+mn-ea"/>
+                <a:cs typeface="+mn-cs"/>
+              </a:defRPr>
+            </a:lvl4pPr>
+            <a:lvl5pPr marL="1828800" algn="l" defTabSz="914400" rtl="0" eaLnBrk="1" latinLnBrk="1" hangingPunct="1">
+              <a:defRPr sz="1800" kern="1200">
+                <a:solidFill>
+                  <a:schemeClr val="tx1"/>
+                </a:solidFill>
+                <a:latin typeface="+mn-lt"/>
+                <a:ea typeface="+mn-ea"/>
+                <a:cs typeface="+mn-cs"/>
+              </a:defRPr>
+            </a:lvl5pPr>
+            <a:lvl6pPr marL="2286000" algn="l" defTabSz="914400" rtl="0" eaLnBrk="1" latinLnBrk="1" hangingPunct="1">
+              <a:defRPr sz="1800" kern="1200">
+                <a:solidFill>
+                  <a:schemeClr val="tx1"/>
+                </a:solidFill>
+                <a:latin typeface="+mn-lt"/>
+                <a:ea typeface="+mn-ea"/>
+                <a:cs typeface="+mn-cs"/>
+              </a:defRPr>
+            </a:lvl6pPr>
+            <a:lvl7pPr marL="2743200" algn="l" defTabSz="914400" rtl="0" eaLnBrk="1" latinLnBrk="1" hangingPunct="1">
+              <a:defRPr sz="1800" kern="1200">
+                <a:solidFill>
+                  <a:schemeClr val="tx1"/>
+                </a:solidFill>
+                <a:latin typeface="+mn-lt"/>
+                <a:ea typeface="+mn-ea"/>
+                <a:cs typeface="+mn-cs"/>
+              </a:defRPr>
+            </a:lvl7pPr>
+            <a:lvl8pPr marL="3200400" algn="l" defTabSz="914400" rtl="0" eaLnBrk="1" latinLnBrk="1" hangingPunct="1">
+              <a:defRPr sz="1800" kern="1200">
+                <a:solidFill>
+                  <a:schemeClr val="tx1"/>
+                </a:solidFill>
+                <a:latin typeface="+mn-lt"/>
+                <a:ea typeface="+mn-ea"/>
+                <a:cs typeface="+mn-cs"/>
+              </a:defRPr>
+            </a:lvl8pPr>
+            <a:lvl9pPr marL="3657600" algn="l" defTabSz="914400" rtl="0" eaLnBrk="1" latinLnBrk="1" hangingPunct="1">
+              <a:defRPr sz="1800" kern="1200">
+                <a:solidFill>
+                  <a:schemeClr val="tx1"/>
+                </a:solidFill>
+                <a:latin typeface="+mn-lt"/>
+                <a:ea typeface="+mn-ea"/>
+                <a:cs typeface="+mn-cs"/>
+              </a:defRPr>
+            </a:lvl9pPr>
+          </a:lstStyle>
+          <a:p>
+            <a:r>
+              <a:rPr lang="ko-KR" altLang="en-US" dirty="0"/>
+              <a:t>지문 정보</a:t>
+            </a:r>
+            <a:endParaRPr lang="en-US" altLang="ko-KR" dirty="0"/>
+          </a:p>
+          <a:p>
+            <a:r>
+              <a:rPr lang="ko-KR" altLang="en-US" dirty="0"/>
+              <a:t>유출 경고 출력</a:t>
+            </a:r>
+            <a:endParaRPr lang="ko-KR" altLang="en-US" dirty="0"/>
+          </a:p>
+        </p:txBody>
+      </p:sp>
+      <p:sp>
+        <p:nvSpPr>
+          <p:cNvPr id="38" name="TextBox 35"/>
+          <p:cNvSpPr txBox="1"/>
+          <p:nvPr/>
+        </p:nvSpPr>
+        <p:spPr>
+          <a:xfrm>
+            <a:off x="325307" y="4127934"/>
+            <a:ext cx="5933979" cy="369332"/>
+          </a:xfrm>
+          <a:prstGeom prst="rect">
+            <a:avLst/>
+          </a:prstGeom>
+          <a:noFill/>
+        </p:spPr>
+        <p:txBody>
+          <a:bodyPr wrap="square" rtlCol="0">
+            <a:spAutoFit/>
+          </a:bodyPr>
+          <a:lstStyle>
+            <a:defPPr>
+              <a:defRPr lang="ko-KR"/>
+            </a:defPPr>
+            <a:lvl1pPr marL="0" algn="l" defTabSz="914400" rtl="0" eaLnBrk="1" latinLnBrk="1" hangingPunct="1">
+              <a:defRPr sz="1800" kern="1200">
+                <a:solidFill>
+                  <a:schemeClr val="tx1"/>
+                </a:solidFill>
+                <a:latin typeface="+mn-lt"/>
+                <a:ea typeface="+mn-ea"/>
+                <a:cs typeface="+mn-cs"/>
+              </a:defRPr>
+            </a:lvl1pPr>
+            <a:lvl2pPr marL="457200" algn="l" defTabSz="914400" rtl="0" eaLnBrk="1" latinLnBrk="1" hangingPunct="1">
+              <a:defRPr sz="1800" kern="1200">
+                <a:solidFill>
+                  <a:schemeClr val="tx1"/>
+                </a:solidFill>
+                <a:latin typeface="+mn-lt"/>
+                <a:ea typeface="+mn-ea"/>
+                <a:cs typeface="+mn-cs"/>
+              </a:defRPr>
+            </a:lvl2pPr>
+            <a:lvl3pPr marL="914400" algn="l" defTabSz="914400" rtl="0" eaLnBrk="1" latinLnBrk="1" hangingPunct="1">
+              <a:defRPr sz="1800" kern="1200">
+                <a:solidFill>
+                  <a:schemeClr val="tx1"/>
+                </a:solidFill>
+                <a:latin typeface="+mn-lt"/>
+                <a:ea typeface="+mn-ea"/>
+                <a:cs typeface="+mn-cs"/>
+              </a:defRPr>
+            </a:lvl3pPr>
+            <a:lvl4pPr marL="1371600" algn="l" defTabSz="914400" rtl="0" eaLnBrk="1" latinLnBrk="1" hangingPunct="1">
+              <a:defRPr sz="1800" kern="1200">
+                <a:solidFill>
+                  <a:schemeClr val="tx1"/>
+                </a:solidFill>
+                <a:latin typeface="+mn-lt"/>
+                <a:ea typeface="+mn-ea"/>
+                <a:cs typeface="+mn-cs"/>
+              </a:defRPr>
+            </a:lvl4pPr>
+            <a:lvl5pPr marL="1828800" algn="l" defTabSz="914400" rtl="0" eaLnBrk="1" latinLnBrk="1" hangingPunct="1">
+              <a:defRPr sz="1800" kern="1200">
+                <a:solidFill>
+                  <a:schemeClr val="tx1"/>
+                </a:solidFill>
+                <a:latin typeface="+mn-lt"/>
+                <a:ea typeface="+mn-ea"/>
+                <a:cs typeface="+mn-cs"/>
+              </a:defRPr>
+            </a:lvl5pPr>
+            <a:lvl6pPr marL="2286000" algn="l" defTabSz="914400" rtl="0" eaLnBrk="1" latinLnBrk="1" hangingPunct="1">
+              <a:defRPr sz="1800" kern="1200">
+                <a:solidFill>
+                  <a:schemeClr val="tx1"/>
+                </a:solidFill>
+                <a:latin typeface="+mn-lt"/>
+                <a:ea typeface="+mn-ea"/>
+                <a:cs typeface="+mn-cs"/>
+              </a:defRPr>
+            </a:lvl6pPr>
+            <a:lvl7pPr marL="2743200" algn="l" defTabSz="914400" rtl="0" eaLnBrk="1" latinLnBrk="1" hangingPunct="1">
+              <a:defRPr sz="1800" kern="1200">
+                <a:solidFill>
+                  <a:schemeClr val="tx1"/>
+                </a:solidFill>
+                <a:latin typeface="+mn-lt"/>
+                <a:ea typeface="+mn-ea"/>
+                <a:cs typeface="+mn-cs"/>
+              </a:defRPr>
+            </a:lvl7pPr>
+            <a:lvl8pPr marL="3200400" algn="l" defTabSz="914400" rtl="0" eaLnBrk="1" latinLnBrk="1" hangingPunct="1">
+              <a:defRPr sz="1800" kern="1200">
+                <a:solidFill>
+                  <a:schemeClr val="tx1"/>
+                </a:solidFill>
+                <a:latin typeface="+mn-lt"/>
+                <a:ea typeface="+mn-ea"/>
+                <a:cs typeface="+mn-cs"/>
+              </a:defRPr>
+            </a:lvl8pPr>
+            <a:lvl9pPr marL="3657600" algn="l" defTabSz="914400" rtl="0" eaLnBrk="1" latinLnBrk="1" hangingPunct="1">
+              <a:defRPr sz="1800" kern="1200">
+                <a:solidFill>
+                  <a:schemeClr val="tx1"/>
+                </a:solidFill>
+                <a:latin typeface="+mn-lt"/>
+                <a:ea typeface="+mn-ea"/>
+                <a:cs typeface="+mn-cs"/>
+              </a:defRPr>
+            </a:lvl9pPr>
+          </a:lstStyle>
+          <a:p>
+            <a:r>
+              <a:rPr lang="ko-KR" altLang="en-US" b="1" dirty="0"/>
+              <a:t>지문 탐지 서비스</a:t>
+            </a:r>
+            <a:endParaRPr lang="ko-KR" altLang="en-US" dirty="0"/>
+          </a:p>
+        </p:txBody>
+      </p:sp>
+      <p:sp>
+        <p:nvSpPr>
+          <p:cNvPr id="39" name="오른쪽 화살표 38"/>
+          <p:cNvSpPr/>
+          <p:nvPr/>
+        </p:nvSpPr>
+        <p:spPr>
+          <a:xfrm>
+            <a:off x="3494097" y="4810031"/>
+            <a:ext cx="481552" cy="516651"/>
+          </a:xfrm>
+          <a:prstGeom prst="rightArrow">
+            <a:avLst/>
+          </a:prstGeom>
+        </p:spPr>
+        <p:style>
+          <a:lnRef idx="2">
+            <a:schemeClr val="accent1">
+              <a:shade val="50000"/>
+            </a:schemeClr>
+          </a:lnRef>
+          <a:fillRef idx="1">
+            <a:schemeClr val="accent1"/>
+          </a:fillRef>
+          <a:effectRef idx="0">
+            <a:schemeClr val="accent1"/>
+          </a:effectRef>
+          <a:fontRef idx="minor">
+            <a:schemeClr val="lt1"/>
+          </a:fontRef>
+        </p:style>
+        <p:txBody>
+          <a:bodyPr rtlCol="0" anchor="ctr"/>
+          <a:lstStyle>
+            <a:defPPr>
+              <a:defRPr lang="ko-KR"/>
+            </a:defPPr>
+            <a:lvl1pPr marL="0" algn="l" defTabSz="914400" rtl="0" eaLnBrk="1" latinLnBrk="1" hangingPunct="1">
+              <a:defRPr sz="1800" kern="1200">
+                <a:solidFill>
+                  <a:schemeClr val="lt1"/>
+                </a:solidFill>
+                <a:latin typeface="+mn-lt"/>
+                <a:ea typeface="+mn-ea"/>
+                <a:cs typeface="+mn-cs"/>
+              </a:defRPr>
+            </a:lvl1pPr>
+            <a:lvl2pPr marL="457200" algn="l" defTabSz="914400" rtl="0" eaLnBrk="1" latinLnBrk="1" hangingPunct="1">
+              <a:defRPr sz="1800" kern="1200">
+                <a:solidFill>
+                  <a:schemeClr val="lt1"/>
+                </a:solidFill>
+                <a:latin typeface="+mn-lt"/>
+                <a:ea typeface="+mn-ea"/>
+                <a:cs typeface="+mn-cs"/>
+              </a:defRPr>
+            </a:lvl2pPr>
+            <a:lvl3pPr marL="914400" algn="l" defTabSz="914400" rtl="0" eaLnBrk="1" latinLnBrk="1" hangingPunct="1">
+              <a:defRPr sz="1800" kern="1200">
+                <a:solidFill>
+                  <a:schemeClr val="lt1"/>
+                </a:solidFill>
+                <a:latin typeface="+mn-lt"/>
+                <a:ea typeface="+mn-ea"/>
+                <a:cs typeface="+mn-cs"/>
+              </a:defRPr>
+            </a:lvl3pPr>
+            <a:lvl4pPr marL="1371600" algn="l" defTabSz="914400" rtl="0" eaLnBrk="1" latinLnBrk="1" hangingPunct="1">
+              <a:defRPr sz="1800" kern="1200">
+                <a:solidFill>
+                  <a:schemeClr val="lt1"/>
+                </a:solidFill>
+                <a:latin typeface="+mn-lt"/>
+                <a:ea typeface="+mn-ea"/>
+                <a:cs typeface="+mn-cs"/>
+              </a:defRPr>
+            </a:lvl4pPr>
+            <a:lvl5pPr marL="1828800" algn="l" defTabSz="914400" rtl="0" eaLnBrk="1" latinLnBrk="1" hangingPunct="1">
+              <a:defRPr sz="1800" kern="1200">
+                <a:solidFill>
+                  <a:schemeClr val="lt1"/>
+                </a:solidFill>
+                <a:latin typeface="+mn-lt"/>
+                <a:ea typeface="+mn-ea"/>
+                <a:cs typeface="+mn-cs"/>
+              </a:defRPr>
+            </a:lvl5pPr>
+            <a:lvl6pPr marL="2286000" algn="l" defTabSz="914400" rtl="0" eaLnBrk="1" latinLnBrk="1" hangingPunct="1">
+              <a:defRPr sz="1800" kern="1200">
+                <a:solidFill>
+                  <a:schemeClr val="lt1"/>
+                </a:solidFill>
+                <a:latin typeface="+mn-lt"/>
+                <a:ea typeface="+mn-ea"/>
+                <a:cs typeface="+mn-cs"/>
+              </a:defRPr>
+            </a:lvl6pPr>
+            <a:lvl7pPr marL="2743200" algn="l" defTabSz="914400" rtl="0" eaLnBrk="1" latinLnBrk="1" hangingPunct="1">
+              <a:defRPr sz="1800" kern="1200">
+                <a:solidFill>
+                  <a:schemeClr val="lt1"/>
+                </a:solidFill>
+                <a:latin typeface="+mn-lt"/>
+                <a:ea typeface="+mn-ea"/>
+                <a:cs typeface="+mn-cs"/>
+              </a:defRPr>
+            </a:lvl7pPr>
+            <a:lvl8pPr marL="3200400" algn="l" defTabSz="914400" rtl="0" eaLnBrk="1" latinLnBrk="1" hangingPunct="1">
+              <a:defRPr sz="1800" kern="1200">
+                <a:solidFill>
+                  <a:schemeClr val="lt1"/>
+                </a:solidFill>
+                <a:latin typeface="+mn-lt"/>
+                <a:ea typeface="+mn-ea"/>
+                <a:cs typeface="+mn-cs"/>
+              </a:defRPr>
+            </a:lvl8pPr>
+            <a:lvl9pPr marL="3657600" algn="l" defTabSz="914400" rtl="0" eaLnBrk="1" latinLnBrk="1" hangingPunct="1">
+              <a:defRPr sz="1800" kern="1200">
+                <a:solidFill>
+                  <a:schemeClr val="lt1"/>
+                </a:solidFill>
+                <a:latin typeface="+mn-lt"/>
+                <a:ea typeface="+mn-ea"/>
+                <a:cs typeface="+mn-cs"/>
+              </a:defRPr>
+            </a:lvl9pPr>
+          </a:lstStyle>
+          <a:p>
+            <a:pPr algn="ctr"/>
+            <a:endParaRPr lang="ko-KR" altLang="en-US" sz="4000"/>
+          </a:p>
+        </p:txBody>
+      </p:sp>
+      <p:sp>
+        <p:nvSpPr>
+          <p:cNvPr id="40" name="오른쪽 화살표 39"/>
+          <p:cNvSpPr/>
+          <p:nvPr/>
+        </p:nvSpPr>
+        <p:spPr>
+          <a:xfrm>
+            <a:off x="5262450" y="4828397"/>
+            <a:ext cx="481552" cy="516651"/>
+          </a:xfrm>
+          <a:prstGeom prst="rightArrow">
+            <a:avLst/>
+          </a:prstGeom>
+        </p:spPr>
+        <p:style>
+          <a:lnRef idx="2">
+            <a:schemeClr val="accent1">
+              <a:shade val="50000"/>
+            </a:schemeClr>
+          </a:lnRef>
+          <a:fillRef idx="1">
+            <a:schemeClr val="accent1"/>
+          </a:fillRef>
+          <a:effectRef idx="0">
+            <a:schemeClr val="accent1"/>
+          </a:effectRef>
+          <a:fontRef idx="minor">
+            <a:schemeClr val="lt1"/>
+          </a:fontRef>
+        </p:style>
+        <p:txBody>
+          <a:bodyPr rtlCol="0" anchor="ctr"/>
+          <a:lstStyle>
+            <a:defPPr>
+              <a:defRPr lang="ko-KR"/>
+            </a:defPPr>
+            <a:lvl1pPr marL="0" algn="l" defTabSz="914400" rtl="0" eaLnBrk="1" latinLnBrk="1" hangingPunct="1">
+              <a:defRPr sz="1800" kern="1200">
+                <a:solidFill>
+                  <a:schemeClr val="lt1"/>
+                </a:solidFill>
+                <a:latin typeface="+mn-lt"/>
+                <a:ea typeface="+mn-ea"/>
+                <a:cs typeface="+mn-cs"/>
+              </a:defRPr>
+            </a:lvl1pPr>
+            <a:lvl2pPr marL="457200" algn="l" defTabSz="914400" rtl="0" eaLnBrk="1" latinLnBrk="1" hangingPunct="1">
+              <a:defRPr sz="1800" kern="1200">
+                <a:solidFill>
+                  <a:schemeClr val="lt1"/>
+                </a:solidFill>
+                <a:latin typeface="+mn-lt"/>
+                <a:ea typeface="+mn-ea"/>
+                <a:cs typeface="+mn-cs"/>
+              </a:defRPr>
+            </a:lvl2pPr>
+            <a:lvl3pPr marL="914400" algn="l" defTabSz="914400" rtl="0" eaLnBrk="1" latinLnBrk="1" hangingPunct="1">
+              <a:defRPr sz="1800" kern="1200">
+                <a:solidFill>
+                  <a:schemeClr val="lt1"/>
+                </a:solidFill>
+                <a:latin typeface="+mn-lt"/>
+                <a:ea typeface="+mn-ea"/>
+                <a:cs typeface="+mn-cs"/>
+              </a:defRPr>
+            </a:lvl3pPr>
+            <a:lvl4pPr marL="1371600" algn="l" defTabSz="914400" rtl="0" eaLnBrk="1" latinLnBrk="1" hangingPunct="1">
+              <a:defRPr sz="1800" kern="1200">
+                <a:solidFill>
+                  <a:schemeClr val="lt1"/>
+                </a:solidFill>
+                <a:latin typeface="+mn-lt"/>
+                <a:ea typeface="+mn-ea"/>
+                <a:cs typeface="+mn-cs"/>
+              </a:defRPr>
+            </a:lvl4pPr>
+            <a:lvl5pPr marL="1828800" algn="l" defTabSz="914400" rtl="0" eaLnBrk="1" latinLnBrk="1" hangingPunct="1">
+              <a:defRPr sz="1800" kern="1200">
+                <a:solidFill>
+                  <a:schemeClr val="lt1"/>
+                </a:solidFill>
+                <a:latin typeface="+mn-lt"/>
+                <a:ea typeface="+mn-ea"/>
+                <a:cs typeface="+mn-cs"/>
+              </a:defRPr>
+            </a:lvl5pPr>
+            <a:lvl6pPr marL="2286000" algn="l" defTabSz="914400" rtl="0" eaLnBrk="1" latinLnBrk="1" hangingPunct="1">
+              <a:defRPr sz="1800" kern="1200">
+                <a:solidFill>
+                  <a:schemeClr val="lt1"/>
+                </a:solidFill>
+                <a:latin typeface="+mn-lt"/>
+                <a:ea typeface="+mn-ea"/>
+                <a:cs typeface="+mn-cs"/>
+              </a:defRPr>
+            </a:lvl6pPr>
+            <a:lvl7pPr marL="2743200" algn="l" defTabSz="914400" rtl="0" eaLnBrk="1" latinLnBrk="1" hangingPunct="1">
+              <a:defRPr sz="1800" kern="1200">
+                <a:solidFill>
+                  <a:schemeClr val="lt1"/>
+                </a:solidFill>
+                <a:latin typeface="+mn-lt"/>
+                <a:ea typeface="+mn-ea"/>
+                <a:cs typeface="+mn-cs"/>
+              </a:defRPr>
+            </a:lvl7pPr>
+            <a:lvl8pPr marL="3200400" algn="l" defTabSz="914400" rtl="0" eaLnBrk="1" latinLnBrk="1" hangingPunct="1">
+              <a:defRPr sz="1800" kern="1200">
+                <a:solidFill>
+                  <a:schemeClr val="lt1"/>
+                </a:solidFill>
+                <a:latin typeface="+mn-lt"/>
+                <a:ea typeface="+mn-ea"/>
+                <a:cs typeface="+mn-cs"/>
+              </a:defRPr>
+            </a:lvl8pPr>
+            <a:lvl9pPr marL="3657600" algn="l" defTabSz="914400" rtl="0" eaLnBrk="1" latinLnBrk="1" hangingPunct="1">
+              <a:defRPr sz="1800" kern="1200">
+                <a:solidFill>
+                  <a:schemeClr val="lt1"/>
+                </a:solidFill>
+                <a:latin typeface="+mn-lt"/>
+                <a:ea typeface="+mn-ea"/>
+                <a:cs typeface="+mn-cs"/>
+              </a:defRPr>
+            </a:lvl9pPr>
+          </a:lstStyle>
+          <a:p>
+            <a:pPr algn="ctr"/>
+            <a:endParaRPr lang="ko-KR" altLang="en-US" sz="4000"/>
+          </a:p>
+        </p:txBody>
+      </p:sp>
     </p:spTree>
     <p:extLst>
       <p:ext uri="{BB962C8B-B14F-4D97-AF65-F5344CB8AC3E}">
@@ -5273,8 +7634,17 @@
           <a:p>
             <a:r>
               <a:rPr lang="en-US" altLang="ko-KR" sz="2000" b="1" dirty="0" smtClean="0"/>
-              <a:t>--</a:t>
-            </a:r>
+              <a:t>Python, </a:t>
+            </a:r>
+            <a:r>
+              <a:rPr lang="en-US" altLang="ko-KR" sz="2000" b="1" dirty="0" err="1" smtClean="0"/>
+              <a:t>Django</a:t>
+            </a:r>
+            <a:r>
+              <a:rPr lang="en-US" altLang="ko-KR" sz="2000" b="1" dirty="0" smtClean="0"/>
+              <a:t>, Linux</a:t>
+            </a:r>
+            <a:endParaRPr lang="en-US" altLang="ko-KR" sz="2000" b="1" dirty="0" smtClean="0"/>
           </a:p>
         </p:txBody>
       </p:sp>
@@ -5549,7 +7919,7 @@
         <p:spPr>
           <a:xfrm>
             <a:off x="780816" y="2117948"/>
-            <a:ext cx="7513330" cy="3170099"/>
+            <a:ext cx="7513330" cy="4401205"/>
           </a:xfrm>
           <a:prstGeom prst="rect">
             <a:avLst/>
@@ -5719,9 +8089,66 @@
               <a:t>촬영된 </a:t>
             </a:r>
             <a:r>
-              <a:rPr lang="ko-KR" altLang="en-US" sz="2000" b="1" dirty="0"/>
+              <a:rPr lang="ko-KR" altLang="en-US" sz="2000" b="1" dirty="0" smtClean="0"/>
               <a:t>사진</a:t>
             </a:r>
+            <a:endParaRPr lang="en-US" altLang="ko-KR" sz="2000" b="1" dirty="0" smtClean="0"/>
+          </a:p>
+          <a:p>
+            <a:endParaRPr lang="en-US" altLang="ko-KR" sz="2000" b="1" dirty="0"/>
+          </a:p>
+          <a:p>
+            <a:r>
+              <a:rPr lang="ko-KR" altLang="en-US" sz="2000" b="1" dirty="0" smtClean="0"/>
+              <a:t>사진 사이즈</a:t>
+            </a:r>
+            <a:r>
+              <a:rPr lang="en-US" altLang="ko-KR" sz="2000" b="1" dirty="0" smtClean="0"/>
+              <a:t>, </a:t>
+            </a:r>
+            <a:r>
+              <a:rPr lang="ko-KR" altLang="en-US" sz="2000" b="1" dirty="0" smtClean="0"/>
+              <a:t>컬러 및 흑백 색상</a:t>
+            </a:r>
+            <a:r>
+              <a:rPr lang="en-US" altLang="ko-KR" sz="2000" b="1" dirty="0" smtClean="0"/>
+              <a:t>, </a:t>
+            </a:r>
+            <a:r>
+              <a:rPr lang="ko-KR" altLang="en-US" sz="2000" b="1" dirty="0" smtClean="0"/>
+              <a:t>구도 및 기타 배경 제한 없이</a:t>
+            </a:r>
+            <a:endParaRPr lang="en-US" altLang="ko-KR" sz="2000" b="1" dirty="0" smtClean="0"/>
+          </a:p>
+          <a:p>
+            <a:r>
+              <a:rPr lang="ko-KR" altLang="en-US" sz="2000" b="1" dirty="0" smtClean="0"/>
+              <a:t>지문이 제대로 찍힌 사진을 사용하여 프로젝트 참여자 </a:t>
+            </a:r>
+            <a:r>
+              <a:rPr lang="en-US" altLang="ko-KR" sz="2000" b="1" dirty="0" smtClean="0"/>
+              <a:t>1</a:t>
+            </a:r>
+            <a:r>
+              <a:rPr lang="ko-KR" altLang="en-US" sz="2000" b="1" dirty="0" smtClean="0"/>
+              <a:t>인당</a:t>
+            </a:r>
+            <a:endParaRPr lang="en-US" altLang="ko-KR" sz="2000" b="1" dirty="0" smtClean="0"/>
+          </a:p>
+          <a:p>
+            <a:r>
+              <a:rPr lang="ko-KR" altLang="en-US" sz="2000" b="1" dirty="0" smtClean="0"/>
+              <a:t>최소 </a:t>
+            </a:r>
+            <a:r>
+              <a:rPr lang="en-US" altLang="ko-KR" sz="2000" b="1" dirty="0" smtClean="0"/>
+              <a:t>50</a:t>
+            </a:r>
+            <a:r>
+              <a:rPr lang="ko-KR" altLang="en-US" sz="2000" b="1" dirty="0" smtClean="0"/>
+              <a:t>장 이상씩 데이터 수집</a:t>
+            </a:r>
+            <a:endParaRPr lang="ko-KR" altLang="en-US" sz="2000" b="1" dirty="0"/>
           </a:p>
         </p:txBody>
       </p:sp>

--- a/시네틱스 보고서.pptx
+++ b/시네틱스 보고서.pptx
@@ -160,7 +160,7 @@
           </a:lstStyle>
           <a:p>
             <a:r>
-              <a:rPr lang="ko-KR" altLang="en-US" smtClean="0"/>
+              <a:rPr lang="ko-KR" altLang="en-US"/>
               <a:t>마스터 제목 스타일 편집</a:t>
             </a:r>
             <a:endParaRPr lang="en-US" dirty="0"/>
@@ -225,7 +225,7 @@
           </a:lstStyle>
           <a:p>
             <a:r>
-              <a:rPr lang="ko-KR" altLang="en-US" smtClean="0"/>
+              <a:rPr lang="ko-KR" altLang="en-US"/>
               <a:t>클릭하여 마스터 부제목 스타일 편집</a:t>
             </a:r>
             <a:endParaRPr lang="en-US" dirty="0"/>
@@ -249,7 +249,7 @@
           <a:p>
             <a:fld id="{774DCD05-5649-4EF0-93CB-32420155E3C9}" type="datetimeFigureOut">
               <a:rPr lang="ko-KR" altLang="en-US" smtClean="0"/>
-              <a:t>2021-09-01</a:t>
+              <a:t>2021-09-07</a:t>
             </a:fld>
             <a:endParaRPr lang="ko-KR" altLang="en-US"/>
           </a:p>
@@ -343,7 +343,7 @@
           <a:lstStyle/>
           <a:p>
             <a:r>
-              <a:rPr lang="ko-KR" altLang="en-US" smtClean="0"/>
+              <a:rPr lang="ko-KR" altLang="en-US"/>
               <a:t>마스터 제목 스타일 편집</a:t>
             </a:r>
             <a:endParaRPr lang="en-US" dirty="0"/>
@@ -367,35 +367,35 @@
           <a:p>
             <a:pPr lvl="0"/>
             <a:r>
-              <a:rPr lang="ko-KR" altLang="en-US" smtClean="0"/>
+              <a:rPr lang="ko-KR" altLang="en-US"/>
               <a:t>마스터 텍스트 스타일 편집</a:t>
             </a:r>
           </a:p>
           <a:p>
             <a:pPr lvl="1"/>
             <a:r>
-              <a:rPr lang="ko-KR" altLang="en-US" smtClean="0"/>
+              <a:rPr lang="ko-KR" altLang="en-US"/>
               <a:t>둘째 수준</a:t>
             </a:r>
           </a:p>
           <a:p>
             <a:pPr lvl="2"/>
             <a:r>
-              <a:rPr lang="ko-KR" altLang="en-US" smtClean="0"/>
+              <a:rPr lang="ko-KR" altLang="en-US"/>
               <a:t>셋째 수준</a:t>
             </a:r>
           </a:p>
           <a:p>
             <a:pPr lvl="3"/>
             <a:r>
-              <a:rPr lang="ko-KR" altLang="en-US" smtClean="0"/>
+              <a:rPr lang="ko-KR" altLang="en-US"/>
               <a:t>넷째 수준</a:t>
             </a:r>
           </a:p>
           <a:p>
             <a:pPr lvl="4"/>
             <a:r>
-              <a:rPr lang="ko-KR" altLang="en-US" smtClean="0"/>
+              <a:rPr lang="ko-KR" altLang="en-US"/>
               <a:t>다섯째 수준</a:t>
             </a:r>
             <a:endParaRPr lang="en-US" dirty="0"/>
@@ -419,7 +419,7 @@
           <a:p>
             <a:fld id="{774DCD05-5649-4EF0-93CB-32420155E3C9}" type="datetimeFigureOut">
               <a:rPr lang="ko-KR" altLang="en-US" smtClean="0"/>
-              <a:t>2021-09-01</a:t>
+              <a:t>2021-09-07</a:t>
             </a:fld>
             <a:endParaRPr lang="ko-KR" altLang="en-US"/>
           </a:p>
@@ -518,7 +518,7 @@
           <a:lstStyle/>
           <a:p>
             <a:r>
-              <a:rPr lang="ko-KR" altLang="en-US" smtClean="0"/>
+              <a:rPr lang="ko-KR" altLang="en-US"/>
               <a:t>마스터 제목 스타일 편집</a:t>
             </a:r>
             <a:endParaRPr lang="en-US" dirty="0"/>
@@ -547,35 +547,35 @@
           <a:p>
             <a:pPr lvl="0"/>
             <a:r>
-              <a:rPr lang="ko-KR" altLang="en-US" smtClean="0"/>
+              <a:rPr lang="ko-KR" altLang="en-US"/>
               <a:t>마스터 텍스트 스타일 편집</a:t>
             </a:r>
           </a:p>
           <a:p>
             <a:pPr lvl="1"/>
             <a:r>
-              <a:rPr lang="ko-KR" altLang="en-US" smtClean="0"/>
+              <a:rPr lang="ko-KR" altLang="en-US"/>
               <a:t>둘째 수준</a:t>
             </a:r>
           </a:p>
           <a:p>
             <a:pPr lvl="2"/>
             <a:r>
-              <a:rPr lang="ko-KR" altLang="en-US" smtClean="0"/>
+              <a:rPr lang="ko-KR" altLang="en-US"/>
               <a:t>셋째 수준</a:t>
             </a:r>
           </a:p>
           <a:p>
             <a:pPr lvl="3"/>
             <a:r>
-              <a:rPr lang="ko-KR" altLang="en-US" smtClean="0"/>
+              <a:rPr lang="ko-KR" altLang="en-US"/>
               <a:t>넷째 수준</a:t>
             </a:r>
           </a:p>
           <a:p>
             <a:pPr lvl="4"/>
             <a:r>
-              <a:rPr lang="ko-KR" altLang="en-US" smtClean="0"/>
+              <a:rPr lang="ko-KR" altLang="en-US"/>
               <a:t>다섯째 수준</a:t>
             </a:r>
             <a:endParaRPr lang="en-US" dirty="0"/>
@@ -599,7 +599,7 @@
           <a:p>
             <a:fld id="{774DCD05-5649-4EF0-93CB-32420155E3C9}" type="datetimeFigureOut">
               <a:rPr lang="ko-KR" altLang="en-US" smtClean="0"/>
-              <a:t>2021-09-01</a:t>
+              <a:t>2021-09-07</a:t>
             </a:fld>
             <a:endParaRPr lang="ko-KR" altLang="en-US"/>
           </a:p>
@@ -693,7 +693,7 @@
           <a:lstStyle/>
           <a:p>
             <a:r>
-              <a:rPr lang="ko-KR" altLang="en-US" smtClean="0"/>
+              <a:rPr lang="ko-KR" altLang="en-US"/>
               <a:t>마스터 제목 스타일 편집</a:t>
             </a:r>
             <a:endParaRPr lang="en-US" dirty="0"/>
@@ -717,35 +717,35 @@
           <a:p>
             <a:pPr lvl="0"/>
             <a:r>
-              <a:rPr lang="ko-KR" altLang="en-US" smtClean="0"/>
+              <a:rPr lang="ko-KR" altLang="en-US"/>
               <a:t>마스터 텍스트 스타일 편집</a:t>
             </a:r>
           </a:p>
           <a:p>
             <a:pPr lvl="1"/>
             <a:r>
-              <a:rPr lang="ko-KR" altLang="en-US" smtClean="0"/>
+              <a:rPr lang="ko-KR" altLang="en-US"/>
               <a:t>둘째 수준</a:t>
             </a:r>
           </a:p>
           <a:p>
             <a:pPr lvl="2"/>
             <a:r>
-              <a:rPr lang="ko-KR" altLang="en-US" smtClean="0"/>
+              <a:rPr lang="ko-KR" altLang="en-US"/>
               <a:t>셋째 수준</a:t>
             </a:r>
           </a:p>
           <a:p>
             <a:pPr lvl="3"/>
             <a:r>
-              <a:rPr lang="ko-KR" altLang="en-US" smtClean="0"/>
+              <a:rPr lang="ko-KR" altLang="en-US"/>
               <a:t>넷째 수준</a:t>
             </a:r>
           </a:p>
           <a:p>
             <a:pPr lvl="4"/>
             <a:r>
-              <a:rPr lang="ko-KR" altLang="en-US" smtClean="0"/>
+              <a:rPr lang="ko-KR" altLang="en-US"/>
               <a:t>다섯째 수준</a:t>
             </a:r>
             <a:endParaRPr lang="en-US" dirty="0"/>
@@ -769,7 +769,7 @@
           <a:p>
             <a:fld id="{774DCD05-5649-4EF0-93CB-32420155E3C9}" type="datetimeFigureOut">
               <a:rPr lang="ko-KR" altLang="en-US" smtClean="0"/>
-              <a:t>2021-09-01</a:t>
+              <a:t>2021-09-07</a:t>
             </a:fld>
             <a:endParaRPr lang="ko-KR" altLang="en-US"/>
           </a:p>
@@ -872,7 +872,7 @@
           </a:lstStyle>
           <a:p>
             <a:r>
-              <a:rPr lang="ko-KR" altLang="en-US" smtClean="0"/>
+              <a:rPr lang="ko-KR" altLang="en-US"/>
               <a:t>마스터 제목 스타일 편집</a:t>
             </a:r>
             <a:endParaRPr lang="en-US" dirty="0"/>
@@ -990,7 +990,7 @@
           <a:p>
             <a:pPr lvl="0"/>
             <a:r>
-              <a:rPr lang="ko-KR" altLang="en-US" smtClean="0"/>
+              <a:rPr lang="ko-KR" altLang="en-US"/>
               <a:t>마스터 텍스트 스타일 편집</a:t>
             </a:r>
           </a:p>
@@ -1013,7 +1013,7 @@
           <a:p>
             <a:fld id="{774DCD05-5649-4EF0-93CB-32420155E3C9}" type="datetimeFigureOut">
               <a:rPr lang="ko-KR" altLang="en-US" smtClean="0"/>
-              <a:t>2021-09-01</a:t>
+              <a:t>2021-09-07</a:t>
             </a:fld>
             <a:endParaRPr lang="ko-KR" altLang="en-US"/>
           </a:p>
@@ -1107,7 +1107,7 @@
           <a:lstStyle/>
           <a:p>
             <a:r>
-              <a:rPr lang="ko-KR" altLang="en-US" smtClean="0"/>
+              <a:rPr lang="ko-KR" altLang="en-US"/>
               <a:t>마스터 제목 스타일 편집</a:t>
             </a:r>
             <a:endParaRPr lang="en-US" dirty="0"/>
@@ -1136,35 +1136,35 @@
           <a:p>
             <a:pPr lvl="0"/>
             <a:r>
-              <a:rPr lang="ko-KR" altLang="en-US" smtClean="0"/>
+              <a:rPr lang="ko-KR" altLang="en-US"/>
               <a:t>마스터 텍스트 스타일 편집</a:t>
             </a:r>
           </a:p>
           <a:p>
             <a:pPr lvl="1"/>
             <a:r>
-              <a:rPr lang="ko-KR" altLang="en-US" smtClean="0"/>
+              <a:rPr lang="ko-KR" altLang="en-US"/>
               <a:t>둘째 수준</a:t>
             </a:r>
           </a:p>
           <a:p>
             <a:pPr lvl="2"/>
             <a:r>
-              <a:rPr lang="ko-KR" altLang="en-US" smtClean="0"/>
+              <a:rPr lang="ko-KR" altLang="en-US"/>
               <a:t>셋째 수준</a:t>
             </a:r>
           </a:p>
           <a:p>
             <a:pPr lvl="3"/>
             <a:r>
-              <a:rPr lang="ko-KR" altLang="en-US" smtClean="0"/>
+              <a:rPr lang="ko-KR" altLang="en-US"/>
               <a:t>넷째 수준</a:t>
             </a:r>
           </a:p>
           <a:p>
             <a:pPr lvl="4"/>
             <a:r>
-              <a:rPr lang="ko-KR" altLang="en-US" smtClean="0"/>
+              <a:rPr lang="ko-KR" altLang="en-US"/>
               <a:t>다섯째 수준</a:t>
             </a:r>
             <a:endParaRPr lang="en-US" dirty="0"/>
@@ -1193,35 +1193,35 @@
           <a:p>
             <a:pPr lvl="0"/>
             <a:r>
-              <a:rPr lang="ko-KR" altLang="en-US" smtClean="0"/>
+              <a:rPr lang="ko-KR" altLang="en-US"/>
               <a:t>마스터 텍스트 스타일 편집</a:t>
             </a:r>
           </a:p>
           <a:p>
             <a:pPr lvl="1"/>
             <a:r>
-              <a:rPr lang="ko-KR" altLang="en-US" smtClean="0"/>
+              <a:rPr lang="ko-KR" altLang="en-US"/>
               <a:t>둘째 수준</a:t>
             </a:r>
           </a:p>
           <a:p>
             <a:pPr lvl="2"/>
             <a:r>
-              <a:rPr lang="ko-KR" altLang="en-US" smtClean="0"/>
+              <a:rPr lang="ko-KR" altLang="en-US"/>
               <a:t>셋째 수준</a:t>
             </a:r>
           </a:p>
           <a:p>
             <a:pPr lvl="3"/>
             <a:r>
-              <a:rPr lang="ko-KR" altLang="en-US" smtClean="0"/>
+              <a:rPr lang="ko-KR" altLang="en-US"/>
               <a:t>넷째 수준</a:t>
             </a:r>
           </a:p>
           <a:p>
             <a:pPr lvl="4"/>
             <a:r>
-              <a:rPr lang="ko-KR" altLang="en-US" smtClean="0"/>
+              <a:rPr lang="ko-KR" altLang="en-US"/>
               <a:t>다섯째 수준</a:t>
             </a:r>
             <a:endParaRPr lang="en-US" dirty="0"/>
@@ -1245,7 +1245,7 @@
           <a:p>
             <a:fld id="{774DCD05-5649-4EF0-93CB-32420155E3C9}" type="datetimeFigureOut">
               <a:rPr lang="ko-KR" altLang="en-US" smtClean="0"/>
-              <a:t>2021-09-01</a:t>
+              <a:t>2021-09-07</a:t>
             </a:fld>
             <a:endParaRPr lang="ko-KR" altLang="en-US"/>
           </a:p>
@@ -1344,7 +1344,7 @@
           <a:lstStyle/>
           <a:p>
             <a:r>
-              <a:rPr lang="ko-KR" altLang="en-US" smtClean="0"/>
+              <a:rPr lang="ko-KR" altLang="en-US"/>
               <a:t>마스터 제목 스타일 편집</a:t>
             </a:r>
             <a:endParaRPr lang="en-US" dirty="0"/>
@@ -1410,7 +1410,7 @@
           <a:p>
             <a:pPr lvl="0"/>
             <a:r>
-              <a:rPr lang="ko-KR" altLang="en-US" smtClean="0"/>
+              <a:rPr lang="ko-KR" altLang="en-US"/>
               <a:t>마스터 텍스트 스타일 편집</a:t>
             </a:r>
           </a:p>
@@ -1438,35 +1438,35 @@
           <a:p>
             <a:pPr lvl="0"/>
             <a:r>
-              <a:rPr lang="ko-KR" altLang="en-US" smtClean="0"/>
+              <a:rPr lang="ko-KR" altLang="en-US"/>
               <a:t>마스터 텍스트 스타일 편집</a:t>
             </a:r>
           </a:p>
           <a:p>
             <a:pPr lvl="1"/>
             <a:r>
-              <a:rPr lang="ko-KR" altLang="en-US" smtClean="0"/>
+              <a:rPr lang="ko-KR" altLang="en-US"/>
               <a:t>둘째 수준</a:t>
             </a:r>
           </a:p>
           <a:p>
             <a:pPr lvl="2"/>
             <a:r>
-              <a:rPr lang="ko-KR" altLang="en-US" smtClean="0"/>
+              <a:rPr lang="ko-KR" altLang="en-US"/>
               <a:t>셋째 수준</a:t>
             </a:r>
           </a:p>
           <a:p>
             <a:pPr lvl="3"/>
             <a:r>
-              <a:rPr lang="ko-KR" altLang="en-US" smtClean="0"/>
+              <a:rPr lang="ko-KR" altLang="en-US"/>
               <a:t>넷째 수준</a:t>
             </a:r>
           </a:p>
           <a:p>
             <a:pPr lvl="4"/>
             <a:r>
-              <a:rPr lang="ko-KR" altLang="en-US" smtClean="0"/>
+              <a:rPr lang="ko-KR" altLang="en-US"/>
               <a:t>다섯째 수준</a:t>
             </a:r>
             <a:endParaRPr lang="en-US" dirty="0"/>
@@ -1532,7 +1532,7 @@
           <a:p>
             <a:pPr lvl="0"/>
             <a:r>
-              <a:rPr lang="ko-KR" altLang="en-US" smtClean="0"/>
+              <a:rPr lang="ko-KR" altLang="en-US"/>
               <a:t>마스터 텍스트 스타일 편집</a:t>
             </a:r>
           </a:p>
@@ -1560,35 +1560,35 @@
           <a:p>
             <a:pPr lvl="0"/>
             <a:r>
-              <a:rPr lang="ko-KR" altLang="en-US" smtClean="0"/>
+              <a:rPr lang="ko-KR" altLang="en-US"/>
               <a:t>마스터 텍스트 스타일 편집</a:t>
             </a:r>
           </a:p>
           <a:p>
             <a:pPr lvl="1"/>
             <a:r>
-              <a:rPr lang="ko-KR" altLang="en-US" smtClean="0"/>
+              <a:rPr lang="ko-KR" altLang="en-US"/>
               <a:t>둘째 수준</a:t>
             </a:r>
           </a:p>
           <a:p>
             <a:pPr lvl="2"/>
             <a:r>
-              <a:rPr lang="ko-KR" altLang="en-US" smtClean="0"/>
+              <a:rPr lang="ko-KR" altLang="en-US"/>
               <a:t>셋째 수준</a:t>
             </a:r>
           </a:p>
           <a:p>
             <a:pPr lvl="3"/>
             <a:r>
-              <a:rPr lang="ko-KR" altLang="en-US" smtClean="0"/>
+              <a:rPr lang="ko-KR" altLang="en-US"/>
               <a:t>넷째 수준</a:t>
             </a:r>
           </a:p>
           <a:p>
             <a:pPr lvl="4"/>
             <a:r>
-              <a:rPr lang="ko-KR" altLang="en-US" smtClean="0"/>
+              <a:rPr lang="ko-KR" altLang="en-US"/>
               <a:t>다섯째 수준</a:t>
             </a:r>
             <a:endParaRPr lang="en-US" dirty="0"/>
@@ -1612,7 +1612,7 @@
           <a:p>
             <a:fld id="{774DCD05-5649-4EF0-93CB-32420155E3C9}" type="datetimeFigureOut">
               <a:rPr lang="ko-KR" altLang="en-US" smtClean="0"/>
-              <a:t>2021-09-01</a:t>
+              <a:t>2021-09-07</a:t>
             </a:fld>
             <a:endParaRPr lang="ko-KR" altLang="en-US"/>
           </a:p>
@@ -1706,7 +1706,7 @@
           <a:lstStyle/>
           <a:p>
             <a:r>
-              <a:rPr lang="ko-KR" altLang="en-US" smtClean="0"/>
+              <a:rPr lang="ko-KR" altLang="en-US"/>
               <a:t>마스터 제목 스타일 편집</a:t>
             </a:r>
             <a:endParaRPr lang="en-US" dirty="0"/>
@@ -1730,7 +1730,7 @@
           <a:p>
             <a:fld id="{774DCD05-5649-4EF0-93CB-32420155E3C9}" type="datetimeFigureOut">
               <a:rPr lang="ko-KR" altLang="en-US" smtClean="0"/>
-              <a:t>2021-09-01</a:t>
+              <a:t>2021-09-07</a:t>
             </a:fld>
             <a:endParaRPr lang="ko-KR" altLang="en-US"/>
           </a:p>
@@ -1825,7 +1825,7 @@
           <a:p>
             <a:fld id="{774DCD05-5649-4EF0-93CB-32420155E3C9}" type="datetimeFigureOut">
               <a:rPr lang="ko-KR" altLang="en-US" smtClean="0"/>
-              <a:t>2021-09-01</a:t>
+              <a:t>2021-09-07</a:t>
             </a:fld>
             <a:endParaRPr lang="ko-KR" altLang="en-US"/>
           </a:p>
@@ -1928,7 +1928,7 @@
           </a:lstStyle>
           <a:p>
             <a:r>
-              <a:rPr lang="ko-KR" altLang="en-US" smtClean="0"/>
+              <a:rPr lang="ko-KR" altLang="en-US"/>
               <a:t>마스터 제목 스타일 편집</a:t>
             </a:r>
             <a:endParaRPr lang="en-US" dirty="0"/>
@@ -1985,35 +1985,35 @@
           <a:p>
             <a:pPr lvl="0"/>
             <a:r>
-              <a:rPr lang="ko-KR" altLang="en-US" smtClean="0"/>
+              <a:rPr lang="ko-KR" altLang="en-US"/>
               <a:t>마스터 텍스트 스타일 편집</a:t>
             </a:r>
           </a:p>
           <a:p>
             <a:pPr lvl="1"/>
             <a:r>
-              <a:rPr lang="ko-KR" altLang="en-US" smtClean="0"/>
+              <a:rPr lang="ko-KR" altLang="en-US"/>
               <a:t>둘째 수준</a:t>
             </a:r>
           </a:p>
           <a:p>
             <a:pPr lvl="2"/>
             <a:r>
-              <a:rPr lang="ko-KR" altLang="en-US" smtClean="0"/>
+              <a:rPr lang="ko-KR" altLang="en-US"/>
               <a:t>셋째 수준</a:t>
             </a:r>
           </a:p>
           <a:p>
             <a:pPr lvl="3"/>
             <a:r>
-              <a:rPr lang="ko-KR" altLang="en-US" smtClean="0"/>
+              <a:rPr lang="ko-KR" altLang="en-US"/>
               <a:t>넷째 수준</a:t>
             </a:r>
           </a:p>
           <a:p>
             <a:pPr lvl="4"/>
             <a:r>
-              <a:rPr lang="ko-KR" altLang="en-US" smtClean="0"/>
+              <a:rPr lang="ko-KR" altLang="en-US"/>
               <a:t>다섯째 수준</a:t>
             </a:r>
             <a:endParaRPr lang="en-US" dirty="0"/>
@@ -2079,7 +2079,7 @@
           <a:p>
             <a:pPr lvl="0"/>
             <a:r>
-              <a:rPr lang="ko-KR" altLang="en-US" smtClean="0"/>
+              <a:rPr lang="ko-KR" altLang="en-US"/>
               <a:t>마스터 텍스트 스타일 편집</a:t>
             </a:r>
           </a:p>
@@ -2102,7 +2102,7 @@
           <a:p>
             <a:fld id="{774DCD05-5649-4EF0-93CB-32420155E3C9}" type="datetimeFigureOut">
               <a:rPr lang="ko-KR" altLang="en-US" smtClean="0"/>
-              <a:t>2021-09-01</a:t>
+              <a:t>2021-09-07</a:t>
             </a:fld>
             <a:endParaRPr lang="ko-KR" altLang="en-US"/>
           </a:p>
@@ -2205,7 +2205,7 @@
           </a:lstStyle>
           <a:p>
             <a:r>
-              <a:rPr lang="ko-KR" altLang="en-US" smtClean="0"/>
+              <a:rPr lang="ko-KR" altLang="en-US"/>
               <a:t>마스터 제목 스타일 편집</a:t>
             </a:r>
             <a:endParaRPr lang="en-US" dirty="0"/>
@@ -2270,7 +2270,7 @@
           </a:lstStyle>
           <a:p>
             <a:r>
-              <a:rPr lang="ko-KR" altLang="en-US" smtClean="0"/>
+              <a:rPr lang="ko-KR" altLang="en-US"/>
               <a:t>그림을 추가하려면 아이콘을 클릭하십시오</a:t>
             </a:r>
             <a:endParaRPr lang="en-US" dirty="0"/>
@@ -2336,7 +2336,7 @@
           <a:p>
             <a:pPr lvl="0"/>
             <a:r>
-              <a:rPr lang="ko-KR" altLang="en-US" smtClean="0"/>
+              <a:rPr lang="ko-KR" altLang="en-US"/>
               <a:t>마스터 텍스트 스타일 편집</a:t>
             </a:r>
           </a:p>
@@ -2359,7 +2359,7 @@
           <a:p>
             <a:fld id="{774DCD05-5649-4EF0-93CB-32420155E3C9}" type="datetimeFigureOut">
               <a:rPr lang="ko-KR" altLang="en-US" smtClean="0"/>
-              <a:t>2021-09-01</a:t>
+              <a:t>2021-09-07</a:t>
             </a:fld>
             <a:endParaRPr lang="ko-KR" altLang="en-US"/>
           </a:p>
@@ -2468,7 +2468,7 @@
           <a:lstStyle/>
           <a:p>
             <a:r>
-              <a:rPr lang="ko-KR" altLang="en-US" smtClean="0"/>
+              <a:rPr lang="ko-KR" altLang="en-US"/>
               <a:t>마스터 제목 스타일 편집</a:t>
             </a:r>
             <a:endParaRPr lang="en-US" dirty="0"/>
@@ -2502,35 +2502,35 @@
           <a:p>
             <a:pPr lvl="0"/>
             <a:r>
-              <a:rPr lang="ko-KR" altLang="en-US" smtClean="0"/>
+              <a:rPr lang="ko-KR" altLang="en-US"/>
               <a:t>마스터 텍스트 스타일 편집</a:t>
             </a:r>
           </a:p>
           <a:p>
             <a:pPr lvl="1"/>
             <a:r>
-              <a:rPr lang="ko-KR" altLang="en-US" smtClean="0"/>
+              <a:rPr lang="ko-KR" altLang="en-US"/>
               <a:t>둘째 수준</a:t>
             </a:r>
           </a:p>
           <a:p>
             <a:pPr lvl="2"/>
             <a:r>
-              <a:rPr lang="ko-KR" altLang="en-US" smtClean="0"/>
+              <a:rPr lang="ko-KR" altLang="en-US"/>
               <a:t>셋째 수준</a:t>
             </a:r>
           </a:p>
           <a:p>
             <a:pPr lvl="3"/>
             <a:r>
-              <a:rPr lang="ko-KR" altLang="en-US" smtClean="0"/>
+              <a:rPr lang="ko-KR" altLang="en-US"/>
               <a:t>넷째 수준</a:t>
             </a:r>
           </a:p>
           <a:p>
             <a:pPr lvl="4"/>
             <a:r>
-              <a:rPr lang="ko-KR" altLang="en-US" smtClean="0"/>
+              <a:rPr lang="ko-KR" altLang="en-US"/>
               <a:t>다섯째 수준</a:t>
             </a:r>
             <a:endParaRPr lang="en-US" dirty="0"/>
@@ -2572,7 +2572,7 @@
           <a:p>
             <a:fld id="{774DCD05-5649-4EF0-93CB-32420155E3C9}" type="datetimeFigureOut">
               <a:rPr lang="ko-KR" altLang="en-US" smtClean="0"/>
-              <a:t>2021-09-01</a:t>
+              <a:t>2021-09-07</a:t>
             </a:fld>
             <a:endParaRPr lang="ko-KR" altLang="en-US"/>
           </a:p>
@@ -3126,24 +3126,20 @@
           <a:p>
             <a:pPr algn="ctr"/>
             <a:r>
-              <a:rPr lang="ko-KR" altLang="en-US" sz="4800" b="1" dirty="0" err="1" smtClean="0"/>
+              <a:rPr lang="ko-KR" altLang="en-US" sz="4800" b="1" dirty="0" err="1"/>
               <a:t>시네틱스</a:t>
             </a:r>
-            <a:endParaRPr lang="en-US" altLang="ko-KR" sz="4800" b="1" dirty="0" smtClean="0"/>
+            <a:endParaRPr lang="en-US" altLang="ko-KR" sz="4800" b="1" dirty="0"/>
           </a:p>
           <a:p>
             <a:pPr algn="ctr"/>
-            <a:endParaRPr lang="en-US" altLang="ko-KR" sz="2800" b="1" dirty="0" smtClean="0"/>
+            <a:endParaRPr lang="en-US" altLang="ko-KR" sz="2800" b="1" dirty="0"/>
           </a:p>
           <a:p>
             <a:pPr algn="ctr"/>
             <a:r>
-              <a:rPr lang="ko-KR" altLang="en-US" b="1" dirty="0" smtClean="0"/>
-              <a:t>개인 </a:t>
-            </a:r>
-            <a:r>
               <a:rPr lang="ko-KR" altLang="en-US" b="1" dirty="0"/>
-              <a:t>정보 유출 방지를 위한 지문 정보 </a:t>
+              <a:t>개인 정보 유출 방지를 위한 지문 정보 </a:t>
             </a:r>
             <a:r>
               <a:rPr lang="ko-KR" altLang="en-US" b="1" dirty="0" err="1"/>
@@ -3151,29 +3147,16 @@
             </a:r>
             <a:r>
               <a:rPr lang="ko-KR" altLang="en-US" b="1" dirty="0"/>
-              <a:t> 알고리즘 </a:t>
-            </a:r>
-            <a:r>
-              <a:rPr lang="ko-KR" altLang="en-US" b="1" dirty="0" smtClean="0"/>
-              <a:t>개발</a:t>
+              <a:t> 알고리즘 개발</a:t>
             </a:r>
             <a:endParaRPr lang="en-US" altLang="ko-KR" b="1" dirty="0"/>
           </a:p>
           <a:p>
             <a:pPr algn="ctr"/>
             <a:r>
-              <a:rPr lang="ko-KR" altLang="en-US" b="1" dirty="0" smtClean="0"/>
-              <a:t>지문 </a:t>
-            </a:r>
-            <a:r>
               <a:rPr lang="ko-KR" altLang="en-US" b="1" dirty="0"/>
-              <a:t>탐지 서비스 </a:t>
-            </a:r>
-            <a:r>
-              <a:rPr lang="ko-KR" altLang="en-US" b="1" dirty="0" smtClean="0"/>
-              <a:t>개발</a:t>
-            </a:r>
-            <a:endParaRPr lang="ko-KR" altLang="en-US" b="1" dirty="0"/>
+              <a:t>지문 탐지 서비스 개발</a:t>
+            </a:r>
           </a:p>
         </p:txBody>
       </p:sp>
@@ -3200,10 +3183,10 @@
           <a:lstStyle/>
           <a:p>
             <a:r>
-              <a:rPr lang="ko-KR" altLang="en-US" b="1" dirty="0" smtClean="0"/>
+              <a:rPr lang="ko-KR" altLang="en-US" b="1" dirty="0"/>
               <a:t>이철용</a:t>
             </a:r>
-            <a:endParaRPr lang="en-US" altLang="ko-KR" b="1" dirty="0" smtClean="0"/>
+            <a:endParaRPr lang="en-US" altLang="ko-KR" b="1" dirty="0"/>
           </a:p>
         </p:txBody>
       </p:sp>
@@ -3287,13 +3270,6 @@
   <p:clrMapOvr>
     <a:masterClrMapping/>
   </p:clrMapOvr>
-  <p:timing>
-    <p:tnLst>
-      <p:par>
-        <p:cTn id="1" dur="indefinite" restart="never" nodeType="tmRoot"/>
-      </p:par>
-    </p:tnLst>
-  </p:timing>
 </p:sld>
 </file>
 
@@ -3462,10 +3438,10 @@
           <a:lstStyle/>
           <a:p>
             <a:r>
-              <a:rPr lang="ko-KR" altLang="en-US" sz="4000" b="1" dirty="0" smtClean="0"/>
+              <a:rPr lang="ko-KR" altLang="en-US" sz="4000" b="1" dirty="0"/>
               <a:t>목차</a:t>
             </a:r>
-            <a:endParaRPr lang="en-US" altLang="ko-KR" sz="4000" b="1" dirty="0" smtClean="0"/>
+            <a:endParaRPr lang="en-US" altLang="ko-KR" sz="4000" b="1" dirty="0"/>
           </a:p>
         </p:txBody>
       </p:sp>
@@ -3639,10 +3615,9 @@
               <a:lstStyle/>
               <a:p>
                 <a:r>
-                  <a:rPr lang="ko-KR" altLang="en-US" dirty="0" smtClean="0"/>
+                  <a:rPr lang="ko-KR" altLang="en-US" dirty="0"/>
                   <a:t>주제 설명</a:t>
                 </a:r>
-                <a:endParaRPr lang="ko-KR" altLang="en-US" dirty="0"/>
               </a:p>
             </p:txBody>
           </p:sp>
@@ -3794,10 +3769,10 @@
               <a:lstStyle/>
               <a:p>
                 <a:r>
-                  <a:rPr lang="ko-KR" altLang="en-US" dirty="0" smtClean="0"/>
+                  <a:rPr lang="ko-KR" altLang="en-US" dirty="0"/>
                   <a:t>시스템 구성도</a:t>
                 </a:r>
-                <a:endParaRPr lang="en-US" altLang="ko-KR" dirty="0" smtClean="0"/>
+                <a:endParaRPr lang="en-US" altLang="ko-KR" dirty="0"/>
               </a:p>
             </p:txBody>
           </p:sp>
@@ -4157,10 +4132,9 @@
               <a:lstStyle/>
               <a:p>
                 <a:r>
-                  <a:rPr lang="ko-KR" altLang="en-US" dirty="0" smtClean="0"/>
+                  <a:rPr lang="ko-KR" altLang="en-US" dirty="0"/>
                   <a:t>학습 데이터</a:t>
                 </a:r>
-                <a:endParaRPr lang="ko-KR" altLang="en-US" dirty="0"/>
               </a:p>
             </p:txBody>
           </p:sp>
@@ -4312,7 +4286,7 @@
               <a:lstStyle/>
               <a:p>
                 <a:r>
-                  <a:rPr lang="en-US" altLang="ko-KR" dirty="0" smtClean="0"/>
+                  <a:rPr lang="en-US" altLang="ko-KR" dirty="0"/>
                   <a:t>-----</a:t>
                 </a:r>
                 <a:endParaRPr lang="ko-KR" altLang="en-US" dirty="0"/>
@@ -4377,13 +4351,6 @@
   <p:clrMapOvr>
     <a:masterClrMapping/>
   </p:clrMapOvr>
-  <p:timing>
-    <p:tnLst>
-      <p:par>
-        <p:cTn id="1" dur="indefinite" restart="never" nodeType="tmRoot"/>
-      </p:par>
-    </p:tnLst>
-  </p:timing>
 </p:sld>
 </file>
 
@@ -4552,10 +4519,10 @@
           <a:lstStyle/>
           <a:p>
             <a:r>
-              <a:rPr lang="ko-KR" altLang="en-US" sz="4000" b="1" dirty="0" smtClean="0"/>
+              <a:rPr lang="ko-KR" altLang="en-US" sz="4000" b="1" dirty="0"/>
               <a:t>주제 설명</a:t>
             </a:r>
-            <a:endParaRPr lang="en-US" altLang="ko-KR" sz="4000" b="1" dirty="0" smtClean="0"/>
+            <a:endParaRPr lang="en-US" altLang="ko-KR" sz="4000" b="1" dirty="0"/>
           </a:p>
         </p:txBody>
       </p:sp>
@@ -4652,24 +4619,24 @@
           <a:lstStyle/>
           <a:p>
             <a:r>
-              <a:rPr lang="ko-KR" altLang="en-US" sz="2000" b="1" dirty="0" smtClean="0"/>
+              <a:rPr lang="ko-KR" altLang="en-US" sz="2000" b="1" dirty="0"/>
               <a:t>카메라 기술력이 날이 갈수록 좋아지고 핸드폰 카메라의 성능 또한 매우 향상되어 매우 선명하고 구체적인 표현이 가능해짐</a:t>
             </a:r>
             <a:r>
-              <a:rPr lang="en-US" altLang="ko-KR" sz="2000" b="1" dirty="0" smtClean="0"/>
+              <a:rPr lang="en-US" altLang="ko-KR" sz="2000" b="1" dirty="0"/>
               <a:t>.</a:t>
             </a:r>
           </a:p>
           <a:p>
-            <a:endParaRPr lang="en-US" altLang="ko-KR" sz="2000" b="1" dirty="0" smtClean="0"/>
-          </a:p>
-          <a:p>
-            <a:r>
-              <a:rPr lang="ko-KR" altLang="en-US" sz="2000" b="1" dirty="0" smtClean="0"/>
+            <a:endParaRPr lang="en-US" altLang="ko-KR" sz="2000" b="1" dirty="0"/>
+          </a:p>
+          <a:p>
+            <a:r>
+              <a:rPr lang="ko-KR" altLang="en-US" sz="2000" b="1" dirty="0"/>
               <a:t>사진 한 장을 찍더라도 지문 데이터가 선명하게 촬영되어 개인의 지문 정도가 유출 되는 것을 걱정해야 함</a:t>
             </a:r>
             <a:r>
-              <a:rPr lang="en-US" altLang="ko-KR" sz="2000" b="1" dirty="0" smtClean="0"/>
+              <a:rPr lang="en-US" altLang="ko-KR" sz="2000" b="1" dirty="0"/>
               <a:t>.</a:t>
             </a:r>
           </a:p>
@@ -4678,11 +4645,11 @@
           </a:p>
           <a:p>
             <a:r>
-              <a:rPr lang="ko-KR" altLang="en-US" sz="2000" b="1" dirty="0" smtClean="0"/>
+              <a:rPr lang="ko-KR" altLang="en-US" sz="2000" b="1" dirty="0"/>
               <a:t>그렇기에 사진에 지문 부분을 인식하여 지문을 변조하여 개인정보의 유출을 막는 프로그램을 개발</a:t>
             </a:r>
             <a:r>
-              <a:rPr lang="en-US" altLang="ko-KR" sz="2000" b="1" dirty="0" smtClean="0"/>
+              <a:rPr lang="en-US" altLang="ko-KR" sz="2000" b="1" dirty="0"/>
               <a:t>.</a:t>
             </a:r>
             <a:endParaRPr lang="ko-KR" altLang="en-US" sz="2000" b="1" dirty="0"/>
@@ -4699,13 +4666,6 @@
   <p:clrMapOvr>
     <a:masterClrMapping/>
   </p:clrMapOvr>
-  <p:timing>
-    <p:tnLst>
-      <p:par>
-        <p:cTn id="1" dur="indefinite" restart="never" nodeType="tmRoot"/>
-      </p:par>
-    </p:tnLst>
-  </p:timing>
 </p:sld>
 </file>
 
@@ -4874,10 +4834,10 @@
           <a:lstStyle/>
           <a:p>
             <a:r>
-              <a:rPr lang="ko-KR" altLang="en-US" sz="4000" b="1" dirty="0" smtClean="0"/>
+              <a:rPr lang="ko-KR" altLang="en-US" sz="4000" b="1" dirty="0"/>
               <a:t>시스템 구성도</a:t>
             </a:r>
-            <a:endParaRPr lang="en-US" altLang="ko-KR" sz="4000" b="1" dirty="0" smtClean="0"/>
+            <a:endParaRPr lang="en-US" altLang="ko-KR" sz="4000" b="1" dirty="0"/>
           </a:p>
         </p:txBody>
       </p:sp>
@@ -4974,7 +4934,7 @@
           <a:lstStyle/>
           <a:p>
             <a:r>
-              <a:rPr lang="en-US" altLang="ko-KR" sz="2000" b="1" dirty="0" smtClean="0"/>
+              <a:rPr lang="en-US" altLang="ko-KR" sz="2000" b="1" dirty="0"/>
               <a:t>--</a:t>
             </a:r>
           </a:p>
@@ -5098,18 +5058,18 @@
           <a:p>
             <a:pPr algn="ctr"/>
             <a:r>
-              <a:rPr lang="ko-KR" altLang="en-US" dirty="0" smtClean="0"/>
-              <a:t>사용자의</a:t>
-            </a:r>
-            <a:endParaRPr lang="en-US" altLang="ko-KR" dirty="0" smtClean="0"/>
+              <a:rPr lang="ko-KR" altLang="en-US" dirty="0"/>
+              <a:t>사진 데이터</a:t>
+            </a:r>
+            <a:endParaRPr lang="en-US" altLang="ko-KR" dirty="0"/>
           </a:p>
           <a:p>
             <a:pPr algn="ctr"/>
             <a:r>
-              <a:rPr lang="ko-KR" altLang="en-US" dirty="0" smtClean="0"/>
-              <a:t>사진 촬영</a:t>
-            </a:r>
-            <a:endParaRPr lang="ko-KR" altLang="en-US" dirty="0"/>
+              <a:rPr lang="ko-KR" altLang="en-US" dirty="0"/>
+              <a:t>준비</a:t>
+            </a:r>
+            <a:endParaRPr lang="en-US" altLang="ko-KR" dirty="0"/>
           </a:p>
         </p:txBody>
       </p:sp>
@@ -5230,8 +5190,15 @@
           </a:lstStyle>
           <a:p>
             <a:r>
-              <a:rPr lang="ko-KR" altLang="en-US" dirty="0" smtClean="0"/>
-              <a:t>사진 데이터 입력</a:t>
+              <a:rPr lang="ko-KR" altLang="en-US" dirty="0"/>
+              <a:t>사진 데이터</a:t>
+            </a:r>
+            <a:endParaRPr lang="en-US" altLang="ko-KR" dirty="0"/>
+          </a:p>
+          <a:p>
+            <a:r>
+              <a:rPr lang="ko-KR" altLang="en-US" dirty="0" err="1"/>
+              <a:t>어노테이션</a:t>
             </a:r>
             <a:endParaRPr lang="ko-KR" altLang="en-US" dirty="0"/>
           </a:p>
@@ -5488,10 +5455,21 @@
           </a:lstStyle>
           <a:p>
             <a:r>
-              <a:rPr lang="ko-KR" altLang="en-US" dirty="0" smtClean="0"/>
-              <a:t>지문 정보 인식</a:t>
-            </a:r>
-            <a:endParaRPr lang="ko-KR" altLang="en-US" dirty="0"/>
+              <a:rPr lang="en-US" altLang="ko-KR" dirty="0"/>
+              <a:t>AI</a:t>
+            </a:r>
+            <a:r>
+              <a:rPr lang="ko-KR" altLang="en-US" dirty="0"/>
+              <a:t> 모델</a:t>
+            </a:r>
+            <a:endParaRPr lang="en-US" altLang="ko-KR" dirty="0"/>
+          </a:p>
+          <a:p>
+            <a:r>
+              <a:rPr lang="ko-KR" altLang="en-US" dirty="0"/>
+              <a:t>학습</a:t>
+            </a:r>
+            <a:endParaRPr lang="en-US" altLang="ko-KR" dirty="0"/>
           </a:p>
         </p:txBody>
       </p:sp>
@@ -5612,17 +5590,21 @@
           </a:lstStyle>
           <a:p>
             <a:r>
-              <a:rPr lang="ko-KR" altLang="en-US" dirty="0" smtClean="0"/>
-              <a:t>지문 정보</a:t>
-            </a:r>
-            <a:endParaRPr lang="en-US" altLang="ko-KR" dirty="0" smtClean="0"/>
-          </a:p>
-          <a:p>
-            <a:r>
-              <a:rPr lang="ko-KR" altLang="en-US" dirty="0" err="1" smtClean="0"/>
-              <a:t>비식별화</a:t>
-            </a:r>
-            <a:endParaRPr lang="ko-KR" altLang="en-US" dirty="0"/>
+              <a:rPr lang="en-US" altLang="ko-KR" dirty="0"/>
+              <a:t>AI</a:t>
+            </a:r>
+            <a:r>
+              <a:rPr lang="ko-KR" altLang="en-US" dirty="0"/>
+              <a:t> 모델</a:t>
+            </a:r>
+            <a:endParaRPr lang="en-US" altLang="ko-KR" dirty="0"/>
+          </a:p>
+          <a:p>
+            <a:r>
+              <a:rPr lang="ko-KR" altLang="en-US" dirty="0"/>
+              <a:t>개선</a:t>
+            </a:r>
+            <a:endParaRPr lang="en-US" altLang="ko-KR" dirty="0"/>
           </a:p>
         </p:txBody>
       </p:sp>
@@ -5743,14 +5725,21 @@
           </a:lstStyle>
           <a:p>
             <a:r>
-              <a:rPr lang="ko-KR" altLang="en-US" dirty="0" err="1" smtClean="0"/>
-              <a:t>비식별화</a:t>
-            </a:r>
-            <a:r>
-              <a:rPr lang="ko-KR" altLang="en-US" dirty="0" smtClean="0"/>
-              <a:t> 된 사진 출력</a:t>
-            </a:r>
-            <a:endParaRPr lang="en-US" altLang="ko-KR" dirty="0" smtClean="0"/>
+              <a:rPr lang="ko-KR" altLang="en-US" dirty="0"/>
+              <a:t>안정화 </a:t>
+            </a:r>
+            <a:endParaRPr lang="en-US" altLang="ko-KR" dirty="0"/>
+          </a:p>
+          <a:p>
+            <a:r>
+              <a:rPr lang="en-US" altLang="ko-KR" dirty="0"/>
+              <a:t>AI </a:t>
+            </a:r>
+            <a:r>
+              <a:rPr lang="ko-KR" altLang="en-US" dirty="0"/>
+              <a:t>모델 개발</a:t>
+            </a:r>
+            <a:endParaRPr lang="en-US" altLang="ko-KR" dirty="0"/>
           </a:p>
         </p:txBody>
       </p:sp>
@@ -5763,7 +5752,7 @@
         <p:spPr>
           <a:xfrm>
             <a:off x="325307" y="2583895"/>
-            <a:ext cx="5933979" cy="369332"/>
+            <a:ext cx="6553389" cy="369332"/>
           </a:xfrm>
           <a:prstGeom prst="rect">
             <a:avLst/>
@@ -5872,19 +5861,15 @@
           <a:p>
             <a:r>
               <a:rPr lang="ko-KR" altLang="en-US" b="1" dirty="0"/>
-              <a:t>개인 정보 유출 방지를 위한 지문 정보 </a:t>
-            </a:r>
-            <a:r>
-              <a:rPr lang="ko-KR" altLang="en-US" b="1" dirty="0" err="1"/>
-              <a:t>비식별화</a:t>
+              <a:t>개인 정보 유출 방지를 위한 지문 정보 비식별화 </a:t>
+            </a:r>
+            <a:r>
+              <a:rPr lang="en-US" altLang="ko-KR" b="1" dirty="0"/>
+              <a:t>AI</a:t>
             </a:r>
             <a:r>
               <a:rPr lang="ko-KR" altLang="en-US" b="1" dirty="0"/>
-              <a:t> </a:t>
-            </a:r>
-            <a:r>
-              <a:rPr lang="ko-KR" altLang="en-US" b="1" dirty="0" smtClean="0"/>
-              <a:t>알고리즘</a:t>
+              <a:t> 모델 개발</a:t>
             </a:r>
             <a:endParaRPr lang="ko-KR" altLang="en-US" dirty="0"/>
           </a:p>
@@ -6410,18 +6395,17 @@
           <a:p>
             <a:pPr algn="ctr"/>
             <a:r>
-              <a:rPr lang="ko-KR" altLang="en-US" dirty="0" smtClean="0"/>
+              <a:rPr lang="ko-KR" altLang="en-US" dirty="0"/>
               <a:t>사용자의</a:t>
             </a:r>
-            <a:endParaRPr lang="en-US" altLang="ko-KR" dirty="0" smtClean="0"/>
+            <a:endParaRPr lang="en-US" altLang="ko-KR" dirty="0"/>
           </a:p>
           <a:p>
             <a:pPr algn="ctr"/>
             <a:r>
-              <a:rPr lang="ko-KR" altLang="en-US" dirty="0" smtClean="0"/>
+              <a:rPr lang="ko-KR" altLang="en-US" dirty="0"/>
               <a:t>사진 촬영</a:t>
             </a:r>
-            <a:endParaRPr lang="ko-KR" altLang="en-US" dirty="0"/>
           </a:p>
         </p:txBody>
       </p:sp>
@@ -6542,21 +6526,16 @@
           </a:lstStyle>
           <a:p>
             <a:r>
-              <a:rPr lang="ko-KR" altLang="en-US" dirty="0" smtClean="0"/>
+              <a:rPr lang="ko-KR" altLang="en-US" dirty="0"/>
               <a:t>웹에 사진</a:t>
             </a:r>
-            <a:endParaRPr lang="en-US" altLang="ko-KR" dirty="0" smtClean="0"/>
-          </a:p>
-          <a:p>
-            <a:r>
-              <a:rPr lang="ko-KR" altLang="en-US" dirty="0" smtClean="0"/>
-              <a:t>데이터 </a:t>
-            </a:r>
+            <a:endParaRPr lang="en-US" altLang="ko-KR" dirty="0"/>
+          </a:p>
+          <a:p>
             <a:r>
               <a:rPr lang="ko-KR" altLang="en-US" dirty="0"/>
-              <a:t>입력</a:t>
-            </a:r>
-            <a:endParaRPr lang="ko-KR" altLang="en-US" dirty="0"/>
+              <a:t>데이터 입력</a:t>
+            </a:r>
           </a:p>
         </p:txBody>
       </p:sp>
@@ -6703,7 +6682,7 @@
         <p:spPr>
           <a:xfrm>
             <a:off x="4093181" y="4779550"/>
-            <a:ext cx="1243140" cy="646331"/>
+            <a:ext cx="1243140" cy="923330"/>
           </a:xfrm>
           <a:prstGeom prst="rect">
             <a:avLst/>
@@ -6811,10 +6790,20 @@
           </a:lstStyle>
           <a:p>
             <a:r>
-              <a:rPr lang="ko-KR" altLang="en-US" dirty="0" smtClean="0"/>
-              <a:t>지문 정보 인식</a:t>
-            </a:r>
-            <a:endParaRPr lang="ko-KR" altLang="en-US" dirty="0"/>
+              <a:rPr lang="en-US" altLang="ko-KR" dirty="0"/>
+              <a:t>AI </a:t>
+            </a:r>
+            <a:r>
+              <a:rPr lang="ko-KR" altLang="en-US" dirty="0"/>
+              <a:t>기반</a:t>
+            </a:r>
+            <a:endParaRPr lang="en-US" altLang="ko-KR" dirty="0"/>
+          </a:p>
+          <a:p>
+            <a:r>
+              <a:rPr lang="ko-KR" altLang="en-US" dirty="0"/>
+              <a:t>지문 정보 판단</a:t>
+            </a:r>
           </a:p>
         </p:txBody>
       </p:sp>
@@ -6945,7 +6934,6 @@
               <a:rPr lang="ko-KR" altLang="en-US" dirty="0"/>
               <a:t>유출 경고 출력</a:t>
             </a:r>
-            <a:endParaRPr lang="ko-KR" altLang="en-US" dirty="0"/>
           </a:p>
         </p:txBody>
       </p:sp>
@@ -6957,8 +6945,8 @@
         </p:nvSpPr>
         <p:spPr>
           <a:xfrm>
-            <a:off x="325307" y="4127934"/>
-            <a:ext cx="5933979" cy="369332"/>
+            <a:off x="325307" y="4278368"/>
+            <a:ext cx="6553389" cy="369332"/>
           </a:xfrm>
           <a:prstGeom prst="rect">
             <a:avLst/>
@@ -7066,8 +7054,8 @@
           </a:lstStyle>
           <a:p>
             <a:r>
-              <a:rPr lang="ko-KR" altLang="en-US" b="1" dirty="0"/>
-              <a:t>지문 탐지 서비스</a:t>
+              <a:rPr lang="ko-KR" altLang="en-US" b="1"/>
+              <a:t>개인 정보 유출 방지를 위한 지문 정보 비식별화 서비스 개발</a:t>
             </a:r>
             <a:endParaRPr lang="ko-KR" altLang="en-US" dirty="0"/>
           </a:p>
@@ -7338,6 +7326,55 @@
           <a:p>
             <a:pPr algn="ctr"/>
             <a:endParaRPr lang="ko-KR" altLang="en-US" sz="4000"/>
+          </a:p>
+        </p:txBody>
+      </p:sp>
+      <p:sp>
+        <p:nvSpPr>
+          <p:cNvPr id="2" name="직사각형 1">
+            <a:extLst>
+              <a:ext uri="{FF2B5EF4-FFF2-40B4-BE49-F238E27FC236}">
+                <a16:creationId xmlns:a16="http://schemas.microsoft.com/office/drawing/2014/main" id="{DA9F5032-45C3-40F3-BF8F-521BBA6FC900}"/>
+              </a:ext>
+            </a:extLst>
+          </p:cNvPr>
+          <p:cNvSpPr/>
+          <p:nvPr/>
+        </p:nvSpPr>
+        <p:spPr>
+          <a:xfrm>
+            <a:off x="5685837" y="959556"/>
+            <a:ext cx="2460978" cy="1048314"/>
+          </a:xfrm>
+          <a:prstGeom prst="rect">
+            <a:avLst/>
+          </a:prstGeom>
+        </p:spPr>
+        <p:style>
+          <a:lnRef idx="2">
+            <a:schemeClr val="accent1">
+              <a:shade val="50000"/>
+            </a:schemeClr>
+          </a:lnRef>
+          <a:fillRef idx="1">
+            <a:schemeClr val="accent1"/>
+          </a:fillRef>
+          <a:effectRef idx="0">
+            <a:schemeClr val="accent1"/>
+          </a:effectRef>
+          <a:fontRef idx="minor">
+            <a:schemeClr val="lt1"/>
+          </a:fontRef>
+        </p:style>
+        <p:txBody>
+          <a:bodyPr rtlCol="0" anchor="ctr"/>
+          <a:lstStyle/>
+          <a:p>
+            <a:pPr algn="ctr"/>
+            <a:r>
+              <a:rPr lang="ko-KR" altLang="en-US" dirty="0"/>
+              <a:t>수정 </a:t>
+            </a:r>
           </a:p>
         </p:txBody>
       </p:sp>
@@ -7351,13 +7388,6 @@
   <p:clrMapOvr>
     <a:masterClrMapping/>
   </p:clrMapOvr>
-  <p:timing>
-    <p:tnLst>
-      <p:par>
-        <p:cTn id="1" dur="indefinite" restart="never" nodeType="tmRoot"/>
-      </p:par>
-    </p:tnLst>
-  </p:timing>
 </p:sld>
 </file>
 
@@ -7612,14 +7642,373 @@
       </p:cxnSp>
       <p:sp>
         <p:nvSpPr>
-          <p:cNvPr id="26" name="TextBox 25"/>
+          <p:cNvPr id="2" name="직사각형 1">
+            <a:extLst>
+              <a:ext uri="{FF2B5EF4-FFF2-40B4-BE49-F238E27FC236}">
+                <a16:creationId xmlns:a16="http://schemas.microsoft.com/office/drawing/2014/main" id="{49F0FF73-0B30-4489-B6AA-60D293FD0AE4}"/>
+              </a:ext>
+            </a:extLst>
+          </p:cNvPr>
+          <p:cNvSpPr/>
+          <p:nvPr/>
+        </p:nvSpPr>
+        <p:spPr>
+          <a:xfrm>
+            <a:off x="4835407" y="3819410"/>
+            <a:ext cx="3525897" cy="2498606"/>
+          </a:xfrm>
+          <a:prstGeom prst="rect">
+            <a:avLst/>
+          </a:prstGeom>
+        </p:spPr>
+        <p:style>
+          <a:lnRef idx="2">
+            <a:schemeClr val="accent1">
+              <a:shade val="50000"/>
+            </a:schemeClr>
+          </a:lnRef>
+          <a:fillRef idx="1">
+            <a:schemeClr val="accent1"/>
+          </a:fillRef>
+          <a:effectRef idx="0">
+            <a:schemeClr val="accent1"/>
+          </a:effectRef>
+          <a:fontRef idx="minor">
+            <a:schemeClr val="lt1"/>
+          </a:fontRef>
+        </p:style>
+        <p:txBody>
+          <a:bodyPr rtlCol="0" anchor="ctr"/>
+          <a:lstStyle/>
+          <a:p>
+            <a:pPr algn="ctr"/>
+            <a:endParaRPr lang="en-US" altLang="ko-KR" dirty="0"/>
+          </a:p>
+          <a:p>
+            <a:pPr algn="ctr"/>
+            <a:endParaRPr lang="en-US" altLang="ko-KR" dirty="0"/>
+          </a:p>
+          <a:p>
+            <a:pPr algn="ctr"/>
+            <a:endParaRPr lang="en-US" altLang="ko-KR" dirty="0"/>
+          </a:p>
+          <a:p>
+            <a:pPr algn="ctr"/>
+            <a:endParaRPr lang="en-US" altLang="ko-KR" dirty="0"/>
+          </a:p>
+          <a:p>
+            <a:pPr algn="ctr"/>
+            <a:endParaRPr lang="en-US" altLang="ko-KR" dirty="0"/>
+          </a:p>
+          <a:p>
+            <a:pPr algn="ctr"/>
+            <a:endParaRPr lang="en-US" altLang="ko-KR" dirty="0"/>
+          </a:p>
+          <a:p>
+            <a:pPr algn="ctr"/>
+            <a:endParaRPr lang="en-US" altLang="ko-KR" dirty="0"/>
+          </a:p>
+          <a:p>
+            <a:pPr algn="ctr"/>
+            <a:r>
+              <a:rPr lang="en-US" altLang="ko-KR" dirty="0"/>
+              <a:t>Server (Linux)</a:t>
+            </a:r>
+            <a:endParaRPr lang="ko-KR" altLang="en-US" dirty="0"/>
+          </a:p>
+        </p:txBody>
+      </p:sp>
+      <p:sp>
+        <p:nvSpPr>
+          <p:cNvPr id="3" name="직사각형 2">
+            <a:extLst>
+              <a:ext uri="{FF2B5EF4-FFF2-40B4-BE49-F238E27FC236}">
+                <a16:creationId xmlns:a16="http://schemas.microsoft.com/office/drawing/2014/main" id="{FC174572-87DA-42A9-863A-6DA8A4607E73}"/>
+              </a:ext>
+            </a:extLst>
+          </p:cNvPr>
+          <p:cNvSpPr/>
+          <p:nvPr/>
+        </p:nvSpPr>
+        <p:spPr>
+          <a:xfrm>
+            <a:off x="5284216" y="3981469"/>
+            <a:ext cx="2605586" cy="722489"/>
+          </a:xfrm>
+          <a:prstGeom prst="rect">
+            <a:avLst/>
+          </a:prstGeom>
+          <a:solidFill>
+            <a:schemeClr val="accent2">
+              <a:lumMod val="60000"/>
+              <a:lumOff val="40000"/>
+            </a:schemeClr>
+          </a:solidFill>
+        </p:spPr>
+        <p:style>
+          <a:lnRef idx="2">
+            <a:schemeClr val="accent1">
+              <a:shade val="50000"/>
+            </a:schemeClr>
+          </a:lnRef>
+          <a:fillRef idx="1">
+            <a:schemeClr val="accent1"/>
+          </a:fillRef>
+          <a:effectRef idx="0">
+            <a:schemeClr val="accent1"/>
+          </a:effectRef>
+          <a:fontRef idx="minor">
+            <a:schemeClr val="lt1"/>
+          </a:fontRef>
+        </p:style>
+        <p:txBody>
+          <a:bodyPr rtlCol="0" anchor="ctr"/>
+          <a:lstStyle/>
+          <a:p>
+            <a:pPr algn="ctr"/>
+            <a:r>
+              <a:rPr lang="en-US" altLang="ko-KR" dirty="0"/>
+              <a:t>Web Server (</a:t>
+            </a:r>
+            <a:r>
+              <a:rPr lang="en-US" altLang="ko-KR" dirty="0" err="1"/>
+              <a:t>NGinx</a:t>
+            </a:r>
+            <a:r>
+              <a:rPr lang="en-US" altLang="ko-KR" dirty="0"/>
+              <a:t>)</a:t>
+            </a:r>
+            <a:endParaRPr lang="ko-KR" altLang="en-US" dirty="0"/>
+          </a:p>
+        </p:txBody>
+      </p:sp>
+      <p:sp>
+        <p:nvSpPr>
+          <p:cNvPr id="13" name="직사각형 12">
+            <a:extLst>
+              <a:ext uri="{FF2B5EF4-FFF2-40B4-BE49-F238E27FC236}">
+                <a16:creationId xmlns:a16="http://schemas.microsoft.com/office/drawing/2014/main" id="{EC3AEAB2-7CB2-40F1-866C-0D55678E7303}"/>
+              </a:ext>
+            </a:extLst>
+          </p:cNvPr>
+          <p:cNvSpPr/>
+          <p:nvPr/>
+        </p:nvSpPr>
+        <p:spPr>
+          <a:xfrm>
+            <a:off x="5284216" y="4808247"/>
+            <a:ext cx="2605586" cy="722489"/>
+          </a:xfrm>
+          <a:prstGeom prst="rect">
+            <a:avLst/>
+          </a:prstGeom>
+          <a:solidFill>
+            <a:schemeClr val="accent6">
+              <a:lumMod val="50000"/>
+            </a:schemeClr>
+          </a:solidFill>
+        </p:spPr>
+        <p:style>
+          <a:lnRef idx="2">
+            <a:schemeClr val="accent1">
+              <a:shade val="50000"/>
+            </a:schemeClr>
+          </a:lnRef>
+          <a:fillRef idx="1">
+            <a:schemeClr val="accent1"/>
+          </a:fillRef>
+          <a:effectRef idx="0">
+            <a:schemeClr val="accent1"/>
+          </a:effectRef>
+          <a:fontRef idx="minor">
+            <a:schemeClr val="lt1"/>
+          </a:fontRef>
+        </p:style>
+        <p:txBody>
+          <a:bodyPr rtlCol="0" anchor="ctr"/>
+          <a:lstStyle/>
+          <a:p>
+            <a:pPr algn="ctr"/>
+            <a:r>
+              <a:rPr lang="en-US" altLang="ko-KR" dirty="0"/>
+              <a:t>Django(Python)</a:t>
+            </a:r>
+            <a:endParaRPr lang="ko-KR" altLang="en-US" dirty="0"/>
+          </a:p>
+        </p:txBody>
+      </p:sp>
+      <p:sp>
+        <p:nvSpPr>
+          <p:cNvPr id="14" name="직사각형 13">
+            <a:extLst>
+              <a:ext uri="{FF2B5EF4-FFF2-40B4-BE49-F238E27FC236}">
+                <a16:creationId xmlns:a16="http://schemas.microsoft.com/office/drawing/2014/main" id="{4117D1AD-2FC1-4682-9CE7-1A3AC48E1F91}"/>
+              </a:ext>
+            </a:extLst>
+          </p:cNvPr>
+          <p:cNvSpPr/>
+          <p:nvPr/>
+        </p:nvSpPr>
+        <p:spPr>
+          <a:xfrm>
+            <a:off x="361297" y="3819410"/>
+            <a:ext cx="2946929" cy="2498606"/>
+          </a:xfrm>
+          <a:prstGeom prst="rect">
+            <a:avLst/>
+          </a:prstGeom>
+        </p:spPr>
+        <p:style>
+          <a:lnRef idx="2">
+            <a:schemeClr val="accent1">
+              <a:shade val="50000"/>
+            </a:schemeClr>
+          </a:lnRef>
+          <a:fillRef idx="1">
+            <a:schemeClr val="accent1"/>
+          </a:fillRef>
+          <a:effectRef idx="0">
+            <a:schemeClr val="accent1"/>
+          </a:effectRef>
+          <a:fontRef idx="minor">
+            <a:schemeClr val="lt1"/>
+          </a:fontRef>
+        </p:style>
+        <p:txBody>
+          <a:bodyPr rtlCol="0" anchor="ctr"/>
+          <a:lstStyle/>
+          <a:p>
+            <a:pPr algn="ctr"/>
+            <a:endParaRPr lang="en-US" altLang="ko-KR" dirty="0"/>
+          </a:p>
+          <a:p>
+            <a:pPr algn="ctr"/>
+            <a:endParaRPr lang="en-US" altLang="ko-KR" dirty="0"/>
+          </a:p>
+          <a:p>
+            <a:pPr algn="ctr"/>
+            <a:endParaRPr lang="en-US" altLang="ko-KR" dirty="0"/>
+          </a:p>
+          <a:p>
+            <a:pPr algn="ctr"/>
+            <a:endParaRPr lang="en-US" altLang="ko-KR" dirty="0"/>
+          </a:p>
+          <a:p>
+            <a:pPr algn="ctr"/>
+            <a:endParaRPr lang="en-US" altLang="ko-KR" dirty="0"/>
+          </a:p>
+          <a:p>
+            <a:pPr algn="ctr"/>
+            <a:endParaRPr lang="en-US" altLang="ko-KR" dirty="0"/>
+          </a:p>
+          <a:p>
+            <a:pPr algn="ctr"/>
+            <a:endParaRPr lang="en-US" altLang="ko-KR" dirty="0"/>
+          </a:p>
+          <a:p>
+            <a:pPr algn="ctr"/>
+            <a:r>
+              <a:rPr lang="en-US" altLang="ko-KR" dirty="0"/>
+              <a:t>Naver Cloud</a:t>
+            </a:r>
+            <a:r>
+              <a:rPr lang="ko-KR" altLang="en-US" dirty="0"/>
+              <a:t> </a:t>
+            </a:r>
+            <a:r>
+              <a:rPr lang="en-US" altLang="ko-KR" dirty="0"/>
+              <a:t>Platform</a:t>
+            </a:r>
+            <a:endParaRPr lang="ko-KR" altLang="en-US" dirty="0"/>
+          </a:p>
+        </p:txBody>
+      </p:sp>
+      <p:sp>
+        <p:nvSpPr>
+          <p:cNvPr id="15" name="직사각형 14">
+            <a:extLst>
+              <a:ext uri="{FF2B5EF4-FFF2-40B4-BE49-F238E27FC236}">
+                <a16:creationId xmlns:a16="http://schemas.microsoft.com/office/drawing/2014/main" id="{C4C05324-E732-4F01-BBA5-3EE1AFDA2B5C}"/>
+              </a:ext>
+            </a:extLst>
+          </p:cNvPr>
+          <p:cNvSpPr/>
+          <p:nvPr/>
+        </p:nvSpPr>
+        <p:spPr>
+          <a:xfrm>
+            <a:off x="689639" y="4808247"/>
+            <a:ext cx="2177737" cy="722489"/>
+          </a:xfrm>
+          <a:prstGeom prst="rect">
+            <a:avLst/>
+          </a:prstGeom>
+          <a:solidFill>
+            <a:schemeClr val="accent6">
+              <a:lumMod val="50000"/>
+            </a:schemeClr>
+          </a:solidFill>
+        </p:spPr>
+        <p:style>
+          <a:lnRef idx="2">
+            <a:schemeClr val="accent1">
+              <a:shade val="50000"/>
+            </a:schemeClr>
+          </a:lnRef>
+          <a:fillRef idx="1">
+            <a:schemeClr val="accent1"/>
+          </a:fillRef>
+          <a:effectRef idx="0">
+            <a:schemeClr val="accent1"/>
+          </a:effectRef>
+          <a:fontRef idx="minor">
+            <a:schemeClr val="lt1"/>
+          </a:fontRef>
+        </p:style>
+        <p:txBody>
+          <a:bodyPr rtlCol="0" anchor="ctr"/>
+          <a:lstStyle/>
+          <a:p>
+            <a:pPr algn="ctr"/>
+            <a:r>
+              <a:rPr lang="en-US" altLang="ko-KR" dirty="0"/>
+              <a:t>Pose</a:t>
+            </a:r>
+            <a:r>
+              <a:rPr lang="ko-KR" altLang="en-US" dirty="0"/>
+              <a:t> </a:t>
+            </a:r>
+            <a:r>
+              <a:rPr lang="en-US" altLang="ko-KR" dirty="0"/>
+              <a:t>Estimation</a:t>
+            </a:r>
+          </a:p>
+          <a:p>
+            <a:pPr algn="ctr"/>
+            <a:r>
+              <a:rPr lang="en-US" altLang="ko-KR" dirty="0"/>
+              <a:t>AI </a:t>
+            </a:r>
+            <a:endParaRPr lang="ko-KR" altLang="en-US" dirty="0"/>
+          </a:p>
+        </p:txBody>
+      </p:sp>
+      <p:sp>
+        <p:nvSpPr>
+          <p:cNvPr id="9" name="TextBox 8">
+            <a:extLst>
+              <a:ext uri="{FF2B5EF4-FFF2-40B4-BE49-F238E27FC236}">
+                <a16:creationId xmlns:a16="http://schemas.microsoft.com/office/drawing/2014/main" id="{490C84E2-9047-4A49-B64A-434ECAC25EF3}"/>
+              </a:ext>
+            </a:extLst>
+          </p:cNvPr>
           <p:cNvSpPr txBox="1"/>
           <p:nvPr/>
         </p:nvSpPr>
         <p:spPr>
           <a:xfrm>
-            <a:off x="780816" y="2117948"/>
-            <a:ext cx="7513330" cy="400110"/>
+            <a:off x="315885" y="3173079"/>
+            <a:ext cx="2946929" cy="646331"/>
           </a:xfrm>
           <a:prstGeom prst="rect">
             <a:avLst/>
@@ -7633,18 +8022,327 @@
           <a:lstStyle/>
           <a:p>
             <a:r>
-              <a:rPr lang="en-US" altLang="ko-KR" sz="2000" b="1" dirty="0" smtClean="0"/>
-              <a:t>Python, </a:t>
-            </a:r>
-            <a:r>
-              <a:rPr lang="en-US" altLang="ko-KR" sz="2000" b="1" dirty="0" err="1" smtClean="0"/>
-              <a:t>Django</a:t>
-            </a:r>
-            <a:r>
-              <a:rPr lang="en-US" altLang="ko-KR" sz="2000" b="1" dirty="0" smtClean="0"/>
-              <a:t>, Linux</a:t>
-            </a:r>
-            <a:endParaRPr lang="en-US" altLang="ko-KR" sz="2000" b="1" dirty="0" smtClean="0"/>
+              <a:rPr lang="ko-KR" altLang="en-US" dirty="0"/>
+              <a:t>프로젝트 과정 중 개발한</a:t>
+            </a:r>
+            <a:endParaRPr lang="en-US" altLang="ko-KR" dirty="0"/>
+          </a:p>
+          <a:p>
+            <a:r>
+              <a:rPr lang="ko-KR" altLang="en-US" dirty="0"/>
+              <a:t>지문 인식 모델을 가정</a:t>
+            </a:r>
+          </a:p>
+        </p:txBody>
+      </p:sp>
+      <p:cxnSp>
+        <p:nvCxnSpPr>
+          <p:cNvPr id="16" name="직선 화살표 연결선 15">
+            <a:extLst>
+              <a:ext uri="{FF2B5EF4-FFF2-40B4-BE49-F238E27FC236}">
+                <a16:creationId xmlns:a16="http://schemas.microsoft.com/office/drawing/2014/main" id="{F524786B-1D03-46BB-9472-A2CEE73339E1}"/>
+              </a:ext>
+            </a:extLst>
+          </p:cNvPr>
+          <p:cNvCxnSpPr>
+            <a:stCxn id="15" idx="3"/>
+          </p:cNvCxnSpPr>
+          <p:nvPr/>
+        </p:nvCxnSpPr>
+        <p:spPr>
+          <a:xfrm flipV="1">
+            <a:off x="2867376" y="5169491"/>
+            <a:ext cx="2416840" cy="1"/>
+          </a:xfrm>
+          <a:prstGeom prst="straightConnector1">
+            <a:avLst/>
+          </a:prstGeom>
+          <a:ln w="28575">
+            <a:solidFill>
+              <a:schemeClr val="tx1"/>
+            </a:solidFill>
+            <a:prstDash val="dash"/>
+            <a:headEnd type="triangle"/>
+            <a:tailEnd type="triangle"/>
+          </a:ln>
+        </p:spPr>
+        <p:style>
+          <a:lnRef idx="1">
+            <a:schemeClr val="accent1"/>
+          </a:lnRef>
+          <a:fillRef idx="0">
+            <a:schemeClr val="accent1"/>
+          </a:fillRef>
+          <a:effectRef idx="0">
+            <a:schemeClr val="accent1"/>
+          </a:effectRef>
+          <a:fontRef idx="minor">
+            <a:schemeClr val="tx1"/>
+          </a:fontRef>
+        </p:style>
+      </p:cxnSp>
+      <p:sp>
+        <p:nvSpPr>
+          <p:cNvPr id="18" name="TextBox 17">
+            <a:extLst>
+              <a:ext uri="{FF2B5EF4-FFF2-40B4-BE49-F238E27FC236}">
+                <a16:creationId xmlns:a16="http://schemas.microsoft.com/office/drawing/2014/main" id="{2E831BC9-F6B3-4E8A-8C06-9E62574FCADD}"/>
+              </a:ext>
+            </a:extLst>
+          </p:cNvPr>
+          <p:cNvSpPr txBox="1"/>
+          <p:nvPr/>
+        </p:nvSpPr>
+        <p:spPr>
+          <a:xfrm>
+            <a:off x="3499170" y="4722174"/>
+            <a:ext cx="1083804" cy="369332"/>
+          </a:xfrm>
+          <a:prstGeom prst="rect">
+            <a:avLst/>
+          </a:prstGeom>
+          <a:noFill/>
+        </p:spPr>
+        <p:txBody>
+          <a:bodyPr wrap="square" rtlCol="0">
+            <a:spAutoFit/>
+          </a:bodyPr>
+          <a:lstStyle/>
+          <a:p>
+            <a:r>
+              <a:rPr lang="en-US" altLang="ko-KR"/>
+              <a:t>API </a:t>
+            </a:r>
+            <a:r>
+              <a:rPr lang="ko-KR" altLang="en-US" dirty="0"/>
+              <a:t>연동</a:t>
+            </a:r>
+          </a:p>
+        </p:txBody>
+      </p:sp>
+      <p:cxnSp>
+        <p:nvCxnSpPr>
+          <p:cNvPr id="19" name="직선 화살표 연결선 18">
+            <a:extLst>
+              <a:ext uri="{FF2B5EF4-FFF2-40B4-BE49-F238E27FC236}">
+                <a16:creationId xmlns:a16="http://schemas.microsoft.com/office/drawing/2014/main" id="{8CA5FA40-B431-4669-B027-15FA0B2EE2B9}"/>
+              </a:ext>
+            </a:extLst>
+          </p:cNvPr>
+          <p:cNvCxnSpPr>
+            <a:cxnSpLocks/>
+            <a:endCxn id="3" idx="0"/>
+          </p:cNvCxnSpPr>
+          <p:nvPr/>
+        </p:nvCxnSpPr>
+        <p:spPr>
+          <a:xfrm>
+            <a:off x="6587009" y="2805269"/>
+            <a:ext cx="0" cy="1176200"/>
+          </a:xfrm>
+          <a:prstGeom prst="straightConnector1">
+            <a:avLst/>
+          </a:prstGeom>
+          <a:ln w="28575">
+            <a:solidFill>
+              <a:schemeClr val="tx1"/>
+            </a:solidFill>
+            <a:prstDash val="dash"/>
+            <a:headEnd type="triangle"/>
+            <a:tailEnd type="triangle"/>
+          </a:ln>
+        </p:spPr>
+        <p:style>
+          <a:lnRef idx="1">
+            <a:schemeClr val="accent1"/>
+          </a:lnRef>
+          <a:fillRef idx="0">
+            <a:schemeClr val="accent1"/>
+          </a:fillRef>
+          <a:effectRef idx="0">
+            <a:schemeClr val="accent1"/>
+          </a:effectRef>
+          <a:fontRef idx="minor">
+            <a:schemeClr val="tx1"/>
+          </a:fontRef>
+        </p:style>
+      </p:cxnSp>
+      <p:pic>
+        <p:nvPicPr>
+          <p:cNvPr id="1026" name="Picture 2" descr="구글 크롬 무료 아이콘 의 Social icons">
+            <a:extLst>
+              <a:ext uri="{FF2B5EF4-FFF2-40B4-BE49-F238E27FC236}">
+                <a16:creationId xmlns:a16="http://schemas.microsoft.com/office/drawing/2014/main" id="{3959443B-2C44-48FD-A4BA-BC3443258AD7}"/>
+              </a:ext>
+            </a:extLst>
+          </p:cNvPr>
+          <p:cNvPicPr>
+            <a:picLocks noChangeAspect="1" noChangeArrowheads="1"/>
+          </p:cNvPicPr>
+          <p:nvPr/>
+        </p:nvPicPr>
+        <p:blipFill>
+          <a:blip r:embed="rId2" cstate="print">
+            <a:extLst>
+              <a:ext uri="{28A0092B-C50C-407E-A947-70E740481C1C}">
+                <a14:useLocalDpi xmlns:a14="http://schemas.microsoft.com/office/drawing/2010/main" val="0"/>
+              </a:ext>
+            </a:extLst>
+          </a:blip>
+          <a:srcRect/>
+          <a:stretch>
+            <a:fillRect/>
+          </a:stretch>
+        </p:blipFill>
+        <p:spPr bwMode="auto">
+          <a:xfrm>
+            <a:off x="5753090" y="1840237"/>
+            <a:ext cx="707886" cy="707886"/>
+          </a:xfrm>
+          <a:prstGeom prst="rect">
+            <a:avLst/>
+          </a:prstGeom>
+          <a:noFill/>
+          <a:extLst>
+            <a:ext uri="{909E8E84-426E-40DD-AFC4-6F175D3DCCD1}">
+              <a14:hiddenFill xmlns:a14="http://schemas.microsoft.com/office/drawing/2010/main">
+                <a:solidFill>
+                  <a:srgbClr val="FFFFFF"/>
+                </a:solidFill>
+              </a14:hiddenFill>
+            </a:ext>
+          </a:extLst>
+        </p:spPr>
+      </p:pic>
+      <p:pic>
+        <p:nvPicPr>
+          <p:cNvPr id="1028" name="Picture 4" descr="Product Identity Assets">
+            <a:extLst>
+              <a:ext uri="{FF2B5EF4-FFF2-40B4-BE49-F238E27FC236}">
+                <a16:creationId xmlns:a16="http://schemas.microsoft.com/office/drawing/2014/main" id="{82790283-B8E9-45F2-BA2F-7052692F23C1}"/>
+              </a:ext>
+            </a:extLst>
+          </p:cNvPr>
+          <p:cNvPicPr>
+            <a:picLocks noChangeAspect="1" noChangeArrowheads="1"/>
+          </p:cNvPicPr>
+          <p:nvPr/>
+        </p:nvPicPr>
+        <p:blipFill>
+          <a:blip r:embed="rId3" cstate="print">
+            <a:extLst>
+              <a:ext uri="{28A0092B-C50C-407E-A947-70E740481C1C}">
+                <a14:useLocalDpi xmlns:a14="http://schemas.microsoft.com/office/drawing/2010/main" val="0"/>
+              </a:ext>
+            </a:extLst>
+          </a:blip>
+          <a:srcRect/>
+          <a:stretch>
+            <a:fillRect/>
+          </a:stretch>
+        </p:blipFill>
+        <p:spPr bwMode="auto">
+          <a:xfrm>
+            <a:off x="6556905" y="1784424"/>
+            <a:ext cx="739657" cy="763699"/>
+          </a:xfrm>
+          <a:prstGeom prst="rect">
+            <a:avLst/>
+          </a:prstGeom>
+          <a:noFill/>
+          <a:extLst>
+            <a:ext uri="{909E8E84-426E-40DD-AFC4-6F175D3DCCD1}">
+              <a14:hiddenFill xmlns:a14="http://schemas.microsoft.com/office/drawing/2010/main">
+                <a:solidFill>
+                  <a:srgbClr val="FFFFFF"/>
+                </a:solidFill>
+              </a14:hiddenFill>
+            </a:ext>
+          </a:extLst>
+        </p:spPr>
+      </p:pic>
+      <p:sp>
+        <p:nvSpPr>
+          <p:cNvPr id="24" name="TextBox 23">
+            <a:extLst>
+              <a:ext uri="{FF2B5EF4-FFF2-40B4-BE49-F238E27FC236}">
+                <a16:creationId xmlns:a16="http://schemas.microsoft.com/office/drawing/2014/main" id="{28E03C4D-3DAC-4ECE-A892-FCA914C614B8}"/>
+              </a:ext>
+            </a:extLst>
+          </p:cNvPr>
+          <p:cNvSpPr txBox="1"/>
+          <p:nvPr/>
+        </p:nvSpPr>
+        <p:spPr>
+          <a:xfrm>
+            <a:off x="6598355" y="3136839"/>
+            <a:ext cx="658548" cy="369332"/>
+          </a:xfrm>
+          <a:prstGeom prst="rect">
+            <a:avLst/>
+          </a:prstGeom>
+          <a:noFill/>
+        </p:spPr>
+        <p:txBody>
+          <a:bodyPr wrap="square" rtlCol="0">
+            <a:spAutoFit/>
+          </a:bodyPr>
+          <a:lstStyle/>
+          <a:p>
+            <a:r>
+              <a:rPr lang="en-US" altLang="ko-KR" dirty="0"/>
+              <a:t>Web</a:t>
+            </a:r>
+            <a:endParaRPr lang="ko-KR" altLang="en-US" dirty="0"/>
+          </a:p>
+        </p:txBody>
+      </p:sp>
+      <p:sp>
+        <p:nvSpPr>
+          <p:cNvPr id="25" name="직사각형 24">
+            <a:extLst>
+              <a:ext uri="{FF2B5EF4-FFF2-40B4-BE49-F238E27FC236}">
+                <a16:creationId xmlns:a16="http://schemas.microsoft.com/office/drawing/2014/main" id="{9C0CDE71-B2E7-402E-AA8C-5CACDAF2604A}"/>
+              </a:ext>
+            </a:extLst>
+          </p:cNvPr>
+          <p:cNvSpPr/>
+          <p:nvPr/>
+        </p:nvSpPr>
+        <p:spPr>
+          <a:xfrm>
+            <a:off x="5816448" y="1019381"/>
+            <a:ext cx="2460978" cy="1048314"/>
+          </a:xfrm>
+          <a:prstGeom prst="rect">
+            <a:avLst/>
+          </a:prstGeom>
+        </p:spPr>
+        <p:style>
+          <a:lnRef idx="2">
+            <a:schemeClr val="accent1">
+              <a:shade val="50000"/>
+            </a:schemeClr>
+          </a:lnRef>
+          <a:fillRef idx="1">
+            <a:schemeClr val="accent1"/>
+          </a:fillRef>
+          <a:effectRef idx="0">
+            <a:schemeClr val="accent1"/>
+          </a:effectRef>
+          <a:fontRef idx="minor">
+            <a:schemeClr val="lt1"/>
+          </a:fontRef>
+        </p:style>
+        <p:txBody>
+          <a:bodyPr rtlCol="0" anchor="ctr"/>
+          <a:lstStyle/>
+          <a:p>
+            <a:pPr algn="ctr"/>
+            <a:r>
+              <a:rPr lang="ko-KR" altLang="en-US" dirty="0"/>
+              <a:t>수정 </a:t>
+            </a:r>
           </a:p>
         </p:txBody>
       </p:sp>
@@ -7658,13 +8356,6 @@
   <p:clrMapOvr>
     <a:masterClrMapping/>
   </p:clrMapOvr>
-  <p:timing>
-    <p:tnLst>
-      <p:par>
-        <p:cTn id="1" dur="indefinite" restart="never" nodeType="tmRoot"/>
-      </p:par>
-    </p:tnLst>
-  </p:timing>
 </p:sld>
 </file>
 
@@ -7833,10 +8524,10 @@
           <a:lstStyle/>
           <a:p>
             <a:r>
-              <a:rPr lang="ko-KR" altLang="en-US" sz="4000" b="1" dirty="0" smtClean="0"/>
+              <a:rPr lang="ko-KR" altLang="en-US" sz="4000" b="1" dirty="0"/>
               <a:t>학습 데이터</a:t>
             </a:r>
-            <a:endParaRPr lang="en-US" altLang="ko-KR" sz="4000" b="1" dirty="0" smtClean="0"/>
+            <a:endParaRPr lang="en-US" altLang="ko-KR" sz="4000" b="1" dirty="0"/>
           </a:p>
         </p:txBody>
       </p:sp>
@@ -7954,13 +8645,9 @@
             </a:r>
             <a:r>
               <a:rPr lang="ko-KR" altLang="en-US" sz="2000" b="1" dirty="0"/>
-              <a:t>촬영된 </a:t>
-            </a:r>
-            <a:r>
-              <a:rPr lang="ko-KR" altLang="en-US" sz="2000" b="1" dirty="0" smtClean="0"/>
-              <a:t>사진</a:t>
-            </a:r>
-            <a:endParaRPr lang="en-US" altLang="ko-KR" sz="2000" b="1" dirty="0" smtClean="0"/>
+              <a:t>촬영된 사진</a:t>
+            </a:r>
+            <a:endParaRPr lang="en-US" altLang="ko-KR" sz="2000" b="1" dirty="0"/>
           </a:p>
           <a:p>
             <a:endParaRPr lang="ko-KR" altLang="en-US" sz="2000" b="1" dirty="0"/>
@@ -7991,25 +8678,33 @@
               <a:t>이 함께 </a:t>
             </a:r>
             <a:r>
-              <a:rPr lang="en-US" altLang="ko-KR" sz="2000" b="1" dirty="0" smtClean="0"/>
+              <a:rPr lang="en-US" altLang="ko-KR" sz="2000" b="1" dirty="0"/>
               <a:t>				</a:t>
             </a:r>
             <a:r>
-              <a:rPr lang="ko-KR" altLang="en-US" sz="2000" b="1" dirty="0" smtClean="0"/>
-              <a:t>촬영된 </a:t>
-            </a:r>
-            <a:r>
               <a:rPr lang="ko-KR" altLang="en-US" sz="2000" b="1" dirty="0"/>
-              <a:t>사진</a:t>
-            </a:r>
-          </a:p>
-          <a:p>
-            <a:endParaRPr lang="en-US" altLang="ko-KR" sz="2000" b="1" dirty="0" smtClean="0"/>
-          </a:p>
-          <a:p>
-            <a:r>
-              <a:rPr lang="en-US" altLang="ko-KR" sz="2000" b="1" dirty="0" smtClean="0"/>
-              <a:t>Case3</a:t>
+              <a:t>촬영된 사진</a:t>
+            </a:r>
+          </a:p>
+          <a:p>
+            <a:endParaRPr lang="en-US" altLang="ko-KR" sz="2000" b="1" dirty="0"/>
+          </a:p>
+          <a:p>
+            <a:r>
+              <a:rPr lang="en-US" altLang="ko-KR" sz="2000" b="1" dirty="0"/>
+              <a:t>Case3)</a:t>
+            </a:r>
+            <a:r>
+              <a:rPr lang="ko-KR" altLang="en-US" sz="2000" b="1" dirty="0"/>
+              <a:t>지문이 보이는 손가락 하나 이상과 인물</a:t>
+            </a:r>
+            <a:r>
+              <a:rPr lang="en-US" altLang="ko-KR" sz="2000" b="1" dirty="0"/>
+              <a:t>(</a:t>
+            </a:r>
+            <a:r>
+              <a:rPr lang="ko-KR" altLang="en-US" sz="2000" b="1" dirty="0"/>
+              <a:t>상반신</a:t>
             </a:r>
             <a:r>
               <a:rPr lang="en-US" altLang="ko-KR" sz="2000" b="1" dirty="0"/>
@@ -8017,6 +8712,27 @@
             </a:r>
             <a:r>
               <a:rPr lang="ko-KR" altLang="en-US" sz="2000" b="1" dirty="0"/>
+              <a:t>이 함께 </a:t>
+            </a:r>
+            <a:r>
+              <a:rPr lang="en-US" altLang="ko-KR" sz="2000" b="1" dirty="0"/>
+              <a:t>				</a:t>
+            </a:r>
+            <a:r>
+              <a:rPr lang="ko-KR" altLang="en-US" sz="2000" b="1" dirty="0"/>
+              <a:t>촬영된 사진</a:t>
+            </a:r>
+          </a:p>
+          <a:p>
+            <a:endParaRPr lang="en-US" altLang="ko-KR" sz="2000" b="1" dirty="0"/>
+          </a:p>
+          <a:p>
+            <a:r>
+              <a:rPr lang="en-US" altLang="ko-KR" sz="2000" b="1" dirty="0"/>
+              <a:t>Case4)</a:t>
+            </a:r>
+            <a:r>
+              <a:rPr lang="ko-KR" altLang="en-US" sz="2000" b="1" dirty="0"/>
               <a:t>지문이 보이는 손가락 하나 이상과 인물</a:t>
             </a:r>
             <a:r>
@@ -8025,7 +8741,7 @@
             </a:r>
             <a:r>
               <a:rPr lang="ko-KR" altLang="en-US" sz="2000" b="1" dirty="0"/>
-              <a:t>상반신</a:t>
+              <a:t>전신</a:t>
             </a:r>
             <a:r>
               <a:rPr lang="en-US" altLang="ko-KR" sz="2000" b="1" dirty="0"/>
@@ -8036,119 +8752,69 @@
               <a:t>이 함께 </a:t>
             </a:r>
             <a:r>
-              <a:rPr lang="en-US" altLang="ko-KR" sz="2000" b="1" dirty="0" smtClean="0"/>
+              <a:rPr lang="en-US" altLang="ko-KR" sz="2000" b="1" dirty="0"/>
               <a:t>				</a:t>
             </a:r>
             <a:r>
-              <a:rPr lang="ko-KR" altLang="en-US" sz="2000" b="1" dirty="0" smtClean="0"/>
-              <a:t>촬영된 </a:t>
-            </a:r>
-            <a:r>
               <a:rPr lang="ko-KR" altLang="en-US" sz="2000" b="1" dirty="0"/>
-              <a:t>사진</a:t>
-            </a:r>
-          </a:p>
-          <a:p>
-            <a:endParaRPr lang="en-US" altLang="ko-KR" sz="2000" b="1" dirty="0" smtClean="0"/>
-          </a:p>
-          <a:p>
-            <a:r>
-              <a:rPr lang="en-US" altLang="ko-KR" sz="2000" b="1" dirty="0" smtClean="0"/>
-              <a:t>Case4</a:t>
+              <a:t>촬영된 사진</a:t>
+            </a:r>
+            <a:endParaRPr lang="en-US" altLang="ko-KR" sz="2000" b="1" dirty="0"/>
+          </a:p>
+          <a:p>
+            <a:endParaRPr lang="en-US" altLang="ko-KR" sz="2000" b="1" dirty="0"/>
+          </a:p>
+          <a:p>
+            <a:r>
+              <a:rPr lang="ko-KR" altLang="en-US" sz="2000" b="1" dirty="0"/>
+              <a:t>사진 사이즈</a:t>
             </a:r>
             <a:r>
               <a:rPr lang="en-US" altLang="ko-KR" sz="2000" b="1" dirty="0"/>
-              <a:t>)</a:t>
+              <a:t>, </a:t>
             </a:r>
             <a:r>
               <a:rPr lang="ko-KR" altLang="en-US" sz="2000" b="1" dirty="0"/>
-              <a:t>지문이 보이는 손가락 하나 이상과 인물</a:t>
+              <a:t>컬러 및 흑백 색상</a:t>
             </a:r>
             <a:r>
               <a:rPr lang="en-US" altLang="ko-KR" sz="2000" b="1" dirty="0"/>
-              <a:t>(</a:t>
+              <a:t>, </a:t>
             </a:r>
             <a:r>
               <a:rPr lang="ko-KR" altLang="en-US" sz="2000" b="1" dirty="0"/>
-              <a:t>전신</a:t>
+              <a:t>구도 및 기타 배경 제한 없이</a:t>
+            </a:r>
+            <a:endParaRPr lang="en-US" altLang="ko-KR" sz="2000" b="1" dirty="0"/>
+          </a:p>
+          <a:p>
+            <a:r>
+              <a:rPr lang="ko-KR" altLang="en-US" sz="2000" b="1" dirty="0"/>
+              <a:t>지문이 제대로 찍힌 사진을 사용하여 프로젝트 참여자 </a:t>
             </a:r>
             <a:r>
               <a:rPr lang="en-US" altLang="ko-KR" sz="2000" b="1" dirty="0"/>
-              <a:t>)</a:t>
+              <a:t>1</a:t>
             </a:r>
             <a:r>
               <a:rPr lang="ko-KR" altLang="en-US" sz="2000" b="1" dirty="0"/>
-              <a:t>이 함께 </a:t>
-            </a:r>
-            <a:r>
-              <a:rPr lang="en-US" altLang="ko-KR" sz="2000" b="1" dirty="0" smtClean="0"/>
-              <a:t>				</a:t>
-            </a:r>
-            <a:r>
-              <a:rPr lang="ko-KR" altLang="en-US" sz="2000" b="1" dirty="0" smtClean="0"/>
-              <a:t>촬영된 </a:t>
-            </a:r>
-            <a:r>
-              <a:rPr lang="ko-KR" altLang="en-US" sz="2000" b="1" dirty="0" smtClean="0"/>
-              <a:t>사진</a:t>
-            </a:r>
-            <a:endParaRPr lang="en-US" altLang="ko-KR" sz="2000" b="1" dirty="0" smtClean="0"/>
-          </a:p>
-          <a:p>
+              <a:t>인당</a:t>
+            </a:r>
             <a:endParaRPr lang="en-US" altLang="ko-KR" sz="2000" b="1" dirty="0"/>
           </a:p>
           <a:p>
             <a:r>
-              <a:rPr lang="ko-KR" altLang="en-US" sz="2000" b="1" dirty="0" smtClean="0"/>
-              <a:t>사진 사이즈</a:t>
-            </a:r>
-            <a:r>
-              <a:rPr lang="en-US" altLang="ko-KR" sz="2000" b="1" dirty="0" smtClean="0"/>
-              <a:t>, </a:t>
-            </a:r>
-            <a:r>
-              <a:rPr lang="ko-KR" altLang="en-US" sz="2000" b="1" dirty="0" smtClean="0"/>
-              <a:t>컬러 및 흑백 색상</a:t>
-            </a:r>
-            <a:r>
-              <a:rPr lang="en-US" altLang="ko-KR" sz="2000" b="1" dirty="0" smtClean="0"/>
-              <a:t>, </a:t>
-            </a:r>
-            <a:r>
-              <a:rPr lang="ko-KR" altLang="en-US" sz="2000" b="1" dirty="0" smtClean="0"/>
-              <a:t>구도 및 기타 배경 제한 없이</a:t>
-            </a:r>
-            <a:endParaRPr lang="en-US" altLang="ko-KR" sz="2000" b="1" dirty="0" smtClean="0"/>
-          </a:p>
-          <a:p>
-            <a:r>
-              <a:rPr lang="ko-KR" altLang="en-US" sz="2000" b="1" dirty="0" smtClean="0"/>
-              <a:t>지문이 제대로 찍힌 사진을 사용하여 프로젝트 참여자 </a:t>
-            </a:r>
-            <a:r>
-              <a:rPr lang="en-US" altLang="ko-KR" sz="2000" b="1" dirty="0" smtClean="0"/>
-              <a:t>1</a:t>
-            </a:r>
-            <a:r>
-              <a:rPr lang="ko-KR" altLang="en-US" sz="2000" b="1" dirty="0" smtClean="0"/>
-              <a:t>인당</a:t>
-            </a:r>
-            <a:endParaRPr lang="en-US" altLang="ko-KR" sz="2000" b="1" dirty="0" smtClean="0"/>
-          </a:p>
-          <a:p>
-            <a:r>
-              <a:rPr lang="ko-KR" altLang="en-US" sz="2000" b="1" dirty="0" smtClean="0"/>
+              <a:rPr lang="ko-KR" altLang="en-US" sz="2000" b="1" dirty="0"/>
               <a:t>최소 </a:t>
             </a:r>
             <a:r>
-              <a:rPr lang="en-US" altLang="ko-KR" sz="2000" b="1" dirty="0" smtClean="0"/>
+              <a:rPr lang="en-US" altLang="ko-KR" sz="2000" b="1" dirty="0"/>
               <a:t>50</a:t>
             </a:r>
             <a:r>
-              <a:rPr lang="ko-KR" altLang="en-US" sz="2000" b="1" dirty="0" smtClean="0"/>
+              <a:rPr lang="ko-KR" altLang="en-US" sz="2000" b="1" dirty="0"/>
               <a:t>장 이상씩 데이터 수집</a:t>
             </a:r>
-            <a:endParaRPr lang="ko-KR" altLang="en-US" sz="2000" b="1" dirty="0"/>
           </a:p>
         </p:txBody>
       </p:sp>
@@ -8162,13 +8828,6 @@
   <p:clrMapOvr>
     <a:masterClrMapping/>
   </p:clrMapOvr>
-  <p:timing>
-    <p:tnLst>
-      <p:par>
-        <p:cTn id="1" dur="indefinite" restart="never" nodeType="tmRoot"/>
-      </p:par>
-    </p:tnLst>
-  </p:timing>
 </p:sld>
 </file>
 
@@ -8337,7 +8996,7 @@
           <a:lstStyle/>
           <a:p>
             <a:r>
-              <a:rPr lang="en-US" altLang="ko-KR" sz="4800" b="1" dirty="0" smtClean="0"/>
+              <a:rPr lang="en-US" altLang="ko-KR" sz="4800" b="1" dirty="0"/>
               <a:t>Thank you.</a:t>
             </a:r>
           </a:p>
@@ -8423,13 +9082,6 @@
   <p:clrMapOvr>
     <a:masterClrMapping/>
   </p:clrMapOvr>
-  <p:timing>
-    <p:tnLst>
-      <p:par>
-        <p:cTn id="1" dur="indefinite" restart="never" nodeType="tmRoot"/>
-      </p:par>
-    </p:tnLst>
-  </p:timing>
 </p:sld>
 </file>
 

--- a/시네틱스 보고서.pptx
+++ b/시네틱스 보고서.pptx
@@ -11,7 +11,8 @@
     <p:sldId id="265" r:id="rId5"/>
     <p:sldId id="266" r:id="rId6"/>
     <p:sldId id="264" r:id="rId7"/>
-    <p:sldId id="262" r:id="rId8"/>
+    <p:sldId id="268" r:id="rId8"/>
+    <p:sldId id="262" r:id="rId9"/>
   </p:sldIdLst>
   <p:sldSz cx="9144000" cy="6858000" type="screen4x3"/>
   <p:notesSz cx="6858000" cy="9144000"/>
@@ -249,7 +250,7 @@
           <a:p>
             <a:fld id="{774DCD05-5649-4EF0-93CB-32420155E3C9}" type="datetimeFigureOut">
               <a:rPr lang="ko-KR" altLang="en-US" smtClean="0"/>
-              <a:t>2021-09-07</a:t>
+              <a:t>2021-09-27</a:t>
             </a:fld>
             <a:endParaRPr lang="ko-KR" altLang="en-US"/>
           </a:p>
@@ -419,7 +420,7 @@
           <a:p>
             <a:fld id="{774DCD05-5649-4EF0-93CB-32420155E3C9}" type="datetimeFigureOut">
               <a:rPr lang="ko-KR" altLang="en-US" smtClean="0"/>
-              <a:t>2021-09-07</a:t>
+              <a:t>2021-09-27</a:t>
             </a:fld>
             <a:endParaRPr lang="ko-KR" altLang="en-US"/>
           </a:p>
@@ -599,7 +600,7 @@
           <a:p>
             <a:fld id="{774DCD05-5649-4EF0-93CB-32420155E3C9}" type="datetimeFigureOut">
               <a:rPr lang="ko-KR" altLang="en-US" smtClean="0"/>
-              <a:t>2021-09-07</a:t>
+              <a:t>2021-09-27</a:t>
             </a:fld>
             <a:endParaRPr lang="ko-KR" altLang="en-US"/>
           </a:p>
@@ -769,7 +770,7 @@
           <a:p>
             <a:fld id="{774DCD05-5649-4EF0-93CB-32420155E3C9}" type="datetimeFigureOut">
               <a:rPr lang="ko-KR" altLang="en-US" smtClean="0"/>
-              <a:t>2021-09-07</a:t>
+              <a:t>2021-09-27</a:t>
             </a:fld>
             <a:endParaRPr lang="ko-KR" altLang="en-US"/>
           </a:p>
@@ -1013,7 +1014,7 @@
           <a:p>
             <a:fld id="{774DCD05-5649-4EF0-93CB-32420155E3C9}" type="datetimeFigureOut">
               <a:rPr lang="ko-KR" altLang="en-US" smtClean="0"/>
-              <a:t>2021-09-07</a:t>
+              <a:t>2021-09-27</a:t>
             </a:fld>
             <a:endParaRPr lang="ko-KR" altLang="en-US"/>
           </a:p>
@@ -1245,7 +1246,7 @@
           <a:p>
             <a:fld id="{774DCD05-5649-4EF0-93CB-32420155E3C9}" type="datetimeFigureOut">
               <a:rPr lang="ko-KR" altLang="en-US" smtClean="0"/>
-              <a:t>2021-09-07</a:t>
+              <a:t>2021-09-27</a:t>
             </a:fld>
             <a:endParaRPr lang="ko-KR" altLang="en-US"/>
           </a:p>
@@ -1612,7 +1613,7 @@
           <a:p>
             <a:fld id="{774DCD05-5649-4EF0-93CB-32420155E3C9}" type="datetimeFigureOut">
               <a:rPr lang="ko-KR" altLang="en-US" smtClean="0"/>
-              <a:t>2021-09-07</a:t>
+              <a:t>2021-09-27</a:t>
             </a:fld>
             <a:endParaRPr lang="ko-KR" altLang="en-US"/>
           </a:p>
@@ -1730,7 +1731,7 @@
           <a:p>
             <a:fld id="{774DCD05-5649-4EF0-93CB-32420155E3C9}" type="datetimeFigureOut">
               <a:rPr lang="ko-KR" altLang="en-US" smtClean="0"/>
-              <a:t>2021-09-07</a:t>
+              <a:t>2021-09-27</a:t>
             </a:fld>
             <a:endParaRPr lang="ko-KR" altLang="en-US"/>
           </a:p>
@@ -1825,7 +1826,7 @@
           <a:p>
             <a:fld id="{774DCD05-5649-4EF0-93CB-32420155E3C9}" type="datetimeFigureOut">
               <a:rPr lang="ko-KR" altLang="en-US" smtClean="0"/>
-              <a:t>2021-09-07</a:t>
+              <a:t>2021-09-27</a:t>
             </a:fld>
             <a:endParaRPr lang="ko-KR" altLang="en-US"/>
           </a:p>
@@ -2102,7 +2103,7 @@
           <a:p>
             <a:fld id="{774DCD05-5649-4EF0-93CB-32420155E3C9}" type="datetimeFigureOut">
               <a:rPr lang="ko-KR" altLang="en-US" smtClean="0"/>
-              <a:t>2021-09-07</a:t>
+              <a:t>2021-09-27</a:t>
             </a:fld>
             <a:endParaRPr lang="ko-KR" altLang="en-US"/>
           </a:p>
@@ -2359,7 +2360,7 @@
           <a:p>
             <a:fld id="{774DCD05-5649-4EF0-93CB-32420155E3C9}" type="datetimeFigureOut">
               <a:rPr lang="ko-KR" altLang="en-US" smtClean="0"/>
-              <a:t>2021-09-07</a:t>
+              <a:t>2021-09-27</a:t>
             </a:fld>
             <a:endParaRPr lang="ko-KR" altLang="en-US"/>
           </a:p>
@@ -2572,7 +2573,7 @@
           <a:p>
             <a:fld id="{774DCD05-5649-4EF0-93CB-32420155E3C9}" type="datetimeFigureOut">
               <a:rPr lang="ko-KR" altLang="en-US" smtClean="0"/>
-              <a:t>2021-09-07</a:t>
+              <a:t>2021-09-27</a:t>
             </a:fld>
             <a:endParaRPr lang="ko-KR" altLang="en-US"/>
           </a:p>
@@ -7334,7 +7335,7 @@
           <p:cNvPr id="2" name="직사각형 1">
             <a:extLst>
               <a:ext uri="{FF2B5EF4-FFF2-40B4-BE49-F238E27FC236}">
-                <a16:creationId xmlns:a16="http://schemas.microsoft.com/office/drawing/2014/main" id="{DA9F5032-45C3-40F3-BF8F-521BBA6FC900}"/>
+                <a16:creationId xmlns:a16="http://schemas.microsoft.com/office/drawing/2014/main" xmlns="" id="{DA9F5032-45C3-40F3-BF8F-521BBA6FC900}"/>
               </a:ext>
             </a:extLst>
           </p:cNvPr>
@@ -7645,7 +7646,7 @@
           <p:cNvPr id="2" name="직사각형 1">
             <a:extLst>
               <a:ext uri="{FF2B5EF4-FFF2-40B4-BE49-F238E27FC236}">
-                <a16:creationId xmlns:a16="http://schemas.microsoft.com/office/drawing/2014/main" id="{49F0FF73-0B30-4489-B6AA-60D293FD0AE4}"/>
+                <a16:creationId xmlns:a16="http://schemas.microsoft.com/office/drawing/2014/main" xmlns="" id="{49F0FF73-0B30-4489-B6AA-60D293FD0AE4}"/>
               </a:ext>
             </a:extLst>
           </p:cNvPr>
@@ -7723,7 +7724,7 @@
           <p:cNvPr id="3" name="직사각형 2">
             <a:extLst>
               <a:ext uri="{FF2B5EF4-FFF2-40B4-BE49-F238E27FC236}">
-                <a16:creationId xmlns:a16="http://schemas.microsoft.com/office/drawing/2014/main" id="{FC174572-87DA-42A9-863A-6DA8A4607E73}"/>
+                <a16:creationId xmlns:a16="http://schemas.microsoft.com/office/drawing/2014/main" xmlns="" id="{FC174572-87DA-42A9-863A-6DA8A4607E73}"/>
               </a:ext>
             </a:extLst>
           </p:cNvPr>
@@ -7787,7 +7788,7 @@
           <p:cNvPr id="13" name="직사각형 12">
             <a:extLst>
               <a:ext uri="{FF2B5EF4-FFF2-40B4-BE49-F238E27FC236}">
-                <a16:creationId xmlns:a16="http://schemas.microsoft.com/office/drawing/2014/main" id="{EC3AEAB2-7CB2-40F1-866C-0D55678E7303}"/>
+                <a16:creationId xmlns:a16="http://schemas.microsoft.com/office/drawing/2014/main" xmlns="" id="{EC3AEAB2-7CB2-40F1-866C-0D55678E7303}"/>
               </a:ext>
             </a:extLst>
           </p:cNvPr>
@@ -7842,7 +7843,7 @@
           <p:cNvPr id="14" name="직사각형 13">
             <a:extLst>
               <a:ext uri="{FF2B5EF4-FFF2-40B4-BE49-F238E27FC236}">
-                <a16:creationId xmlns:a16="http://schemas.microsoft.com/office/drawing/2014/main" id="{4117D1AD-2FC1-4682-9CE7-1A3AC48E1F91}"/>
+                <a16:creationId xmlns:a16="http://schemas.microsoft.com/office/drawing/2014/main" xmlns="" id="{4117D1AD-2FC1-4682-9CE7-1A3AC48E1F91}"/>
               </a:ext>
             </a:extLst>
           </p:cNvPr>
@@ -7928,7 +7929,7 @@
           <p:cNvPr id="15" name="직사각형 14">
             <a:extLst>
               <a:ext uri="{FF2B5EF4-FFF2-40B4-BE49-F238E27FC236}">
-                <a16:creationId xmlns:a16="http://schemas.microsoft.com/office/drawing/2014/main" id="{C4C05324-E732-4F01-BBA5-3EE1AFDA2B5C}"/>
+                <a16:creationId xmlns:a16="http://schemas.microsoft.com/office/drawing/2014/main" xmlns="" id="{C4C05324-E732-4F01-BBA5-3EE1AFDA2B5C}"/>
               </a:ext>
             </a:extLst>
           </p:cNvPr>
@@ -7998,7 +7999,7 @@
           <p:cNvPr id="9" name="TextBox 8">
             <a:extLst>
               <a:ext uri="{FF2B5EF4-FFF2-40B4-BE49-F238E27FC236}">
-                <a16:creationId xmlns:a16="http://schemas.microsoft.com/office/drawing/2014/main" id="{490C84E2-9047-4A49-B64A-434ECAC25EF3}"/>
+                <a16:creationId xmlns:a16="http://schemas.microsoft.com/office/drawing/2014/main" xmlns="" id="{490C84E2-9047-4A49-B64A-434ECAC25EF3}"/>
               </a:ext>
             </a:extLst>
           </p:cNvPr>
@@ -8040,7 +8041,7 @@
           <p:cNvPr id="16" name="직선 화살표 연결선 15">
             <a:extLst>
               <a:ext uri="{FF2B5EF4-FFF2-40B4-BE49-F238E27FC236}">
-                <a16:creationId xmlns:a16="http://schemas.microsoft.com/office/drawing/2014/main" id="{F524786B-1D03-46BB-9472-A2CEE73339E1}"/>
+                <a16:creationId xmlns:a16="http://schemas.microsoft.com/office/drawing/2014/main" xmlns="" id="{F524786B-1D03-46BB-9472-A2CEE73339E1}"/>
               </a:ext>
             </a:extLst>
           </p:cNvPr>
@@ -8086,7 +8087,7 @@
           <p:cNvPr id="18" name="TextBox 17">
             <a:extLst>
               <a:ext uri="{FF2B5EF4-FFF2-40B4-BE49-F238E27FC236}">
-                <a16:creationId xmlns:a16="http://schemas.microsoft.com/office/drawing/2014/main" id="{2E831BC9-F6B3-4E8A-8C06-9E62574FCADD}"/>
+                <a16:creationId xmlns:a16="http://schemas.microsoft.com/office/drawing/2014/main" xmlns="" id="{2E831BC9-F6B3-4E8A-8C06-9E62574FCADD}"/>
               </a:ext>
             </a:extLst>
           </p:cNvPr>
@@ -8125,7 +8126,7 @@
           <p:cNvPr id="19" name="직선 화살표 연결선 18">
             <a:extLst>
               <a:ext uri="{FF2B5EF4-FFF2-40B4-BE49-F238E27FC236}">
-                <a16:creationId xmlns:a16="http://schemas.microsoft.com/office/drawing/2014/main" id="{8CA5FA40-B431-4669-B027-15FA0B2EE2B9}"/>
+                <a16:creationId xmlns:a16="http://schemas.microsoft.com/office/drawing/2014/main" xmlns="" id="{8CA5FA40-B431-4669-B027-15FA0B2EE2B9}"/>
               </a:ext>
             </a:extLst>
           </p:cNvPr>
@@ -8172,7 +8173,7 @@
           <p:cNvPr id="1026" name="Picture 2" descr="구글 크롬 무료 아이콘 의 Social icons">
             <a:extLst>
               <a:ext uri="{FF2B5EF4-FFF2-40B4-BE49-F238E27FC236}">
-                <a16:creationId xmlns:a16="http://schemas.microsoft.com/office/drawing/2014/main" id="{3959443B-2C44-48FD-A4BA-BC3443258AD7}"/>
+                <a16:creationId xmlns:a16="http://schemas.microsoft.com/office/drawing/2014/main" xmlns="" id="{3959443B-2C44-48FD-A4BA-BC3443258AD7}"/>
               </a:ext>
             </a:extLst>
           </p:cNvPr>
@@ -8219,7 +8220,7 @@
           <p:cNvPr id="1028" name="Picture 4" descr="Product Identity Assets">
             <a:extLst>
               <a:ext uri="{FF2B5EF4-FFF2-40B4-BE49-F238E27FC236}">
-                <a16:creationId xmlns:a16="http://schemas.microsoft.com/office/drawing/2014/main" id="{82790283-B8E9-45F2-BA2F-7052692F23C1}"/>
+                <a16:creationId xmlns:a16="http://schemas.microsoft.com/office/drawing/2014/main" xmlns="" id="{82790283-B8E9-45F2-BA2F-7052692F23C1}"/>
               </a:ext>
             </a:extLst>
           </p:cNvPr>
@@ -8266,7 +8267,7 @@
           <p:cNvPr id="24" name="TextBox 23">
             <a:extLst>
               <a:ext uri="{FF2B5EF4-FFF2-40B4-BE49-F238E27FC236}">
-                <a16:creationId xmlns:a16="http://schemas.microsoft.com/office/drawing/2014/main" id="{28E03C4D-3DAC-4ECE-A892-FCA914C614B8}"/>
+                <a16:creationId xmlns:a16="http://schemas.microsoft.com/office/drawing/2014/main" xmlns="" id="{28E03C4D-3DAC-4ECE-A892-FCA914C614B8}"/>
               </a:ext>
             </a:extLst>
           </p:cNvPr>
@@ -8302,7 +8303,7 @@
           <p:cNvPr id="25" name="직사각형 24">
             <a:extLst>
               <a:ext uri="{FF2B5EF4-FFF2-40B4-BE49-F238E27FC236}">
-                <a16:creationId xmlns:a16="http://schemas.microsoft.com/office/drawing/2014/main" id="{9C0CDE71-B2E7-402E-AA8C-5CACDAF2604A}"/>
+                <a16:creationId xmlns:a16="http://schemas.microsoft.com/office/drawing/2014/main" xmlns="" id="{9C0CDE71-B2E7-402E-AA8C-5CACDAF2604A}"/>
               </a:ext>
             </a:extLst>
           </p:cNvPr>
@@ -8832,6 +8833,311 @@
 </file>
 
 <file path=ppt/slides/slide7.xml><?xml version="1.0" encoding="utf-8"?>
+<p:sld xmlns:a="http://schemas.openxmlformats.org/drawingml/2006/main" xmlns:r="http://schemas.openxmlformats.org/officeDocument/2006/relationships" xmlns:p="http://schemas.openxmlformats.org/presentationml/2006/main">
+  <p:cSld>
+    <p:spTree>
+      <p:nvGrpSpPr>
+        <p:cNvPr id="1" name=""/>
+        <p:cNvGrpSpPr/>
+        <p:nvPr/>
+      </p:nvGrpSpPr>
+      <p:grpSpPr>
+        <a:xfrm>
+          <a:off x="0" y="0"/>
+          <a:ext cx="0" cy="0"/>
+          <a:chOff x="0" y="0"/>
+          <a:chExt cx="0" cy="0"/>
+        </a:xfrm>
+      </p:grpSpPr>
+      <p:cxnSp>
+        <p:nvCxnSpPr>
+          <p:cNvPr id="5" name="직선 연결선 4"/>
+          <p:cNvCxnSpPr/>
+          <p:nvPr/>
+        </p:nvCxnSpPr>
+        <p:spPr>
+          <a:xfrm>
+            <a:off x="0" y="216131"/>
+            <a:ext cx="9144000" cy="0"/>
+          </a:xfrm>
+          <a:prstGeom prst="line">
+            <a:avLst/>
+          </a:prstGeom>
+          <a:ln w="28575">
+            <a:solidFill>
+              <a:schemeClr val="tx1">
+                <a:lumMod val="85000"/>
+                <a:lumOff val="15000"/>
+              </a:schemeClr>
+            </a:solidFill>
+          </a:ln>
+        </p:spPr>
+        <p:style>
+          <a:lnRef idx="1">
+            <a:schemeClr val="accent1"/>
+          </a:lnRef>
+          <a:fillRef idx="0">
+            <a:schemeClr val="accent1"/>
+          </a:fillRef>
+          <a:effectRef idx="0">
+            <a:schemeClr val="accent1"/>
+          </a:effectRef>
+          <a:fontRef idx="minor">
+            <a:schemeClr val="tx1"/>
+          </a:fontRef>
+        </p:style>
+      </p:cxnSp>
+      <p:cxnSp>
+        <p:nvCxnSpPr>
+          <p:cNvPr id="6" name="직선 연결선 5"/>
+          <p:cNvCxnSpPr/>
+          <p:nvPr/>
+        </p:nvCxnSpPr>
+        <p:spPr>
+          <a:xfrm>
+            <a:off x="0" y="6644640"/>
+            <a:ext cx="9144000" cy="0"/>
+          </a:xfrm>
+          <a:prstGeom prst="line">
+            <a:avLst/>
+          </a:prstGeom>
+          <a:ln w="28575">
+            <a:solidFill>
+              <a:schemeClr val="tx1">
+                <a:lumMod val="85000"/>
+                <a:lumOff val="15000"/>
+              </a:schemeClr>
+            </a:solidFill>
+          </a:ln>
+        </p:spPr>
+        <p:style>
+          <a:lnRef idx="1">
+            <a:schemeClr val="accent1"/>
+          </a:lnRef>
+          <a:fillRef idx="0">
+            <a:schemeClr val="accent1"/>
+          </a:fillRef>
+          <a:effectRef idx="0">
+            <a:schemeClr val="accent1"/>
+          </a:effectRef>
+          <a:fontRef idx="minor">
+            <a:schemeClr val="tx1"/>
+          </a:fontRef>
+        </p:style>
+      </p:cxnSp>
+      <p:sp>
+        <p:nvSpPr>
+          <p:cNvPr id="7" name="직사각형 6"/>
+          <p:cNvSpPr/>
+          <p:nvPr/>
+        </p:nvSpPr>
+        <p:spPr>
+          <a:xfrm>
+            <a:off x="781398" y="0"/>
+            <a:ext cx="133002" cy="1330036"/>
+          </a:xfrm>
+          <a:prstGeom prst="rect">
+            <a:avLst/>
+          </a:prstGeom>
+          <a:solidFill>
+            <a:schemeClr val="tx1">
+              <a:lumMod val="85000"/>
+              <a:lumOff val="15000"/>
+            </a:schemeClr>
+          </a:solidFill>
+          <a:ln>
+            <a:noFill/>
+          </a:ln>
+        </p:spPr>
+        <p:style>
+          <a:lnRef idx="2">
+            <a:schemeClr val="accent1">
+              <a:shade val="50000"/>
+            </a:schemeClr>
+          </a:lnRef>
+          <a:fillRef idx="1">
+            <a:schemeClr val="accent1"/>
+          </a:fillRef>
+          <a:effectRef idx="0">
+            <a:schemeClr val="accent1"/>
+          </a:effectRef>
+          <a:fontRef idx="minor">
+            <a:schemeClr val="lt1"/>
+          </a:fontRef>
+        </p:style>
+        <p:txBody>
+          <a:bodyPr rtlCol="0" anchor="ctr"/>
+          <a:lstStyle/>
+          <a:p>
+            <a:pPr algn="ctr"/>
+            <a:endParaRPr lang="ko-KR" altLang="en-US"/>
+          </a:p>
+        </p:txBody>
+      </p:sp>
+      <p:sp>
+        <p:nvSpPr>
+          <p:cNvPr id="8" name="TextBox 7"/>
+          <p:cNvSpPr txBox="1"/>
+          <p:nvPr/>
+        </p:nvSpPr>
+        <p:spPr>
+          <a:xfrm>
+            <a:off x="1313413" y="374073"/>
+            <a:ext cx="5032147" cy="707886"/>
+          </a:xfrm>
+          <a:prstGeom prst="rect">
+            <a:avLst/>
+          </a:prstGeom>
+          <a:noFill/>
+        </p:spPr>
+        <p:txBody>
+          <a:bodyPr wrap="none" rtlCol="0">
+            <a:spAutoFit/>
+          </a:bodyPr>
+          <a:lstStyle/>
+          <a:p>
+            <a:r>
+              <a:rPr lang="ko-KR" altLang="en-US" sz="4000" b="1" dirty="0" smtClean="0"/>
+              <a:t>서비스 디자인 </a:t>
+            </a:r>
+            <a:r>
+              <a:rPr lang="ko-KR" altLang="en-US" sz="4000" b="1" dirty="0" err="1" smtClean="0"/>
+              <a:t>기획안</a:t>
+            </a:r>
+            <a:endParaRPr lang="en-US" altLang="ko-KR" sz="4000" b="1" dirty="0"/>
+          </a:p>
+        </p:txBody>
+      </p:sp>
+      <p:cxnSp>
+        <p:nvCxnSpPr>
+          <p:cNvPr id="12" name="직선 연결선 11"/>
+          <p:cNvCxnSpPr/>
+          <p:nvPr/>
+        </p:nvCxnSpPr>
+        <p:spPr>
+          <a:xfrm>
+            <a:off x="157942" y="0"/>
+            <a:ext cx="0" cy="6858000"/>
+          </a:xfrm>
+          <a:prstGeom prst="line">
+            <a:avLst/>
+          </a:prstGeom>
+          <a:ln w="28575">
+            <a:solidFill>
+              <a:schemeClr val="tx1"/>
+            </a:solidFill>
+          </a:ln>
+        </p:spPr>
+        <p:style>
+          <a:lnRef idx="1">
+            <a:schemeClr val="accent1"/>
+          </a:lnRef>
+          <a:fillRef idx="0">
+            <a:schemeClr val="accent1"/>
+          </a:fillRef>
+          <a:effectRef idx="0">
+            <a:schemeClr val="accent1"/>
+          </a:effectRef>
+          <a:fontRef idx="minor">
+            <a:schemeClr val="tx1"/>
+          </a:fontRef>
+        </p:style>
+      </p:cxnSp>
+      <p:cxnSp>
+        <p:nvCxnSpPr>
+          <p:cNvPr id="11" name="직선 연결선 10"/>
+          <p:cNvCxnSpPr/>
+          <p:nvPr/>
+        </p:nvCxnSpPr>
+        <p:spPr>
+          <a:xfrm>
+            <a:off x="8947265" y="0"/>
+            <a:ext cx="0" cy="6858000"/>
+          </a:xfrm>
+          <a:prstGeom prst="line">
+            <a:avLst/>
+          </a:prstGeom>
+          <a:ln w="28575">
+            <a:solidFill>
+              <a:schemeClr val="tx1"/>
+            </a:solidFill>
+          </a:ln>
+        </p:spPr>
+        <p:style>
+          <a:lnRef idx="1">
+            <a:schemeClr val="accent1"/>
+          </a:lnRef>
+          <a:fillRef idx="0">
+            <a:schemeClr val="accent1"/>
+          </a:fillRef>
+          <a:effectRef idx="0">
+            <a:schemeClr val="accent1"/>
+          </a:effectRef>
+          <a:fontRef idx="minor">
+            <a:schemeClr val="tx1"/>
+          </a:fontRef>
+        </p:style>
+      </p:cxnSp>
+      <p:pic>
+        <p:nvPicPr>
+          <p:cNvPr id="10" name="그림 9"/>
+          <p:cNvPicPr>
+            <a:picLocks noChangeAspect="1"/>
+          </p:cNvPicPr>
+          <p:nvPr/>
+        </p:nvPicPr>
+        <p:blipFill rotWithShape="1">
+          <a:blip r:embed="rId2"/>
+          <a:srcRect l="2672" t="6091" r="3820" b="5774"/>
+          <a:stretch/>
+        </p:blipFill>
+        <p:spPr>
+          <a:xfrm>
+            <a:off x="230661" y="1487977"/>
+            <a:ext cx="5965278" cy="2993407"/>
+          </a:xfrm>
+          <a:prstGeom prst="rect">
+            <a:avLst/>
+          </a:prstGeom>
+        </p:spPr>
+      </p:pic>
+      <p:pic>
+        <p:nvPicPr>
+          <p:cNvPr id="2" name="그림 1"/>
+          <p:cNvPicPr>
+            <a:picLocks noChangeAspect="1"/>
+          </p:cNvPicPr>
+          <p:nvPr/>
+        </p:nvPicPr>
+        <p:blipFill rotWithShape="1">
+          <a:blip r:embed="rId3"/>
+          <a:srcRect l="1159" t="2460" r="1790" b="3474"/>
+          <a:stretch/>
+        </p:blipFill>
+        <p:spPr>
+          <a:xfrm>
+            <a:off x="2042982" y="2940720"/>
+            <a:ext cx="6575152" cy="3294687"/>
+          </a:xfrm>
+          <a:prstGeom prst="rect">
+            <a:avLst/>
+          </a:prstGeom>
+        </p:spPr>
+      </p:pic>
+    </p:spTree>
+    <p:extLst>
+      <p:ext uri="{BB962C8B-B14F-4D97-AF65-F5344CB8AC3E}">
+        <p14:creationId xmlns:p14="http://schemas.microsoft.com/office/powerpoint/2010/main" val="3383531979"/>
+      </p:ext>
+    </p:extLst>
+  </p:cSld>
+  <p:clrMapOvr>
+    <a:masterClrMapping/>
+  </p:clrMapOvr>
+</p:sld>
+</file>
+
+<file path=ppt/slides/slide8.xml><?xml version="1.0" encoding="utf-8"?>
 <p:sld xmlns:a="http://schemas.openxmlformats.org/drawingml/2006/main" xmlns:r="http://schemas.openxmlformats.org/officeDocument/2006/relationships" xmlns:p="http://schemas.openxmlformats.org/presentationml/2006/main">
   <p:cSld>
     <p:spTree>
